--- a/doc/02.身份.pptx
+++ b/doc/02.身份.pptx
@@ -13,13 +13,15 @@
     <p:sldId id="291" r:id="rId7"/>
     <p:sldId id="290" r:id="rId8"/>
     <p:sldId id="288" r:id="rId9"/>
-    <p:sldId id="266" r:id="rId10"/>
-    <p:sldId id="296" r:id="rId11"/>
-    <p:sldId id="298" r:id="rId12"/>
-    <p:sldId id="297" r:id="rId13"/>
-    <p:sldId id="295" r:id="rId14"/>
-    <p:sldId id="265" r:id="rId15"/>
-    <p:sldId id="267" r:id="rId16"/>
+    <p:sldId id="299" r:id="rId10"/>
+    <p:sldId id="266" r:id="rId11"/>
+    <p:sldId id="296" r:id="rId12"/>
+    <p:sldId id="298" r:id="rId13"/>
+    <p:sldId id="297" r:id="rId14"/>
+    <p:sldId id="295" r:id="rId15"/>
+    <p:sldId id="265" r:id="rId16"/>
+    <p:sldId id="267" r:id="rId17"/>
+    <p:sldId id="300" r:id="rId18"/>
   </p:sldIdLst>
   <p:sldSz cx="12192000" cy="6858000"/>
   <p:notesSz cx="6858000" cy="9144000"/>
@@ -285,7 +287,7 @@
           <a:p>
             <a:fld id="{1B7BBEA4-24BC-4F9A-BA49-26A596A24E96}" type="datetimeFigureOut">
               <a:rPr lang="zh-CN" altLang="en-US" smtClean="0"/>
-              <a:t>2021/4/22</a:t>
+              <a:t>2021/5/10</a:t>
             </a:fld>
             <a:endParaRPr lang="zh-CN" altLang="en-US"/>
           </a:p>
@@ -483,7 +485,7 @@
           <a:p>
             <a:fld id="{1B7BBEA4-24BC-4F9A-BA49-26A596A24E96}" type="datetimeFigureOut">
               <a:rPr lang="zh-CN" altLang="en-US" smtClean="0"/>
-              <a:t>2021/4/22</a:t>
+              <a:t>2021/5/10</a:t>
             </a:fld>
             <a:endParaRPr lang="zh-CN" altLang="en-US"/>
           </a:p>
@@ -691,7 +693,7 @@
           <a:p>
             <a:fld id="{1B7BBEA4-24BC-4F9A-BA49-26A596A24E96}" type="datetimeFigureOut">
               <a:rPr lang="zh-CN" altLang="en-US" smtClean="0"/>
-              <a:t>2021/4/22</a:t>
+              <a:t>2021/5/10</a:t>
             </a:fld>
             <a:endParaRPr lang="zh-CN" altLang="en-US"/>
           </a:p>
@@ -889,7 +891,7 @@
           <a:p>
             <a:fld id="{1B7BBEA4-24BC-4F9A-BA49-26A596A24E96}" type="datetimeFigureOut">
               <a:rPr lang="zh-CN" altLang="en-US" smtClean="0"/>
-              <a:t>2021/4/22</a:t>
+              <a:t>2021/5/10</a:t>
             </a:fld>
             <a:endParaRPr lang="zh-CN" altLang="en-US"/>
           </a:p>
@@ -1164,7 +1166,7 @@
           <a:p>
             <a:fld id="{1B7BBEA4-24BC-4F9A-BA49-26A596A24E96}" type="datetimeFigureOut">
               <a:rPr lang="zh-CN" altLang="en-US" smtClean="0"/>
-              <a:t>2021/4/22</a:t>
+              <a:t>2021/5/10</a:t>
             </a:fld>
             <a:endParaRPr lang="zh-CN" altLang="en-US"/>
           </a:p>
@@ -1429,7 +1431,7 @@
           <a:p>
             <a:fld id="{1B7BBEA4-24BC-4F9A-BA49-26A596A24E96}" type="datetimeFigureOut">
               <a:rPr lang="zh-CN" altLang="en-US" smtClean="0"/>
-              <a:t>2021/4/22</a:t>
+              <a:t>2021/5/10</a:t>
             </a:fld>
             <a:endParaRPr lang="zh-CN" altLang="en-US"/>
           </a:p>
@@ -1841,7 +1843,7 @@
           <a:p>
             <a:fld id="{1B7BBEA4-24BC-4F9A-BA49-26A596A24E96}" type="datetimeFigureOut">
               <a:rPr lang="zh-CN" altLang="en-US" smtClean="0"/>
-              <a:t>2021/4/22</a:t>
+              <a:t>2021/5/10</a:t>
             </a:fld>
             <a:endParaRPr lang="zh-CN" altLang="en-US"/>
           </a:p>
@@ -1982,7 +1984,7 @@
           <a:p>
             <a:fld id="{1B7BBEA4-24BC-4F9A-BA49-26A596A24E96}" type="datetimeFigureOut">
               <a:rPr lang="zh-CN" altLang="en-US" smtClean="0"/>
-              <a:t>2021/4/22</a:t>
+              <a:t>2021/5/10</a:t>
             </a:fld>
             <a:endParaRPr lang="zh-CN" altLang="en-US"/>
           </a:p>
@@ -2095,7 +2097,7 @@
           <a:p>
             <a:fld id="{1B7BBEA4-24BC-4F9A-BA49-26A596A24E96}" type="datetimeFigureOut">
               <a:rPr lang="zh-CN" altLang="en-US" smtClean="0"/>
-              <a:t>2021/4/22</a:t>
+              <a:t>2021/5/10</a:t>
             </a:fld>
             <a:endParaRPr lang="zh-CN" altLang="en-US"/>
           </a:p>
@@ -2406,7 +2408,7 @@
           <a:p>
             <a:fld id="{1B7BBEA4-24BC-4F9A-BA49-26A596A24E96}" type="datetimeFigureOut">
               <a:rPr lang="zh-CN" altLang="en-US" smtClean="0"/>
-              <a:t>2021/4/22</a:t>
+              <a:t>2021/5/10</a:t>
             </a:fld>
             <a:endParaRPr lang="zh-CN" altLang="en-US"/>
           </a:p>
@@ -2694,7 +2696,7 @@
           <a:p>
             <a:fld id="{1B7BBEA4-24BC-4F9A-BA49-26A596A24E96}" type="datetimeFigureOut">
               <a:rPr lang="zh-CN" altLang="en-US" smtClean="0"/>
-              <a:t>2021/4/22</a:t>
+              <a:t>2021/5/10</a:t>
             </a:fld>
             <a:endParaRPr lang="zh-CN" altLang="en-US"/>
           </a:p>
@@ -2935,7 +2937,7 @@
           <a:p>
             <a:fld id="{1B7BBEA4-24BC-4F9A-BA49-26A596A24E96}" type="datetimeFigureOut">
               <a:rPr lang="zh-CN" altLang="en-US" smtClean="0"/>
-              <a:t>2021/4/22</a:t>
+              <a:t>2021/5/10</a:t>
             </a:fld>
             <a:endParaRPr lang="zh-CN" altLang="en-US"/>
           </a:p>
@@ -5233,6 +5235,244 @@
           </p:txBody>
         </p:sp>
       </p:grpSp>
+      <p:grpSp>
+        <p:nvGrpSpPr>
+          <p:cNvPr id="73" name="组合 72">
+            <a:extLst>
+              <a:ext uri="{FF2B5EF4-FFF2-40B4-BE49-F238E27FC236}">
+                <a16:creationId xmlns:a16="http://schemas.microsoft.com/office/drawing/2014/main" id="{A52A8DC3-8763-4592-9824-458FBF63F6A7}"/>
+              </a:ext>
+            </a:extLst>
+          </p:cNvPr>
+          <p:cNvGrpSpPr/>
+          <p:nvPr/>
+        </p:nvGrpSpPr>
+        <p:grpSpPr>
+          <a:xfrm>
+            <a:off x="1628271" y="4525201"/>
+            <a:ext cx="3158332" cy="369332"/>
+            <a:chOff x="1628272" y="2488205"/>
+            <a:chExt cx="3158332" cy="369332"/>
+          </a:xfrm>
+        </p:grpSpPr>
+        <p:sp>
+          <p:nvSpPr>
+            <p:cNvPr id="74" name="文本框 73">
+              <a:extLst>
+                <a:ext uri="{FF2B5EF4-FFF2-40B4-BE49-F238E27FC236}">
+                  <a16:creationId xmlns:a16="http://schemas.microsoft.com/office/drawing/2014/main" id="{B9219E52-14C9-467F-9A86-988FDF1CBD6C}"/>
+                </a:ext>
+              </a:extLst>
+            </p:cNvPr>
+            <p:cNvSpPr txBox="1"/>
+            <p:nvPr/>
+          </p:nvSpPr>
+          <p:spPr>
+            <a:xfrm>
+              <a:off x="2016190" y="2488205"/>
+              <a:ext cx="2770414" cy="369332"/>
+            </a:xfrm>
+            <a:prstGeom prst="rect">
+              <a:avLst/>
+            </a:prstGeom>
+            <a:noFill/>
+          </p:spPr>
+          <p:txBody>
+            <a:bodyPr wrap="square">
+              <a:spAutoFit/>
+            </a:bodyPr>
+            <a:lstStyle/>
+            <a:p>
+              <a:r>
+                <a:rPr lang="en-US" altLang="zh-CN" b="1">
+                  <a:latin typeface="Consolas" panose="020B0609020204030204" pitchFamily="49" charset="0"/>
+                  <a:ea typeface="微软雅黑" panose="020B0503020204020204" pitchFamily="34" charset="-122"/>
+                  <a:hlinkClick r:id="rId15" action="ppaction://hlinksldjump"/>
+                </a:rPr>
+                <a:t>OTC</a:t>
+              </a:r>
+              <a:r>
+                <a:rPr lang="zh-CN" altLang="en-US" b="1">
+                  <a:latin typeface="Consolas" panose="020B0609020204030204" pitchFamily="49" charset="0"/>
+                  <a:ea typeface="微软雅黑" panose="020B0503020204020204" pitchFamily="34" charset="-122"/>
+                  <a:hlinkClick r:id="rId15" action="ppaction://hlinksldjump"/>
+                </a:rPr>
+                <a:t>商家</a:t>
+              </a:r>
+              <a:endParaRPr lang="zh-CN" altLang="en-US"/>
+            </a:p>
+          </p:txBody>
+        </p:sp>
+        <p:sp>
+          <p:nvSpPr>
+            <p:cNvPr id="75" name="菱形 74">
+              <a:extLst>
+                <a:ext uri="{FF2B5EF4-FFF2-40B4-BE49-F238E27FC236}">
+                  <a16:creationId xmlns:a16="http://schemas.microsoft.com/office/drawing/2014/main" id="{5D276B0D-E01D-43D9-8CDE-6D85B9C678E6}"/>
+                </a:ext>
+              </a:extLst>
+            </p:cNvPr>
+            <p:cNvSpPr/>
+            <p:nvPr/>
+          </p:nvSpPr>
+          <p:spPr>
+            <a:xfrm>
+              <a:off x="1628272" y="2564871"/>
+              <a:ext cx="216000" cy="216000"/>
+            </a:xfrm>
+            <a:prstGeom prst="diamond">
+              <a:avLst/>
+            </a:prstGeom>
+          </p:spPr>
+          <p:style>
+            <a:lnRef idx="2">
+              <a:schemeClr val="accent1">
+                <a:shade val="50000"/>
+              </a:schemeClr>
+            </a:lnRef>
+            <a:fillRef idx="1">
+              <a:schemeClr val="accent1"/>
+            </a:fillRef>
+            <a:effectRef idx="0">
+              <a:schemeClr val="accent1"/>
+            </a:effectRef>
+            <a:fontRef idx="minor">
+              <a:schemeClr val="lt1"/>
+            </a:fontRef>
+          </p:style>
+          <p:txBody>
+            <a:bodyPr rtlCol="0" anchor="ctr"/>
+            <a:lstStyle/>
+            <a:p>
+              <a:pPr algn="ctr"/>
+              <a:endParaRPr lang="zh-CN" altLang="en-US"/>
+            </a:p>
+          </p:txBody>
+        </p:sp>
+      </p:grpSp>
+      <p:grpSp>
+        <p:nvGrpSpPr>
+          <p:cNvPr id="76" name="组合 75">
+            <a:extLst>
+              <a:ext uri="{FF2B5EF4-FFF2-40B4-BE49-F238E27FC236}">
+                <a16:creationId xmlns:a16="http://schemas.microsoft.com/office/drawing/2014/main" id="{63BE28AB-5200-4333-B931-AA6AE806D62E}"/>
+              </a:ext>
+            </a:extLst>
+          </p:cNvPr>
+          <p:cNvGrpSpPr/>
+          <p:nvPr/>
+        </p:nvGrpSpPr>
+        <p:grpSpPr>
+          <a:xfrm>
+            <a:off x="6535587" y="4487320"/>
+            <a:ext cx="3158333" cy="369332"/>
+            <a:chOff x="1628272" y="4095130"/>
+            <a:chExt cx="3346433" cy="369332"/>
+          </a:xfrm>
+        </p:grpSpPr>
+        <p:sp>
+          <p:nvSpPr>
+            <p:cNvPr id="77" name="文本框 76">
+              <a:extLst>
+                <a:ext uri="{FF2B5EF4-FFF2-40B4-BE49-F238E27FC236}">
+                  <a16:creationId xmlns:a16="http://schemas.microsoft.com/office/drawing/2014/main" id="{6115B6C7-5C01-48C7-99AB-5DD026F64503}"/>
+                </a:ext>
+              </a:extLst>
+            </p:cNvPr>
+            <p:cNvSpPr txBox="1"/>
+            <p:nvPr/>
+          </p:nvSpPr>
+          <p:spPr>
+            <a:xfrm>
+              <a:off x="2016191" y="4095130"/>
+              <a:ext cx="2958514" cy="369332"/>
+            </a:xfrm>
+            <a:prstGeom prst="rect">
+              <a:avLst/>
+            </a:prstGeom>
+            <a:noFill/>
+          </p:spPr>
+          <p:txBody>
+            <a:bodyPr wrap="square">
+              <a:spAutoFit/>
+            </a:bodyPr>
+            <a:lstStyle/>
+            <a:p>
+              <a:r>
+                <a:rPr lang="zh-CN" altLang="en-US" b="1">
+                  <a:latin typeface="Consolas" panose="020B0609020204030204" pitchFamily="49" charset="0"/>
+                  <a:ea typeface="微软雅黑" panose="020B0503020204020204" pitchFamily="34" charset="-122"/>
+                </a:rPr>
+                <a:t>申请成为</a:t>
+              </a:r>
+              <a:r>
+                <a:rPr lang="en-US" altLang="zh-CN" b="1">
+                  <a:latin typeface="Consolas" panose="020B0609020204030204" pitchFamily="49" charset="0"/>
+                  <a:ea typeface="微软雅黑" panose="020B0503020204020204" pitchFamily="34" charset="-122"/>
+                </a:rPr>
+                <a:t>OTC</a:t>
+              </a:r>
+              <a:r>
+                <a:rPr lang="zh-CN" altLang="en-US" b="1">
+                  <a:latin typeface="Consolas" panose="020B0609020204030204" pitchFamily="49" charset="0"/>
+                  <a:ea typeface="微软雅黑" panose="020B0503020204020204" pitchFamily="34" charset="-122"/>
+                </a:rPr>
+                <a:t>商家</a:t>
+              </a:r>
+              <a:endParaRPr lang="zh-CN" altLang="en-US" sz="1800" b="1">
+                <a:latin typeface="Consolas" panose="020B0609020204030204" pitchFamily="49" charset="0"/>
+                <a:ea typeface="微软雅黑" panose="020B0503020204020204" pitchFamily="34" charset="-122"/>
+              </a:endParaRPr>
+            </a:p>
+          </p:txBody>
+        </p:sp>
+        <p:sp>
+          <p:nvSpPr>
+            <p:cNvPr id="78" name="菱形 77">
+              <a:extLst>
+                <a:ext uri="{FF2B5EF4-FFF2-40B4-BE49-F238E27FC236}">
+                  <a16:creationId xmlns:a16="http://schemas.microsoft.com/office/drawing/2014/main" id="{D39D43FB-3FD0-4F16-9158-17FF4D0FB0D4}"/>
+                </a:ext>
+              </a:extLst>
+            </p:cNvPr>
+            <p:cNvSpPr/>
+            <p:nvPr/>
+          </p:nvSpPr>
+          <p:spPr>
+            <a:xfrm>
+              <a:off x="1628272" y="4171796"/>
+              <a:ext cx="216000" cy="216000"/>
+            </a:xfrm>
+            <a:prstGeom prst="diamond">
+              <a:avLst/>
+            </a:prstGeom>
+          </p:spPr>
+          <p:style>
+            <a:lnRef idx="2">
+              <a:schemeClr val="accent1">
+                <a:shade val="50000"/>
+              </a:schemeClr>
+            </a:lnRef>
+            <a:fillRef idx="1">
+              <a:schemeClr val="accent1"/>
+            </a:fillRef>
+            <a:effectRef idx="0">
+              <a:schemeClr val="accent1"/>
+            </a:effectRef>
+            <a:fontRef idx="minor">
+              <a:schemeClr val="lt1"/>
+            </a:fontRef>
+          </p:style>
+          <p:txBody>
+            <a:bodyPr rtlCol="0" anchor="ctr"/>
+            <a:lstStyle/>
+            <a:p>
+              <a:pPr algn="ctr"/>
+              <a:endParaRPr lang="zh-CN" altLang="en-US"/>
+            </a:p>
+          </p:txBody>
+        </p:sp>
+      </p:grpSp>
     </p:spTree>
     <p:extLst>
       <p:ext uri="{BB962C8B-B14F-4D97-AF65-F5344CB8AC3E}">
@@ -5247,6 +5487,809 @@
 </file>
 
 <file path=ppt/slides/slide10.xml><?xml version="1.0" encoding="utf-8"?>
+<p:sld xmlns:a="http://schemas.openxmlformats.org/drawingml/2006/main" xmlns:r="http://schemas.openxmlformats.org/officeDocument/2006/relationships" xmlns:p="http://schemas.openxmlformats.org/presentationml/2006/main">
+  <p:cSld>
+    <p:spTree>
+      <p:nvGrpSpPr>
+        <p:cNvPr id="1" name=""/>
+        <p:cNvGrpSpPr/>
+        <p:nvPr/>
+      </p:nvGrpSpPr>
+      <p:grpSpPr>
+        <a:xfrm>
+          <a:off x="0" y="0"/>
+          <a:ext cx="0" cy="0"/>
+          <a:chOff x="0" y="0"/>
+          <a:chExt cx="0" cy="0"/>
+        </a:xfrm>
+      </p:grpSpPr>
+      <p:sp>
+        <p:nvSpPr>
+          <p:cNvPr id="53" name="矩形: 圆角 52">
+            <a:extLst>
+              <a:ext uri="{FF2B5EF4-FFF2-40B4-BE49-F238E27FC236}">
+                <a16:creationId xmlns:a16="http://schemas.microsoft.com/office/drawing/2014/main" id="{40CB1BC0-9F2F-42B0-8691-F1896B1D2EE4}"/>
+              </a:ext>
+            </a:extLst>
+          </p:cNvPr>
+          <p:cNvSpPr/>
+          <p:nvPr/>
+        </p:nvSpPr>
+        <p:spPr>
+          <a:xfrm>
+            <a:off x="3074754" y="1247529"/>
+            <a:ext cx="2520000" cy="648000"/>
+          </a:xfrm>
+          <a:prstGeom prst="roundRect">
+            <a:avLst/>
+          </a:prstGeom>
+          <a:solidFill>
+            <a:srgbClr val="00B050"/>
+          </a:solidFill>
+          <a:ln>
+            <a:solidFill>
+              <a:schemeClr val="tx1"/>
+            </a:solidFill>
+          </a:ln>
+        </p:spPr>
+        <p:style>
+          <a:lnRef idx="2">
+            <a:schemeClr val="accent1">
+              <a:shade val="50000"/>
+            </a:schemeClr>
+          </a:lnRef>
+          <a:fillRef idx="1">
+            <a:schemeClr val="accent1"/>
+          </a:fillRef>
+          <a:effectRef idx="0">
+            <a:schemeClr val="accent1"/>
+          </a:effectRef>
+          <a:fontRef idx="minor">
+            <a:schemeClr val="lt1"/>
+          </a:fontRef>
+        </p:style>
+        <p:txBody>
+          <a:bodyPr wrap="none" lIns="36000" tIns="36000" rIns="36000" bIns="36000" rtlCol="0" anchor="ctr" anchorCtr="0"/>
+          <a:lstStyle/>
+          <a:p>
+            <a:pPr algn="ctr"/>
+            <a:r>
+              <a:rPr lang="zh-CN" altLang="en-US" sz="1600" b="1">
+                <a:solidFill>
+                  <a:schemeClr val="tx1"/>
+                </a:solidFill>
+                <a:latin typeface="微软雅黑" panose="020B0503020204020204" pitchFamily="34" charset="-122"/>
+                <a:ea typeface="微软雅黑" panose="020B0503020204020204" pitchFamily="34" charset="-122"/>
+              </a:rPr>
+              <a:t>申请</a:t>
+            </a:r>
+            <a:endParaRPr lang="en-US" altLang="zh-CN" sz="1600" b="1">
+              <a:solidFill>
+                <a:schemeClr val="tx1"/>
+              </a:solidFill>
+              <a:latin typeface="微软雅黑" panose="020B0503020204020204" pitchFamily="34" charset="-122"/>
+              <a:ea typeface="微软雅黑" panose="020B0503020204020204" pitchFamily="34" charset="-122"/>
+            </a:endParaRPr>
+          </a:p>
+          <a:p>
+            <a:pPr algn="ctr"/>
+            <a:r>
+              <a:rPr lang="en-US" altLang="zh-CN" sz="1600" b="1">
+                <a:solidFill>
+                  <a:schemeClr val="tx1"/>
+                </a:solidFill>
+                <a:latin typeface="微软雅黑" panose="020B0503020204020204" pitchFamily="34" charset="-122"/>
+                <a:ea typeface="微软雅黑" panose="020B0503020204020204" pitchFamily="34" charset="-122"/>
+              </a:rPr>
+              <a:t>find_identity</a:t>
+            </a:r>
+            <a:endParaRPr lang="zh-CN" altLang="en-US" sz="1600" b="1">
+              <a:solidFill>
+                <a:schemeClr val="tx1"/>
+              </a:solidFill>
+              <a:latin typeface="微软雅黑" panose="020B0503020204020204" pitchFamily="34" charset="-122"/>
+              <a:ea typeface="微软雅黑" panose="020B0503020204020204" pitchFamily="34" charset="-122"/>
+            </a:endParaRPr>
+          </a:p>
+        </p:txBody>
+      </p:sp>
+      <p:sp>
+        <p:nvSpPr>
+          <p:cNvPr id="48" name="矩形: 圆角 47">
+            <a:extLst>
+              <a:ext uri="{FF2B5EF4-FFF2-40B4-BE49-F238E27FC236}">
+                <a16:creationId xmlns:a16="http://schemas.microsoft.com/office/drawing/2014/main" id="{EBD4EA97-5025-4DE6-B38D-69D50269EB33}"/>
+              </a:ext>
+            </a:extLst>
+          </p:cNvPr>
+          <p:cNvSpPr/>
+          <p:nvPr/>
+        </p:nvSpPr>
+        <p:spPr>
+          <a:xfrm>
+            <a:off x="712379" y="1355529"/>
+            <a:ext cx="1080000" cy="432000"/>
+          </a:xfrm>
+          <a:prstGeom prst="roundRect">
+            <a:avLst/>
+          </a:prstGeom>
+          <a:solidFill>
+            <a:srgbClr val="00B0F0"/>
+          </a:solidFill>
+          <a:ln>
+            <a:solidFill>
+              <a:schemeClr val="tx1"/>
+            </a:solidFill>
+          </a:ln>
+        </p:spPr>
+        <p:style>
+          <a:lnRef idx="2">
+            <a:schemeClr val="accent1">
+              <a:shade val="50000"/>
+            </a:schemeClr>
+          </a:lnRef>
+          <a:fillRef idx="1">
+            <a:schemeClr val="accent1"/>
+          </a:fillRef>
+          <a:effectRef idx="0">
+            <a:schemeClr val="accent1"/>
+          </a:effectRef>
+          <a:fontRef idx="minor">
+            <a:schemeClr val="lt1"/>
+          </a:fontRef>
+        </p:style>
+        <p:txBody>
+          <a:bodyPr wrap="none" lIns="36000" tIns="36000" rIns="36000" bIns="36000" rtlCol="0" anchor="ctr" anchorCtr="0"/>
+          <a:lstStyle/>
+          <a:p>
+            <a:pPr algn="ctr"/>
+            <a:r>
+              <a:rPr lang="zh-CN" altLang="en-US" sz="1600" b="1">
+                <a:solidFill>
+                  <a:schemeClr val="tx1"/>
+                </a:solidFill>
+                <a:latin typeface="微软雅黑" panose="020B0503020204020204" pitchFamily="34" charset="-122"/>
+                <a:ea typeface="微软雅黑" panose="020B0503020204020204" pitchFamily="34" charset="-122"/>
+              </a:rPr>
+              <a:t>任何身份</a:t>
+            </a:r>
+          </a:p>
+        </p:txBody>
+      </p:sp>
+      <p:sp>
+        <p:nvSpPr>
+          <p:cNvPr id="61" name="矩形: 圆角 60">
+            <a:extLst>
+              <a:ext uri="{FF2B5EF4-FFF2-40B4-BE49-F238E27FC236}">
+                <a16:creationId xmlns:a16="http://schemas.microsoft.com/office/drawing/2014/main" id="{E3777F73-EAAB-43DE-8A90-6B6D895B1B1F}"/>
+              </a:ext>
+            </a:extLst>
+          </p:cNvPr>
+          <p:cNvSpPr/>
+          <p:nvPr/>
+        </p:nvSpPr>
+        <p:spPr>
+          <a:xfrm>
+            <a:off x="712379" y="2527638"/>
+            <a:ext cx="1080000" cy="432000"/>
+          </a:xfrm>
+          <a:prstGeom prst="roundRect">
+            <a:avLst/>
+          </a:prstGeom>
+          <a:solidFill>
+            <a:srgbClr val="00B0F0"/>
+          </a:solidFill>
+          <a:ln>
+            <a:solidFill>
+              <a:schemeClr val="tx1"/>
+            </a:solidFill>
+          </a:ln>
+        </p:spPr>
+        <p:style>
+          <a:lnRef idx="2">
+            <a:schemeClr val="accent1">
+              <a:shade val="50000"/>
+            </a:schemeClr>
+          </a:lnRef>
+          <a:fillRef idx="1">
+            <a:schemeClr val="accent1"/>
+          </a:fillRef>
+          <a:effectRef idx="0">
+            <a:schemeClr val="accent1"/>
+          </a:effectRef>
+          <a:fontRef idx="minor">
+            <a:schemeClr val="lt1"/>
+          </a:fontRef>
+        </p:style>
+        <p:txBody>
+          <a:bodyPr wrap="none" lIns="36000" tIns="36000" rIns="36000" bIns="36000" rtlCol="0" anchor="ctr" anchorCtr="0"/>
+          <a:lstStyle/>
+          <a:p>
+            <a:pPr algn="ctr"/>
+            <a:r>
+              <a:rPr lang="zh-CN" altLang="en-US" sz="1600" b="1">
+                <a:solidFill>
+                  <a:schemeClr val="tx1"/>
+                </a:solidFill>
+                <a:latin typeface="微软雅黑" panose="020B0503020204020204" pitchFamily="34" charset="-122"/>
+                <a:ea typeface="微软雅黑" panose="020B0503020204020204" pitchFamily="34" charset="-122"/>
+              </a:rPr>
+              <a:t>基金会会员</a:t>
+            </a:r>
+          </a:p>
+        </p:txBody>
+      </p:sp>
+      <p:sp>
+        <p:nvSpPr>
+          <p:cNvPr id="101" name="矩形: 圆角 100">
+            <a:extLst>
+              <a:ext uri="{FF2B5EF4-FFF2-40B4-BE49-F238E27FC236}">
+                <a16:creationId xmlns:a16="http://schemas.microsoft.com/office/drawing/2014/main" id="{2FD8AFDB-B92D-4C27-ABEC-799C66831DBB}"/>
+              </a:ext>
+            </a:extLst>
+          </p:cNvPr>
+          <p:cNvSpPr/>
+          <p:nvPr/>
+        </p:nvSpPr>
+        <p:spPr>
+          <a:xfrm>
+            <a:off x="3074754" y="2419638"/>
+            <a:ext cx="2520000" cy="648000"/>
+          </a:xfrm>
+          <a:prstGeom prst="roundRect">
+            <a:avLst/>
+          </a:prstGeom>
+          <a:solidFill>
+            <a:srgbClr val="00B050"/>
+          </a:solidFill>
+          <a:ln>
+            <a:solidFill>
+              <a:schemeClr val="tx1"/>
+            </a:solidFill>
+          </a:ln>
+        </p:spPr>
+        <p:style>
+          <a:lnRef idx="2">
+            <a:schemeClr val="accent1">
+              <a:shade val="50000"/>
+            </a:schemeClr>
+          </a:lnRef>
+          <a:fillRef idx="1">
+            <a:schemeClr val="accent1"/>
+          </a:fillRef>
+          <a:effectRef idx="0">
+            <a:schemeClr val="accent1"/>
+          </a:effectRef>
+          <a:fontRef idx="minor">
+            <a:schemeClr val="lt1"/>
+          </a:fontRef>
+        </p:style>
+        <p:txBody>
+          <a:bodyPr wrap="none" lIns="36000" tIns="36000" rIns="36000" bIns="36000" rtlCol="0" anchor="ctr" anchorCtr="0"/>
+          <a:lstStyle/>
+          <a:p>
+            <a:pPr algn="ctr"/>
+            <a:r>
+              <a:rPr lang="zh-CN" altLang="en-US" sz="1600" b="1">
+                <a:solidFill>
+                  <a:schemeClr val="tx1"/>
+                </a:solidFill>
+                <a:latin typeface="微软雅黑" panose="020B0503020204020204" pitchFamily="34" charset="-122"/>
+                <a:ea typeface="微软雅黑" panose="020B0503020204020204" pitchFamily="34" charset="-122"/>
+              </a:rPr>
+              <a:t>查看列表</a:t>
+            </a:r>
+            <a:endParaRPr lang="en-US" altLang="zh-CN" sz="1600" b="1">
+              <a:solidFill>
+                <a:schemeClr val="tx1"/>
+              </a:solidFill>
+              <a:latin typeface="微软雅黑" panose="020B0503020204020204" pitchFamily="34" charset="-122"/>
+              <a:ea typeface="微软雅黑" panose="020B0503020204020204" pitchFamily="34" charset="-122"/>
+            </a:endParaRPr>
+          </a:p>
+          <a:p>
+            <a:pPr algn="ctr"/>
+            <a:r>
+              <a:rPr lang="en-US" altLang="zh-CN" sz="1600" b="1">
+                <a:solidFill>
+                  <a:schemeClr val="tx1"/>
+                </a:solidFill>
+                <a:latin typeface="微软雅黑" panose="020B0503020204020204" pitchFamily="34" charset="-122"/>
+                <a:ea typeface="微软雅黑" panose="020B0503020204020204" pitchFamily="34" charset="-122"/>
+              </a:rPr>
+              <a:t>list_identify</a:t>
+            </a:r>
+            <a:endParaRPr lang="zh-CN" altLang="en-US" sz="1600" b="1">
+              <a:solidFill>
+                <a:schemeClr val="tx1"/>
+              </a:solidFill>
+              <a:latin typeface="微软雅黑" panose="020B0503020204020204" pitchFamily="34" charset="-122"/>
+              <a:ea typeface="微软雅黑" panose="020B0503020204020204" pitchFamily="34" charset="-122"/>
+            </a:endParaRPr>
+          </a:p>
+        </p:txBody>
+      </p:sp>
+      <p:cxnSp>
+        <p:nvCxnSpPr>
+          <p:cNvPr id="239" name="直接连接符 238">
+            <a:extLst>
+              <a:ext uri="{FF2B5EF4-FFF2-40B4-BE49-F238E27FC236}">
+                <a16:creationId xmlns:a16="http://schemas.microsoft.com/office/drawing/2014/main" id="{05CC9636-A076-48A7-9A94-4E0212BA0C59}"/>
+              </a:ext>
+            </a:extLst>
+          </p:cNvPr>
+          <p:cNvCxnSpPr>
+            <a:cxnSpLocks/>
+          </p:cNvCxnSpPr>
+          <p:nvPr/>
+        </p:nvCxnSpPr>
+        <p:spPr>
+          <a:xfrm flipH="1">
+            <a:off x="433388" y="866051"/>
+            <a:ext cx="11325225" cy="1"/>
+          </a:xfrm>
+          <a:prstGeom prst="line">
+            <a:avLst/>
+          </a:prstGeom>
+          <a:ln w="19050">
+            <a:solidFill>
+              <a:srgbClr val="00576E"/>
+            </a:solidFill>
+          </a:ln>
+          <a:effectLst>
+            <a:outerShdw blurRad="50800" dist="12700" dir="5400000" algn="t" rotWithShape="0">
+              <a:prstClr val="black">
+                <a:alpha val="40000"/>
+              </a:prstClr>
+            </a:outerShdw>
+          </a:effectLst>
+        </p:spPr>
+        <p:style>
+          <a:lnRef idx="2">
+            <a:schemeClr val="accent1"/>
+          </a:lnRef>
+          <a:fillRef idx="0">
+            <a:schemeClr val="accent1"/>
+          </a:fillRef>
+          <a:effectRef idx="1">
+            <a:schemeClr val="accent1"/>
+          </a:effectRef>
+          <a:fontRef idx="minor">
+            <a:schemeClr val="tx1"/>
+          </a:fontRef>
+        </p:style>
+      </p:cxnSp>
+      <p:sp>
+        <p:nvSpPr>
+          <p:cNvPr id="240" name="矩形 239">
+            <a:extLst>
+              <a:ext uri="{FF2B5EF4-FFF2-40B4-BE49-F238E27FC236}">
+                <a16:creationId xmlns:a16="http://schemas.microsoft.com/office/drawing/2014/main" id="{CE6D800A-2E58-40A9-AF4D-2C92406102BA}"/>
+              </a:ext>
+            </a:extLst>
+          </p:cNvPr>
+          <p:cNvSpPr/>
+          <p:nvPr/>
+        </p:nvSpPr>
+        <p:spPr>
+          <a:xfrm>
+            <a:off x="471489" y="209549"/>
+            <a:ext cx="119062" cy="513626"/>
+          </a:xfrm>
+          <a:prstGeom prst="rect">
+            <a:avLst/>
+          </a:prstGeom>
+          <a:solidFill>
+            <a:srgbClr val="00576E"/>
+          </a:solidFill>
+        </p:spPr>
+        <p:style>
+          <a:lnRef idx="2">
+            <a:schemeClr val="accent1">
+              <a:shade val="50000"/>
+            </a:schemeClr>
+          </a:lnRef>
+          <a:fillRef idx="1">
+            <a:schemeClr val="accent1"/>
+          </a:fillRef>
+          <a:effectRef idx="0">
+            <a:schemeClr val="accent1"/>
+          </a:effectRef>
+          <a:fontRef idx="minor">
+            <a:schemeClr val="lt1"/>
+          </a:fontRef>
+        </p:style>
+        <p:txBody>
+          <a:bodyPr rtlCol="0" anchor="ctr"/>
+          <a:lstStyle/>
+          <a:p>
+            <a:pPr algn="ctr"/>
+            <a:endParaRPr lang="zh-CN" altLang="en-US">
+              <a:latin typeface="Consolas" panose="020B0609020204030204" pitchFamily="49" charset="0"/>
+            </a:endParaRPr>
+          </a:p>
+        </p:txBody>
+      </p:sp>
+      <p:sp>
+        <p:nvSpPr>
+          <p:cNvPr id="241" name="文本框 240">
+            <a:extLst>
+              <a:ext uri="{FF2B5EF4-FFF2-40B4-BE49-F238E27FC236}">
+                <a16:creationId xmlns:a16="http://schemas.microsoft.com/office/drawing/2014/main" id="{90ABBAE7-6707-4A6F-819E-32C1CFD4250B}"/>
+              </a:ext>
+            </a:extLst>
+          </p:cNvPr>
+          <p:cNvSpPr txBox="1"/>
+          <p:nvPr/>
+        </p:nvSpPr>
+        <p:spPr>
+          <a:xfrm>
+            <a:off x="712379" y="173975"/>
+            <a:ext cx="1826141" cy="584775"/>
+          </a:xfrm>
+          <a:prstGeom prst="rect">
+            <a:avLst/>
+          </a:prstGeom>
+          <a:noFill/>
+        </p:spPr>
+        <p:txBody>
+          <a:bodyPr wrap="none" rtlCol="0">
+            <a:spAutoFit/>
+          </a:bodyPr>
+          <a:lstStyle/>
+          <a:p>
+            <a:r>
+              <a:rPr lang="zh-CN" altLang="en-US" sz="3200" b="1">
+                <a:latin typeface="Consolas" panose="020B0609020204030204" pitchFamily="49" charset="0"/>
+                <a:ea typeface="微软雅黑" panose="020B0503020204020204" pitchFamily="34" charset="-122"/>
+              </a:rPr>
+              <a:t>查找身份</a:t>
+            </a:r>
+          </a:p>
+        </p:txBody>
+      </p:sp>
+      <p:sp>
+        <p:nvSpPr>
+          <p:cNvPr id="29" name="矩形: 圆角 28">
+            <a:extLst>
+              <a:ext uri="{FF2B5EF4-FFF2-40B4-BE49-F238E27FC236}">
+                <a16:creationId xmlns:a16="http://schemas.microsoft.com/office/drawing/2014/main" id="{A4F902C6-6B93-41CF-919B-8FA5B2861830}"/>
+              </a:ext>
+            </a:extLst>
+          </p:cNvPr>
+          <p:cNvSpPr/>
+          <p:nvPr/>
+        </p:nvSpPr>
+        <p:spPr>
+          <a:xfrm>
+            <a:off x="6498672" y="2527933"/>
+            <a:ext cx="1728000" cy="432000"/>
+          </a:xfrm>
+          <a:prstGeom prst="roundRect">
+            <a:avLst/>
+          </a:prstGeom>
+          <a:solidFill>
+            <a:schemeClr val="bg1">
+              <a:lumMod val="95000"/>
+            </a:schemeClr>
+          </a:solidFill>
+          <a:ln>
+            <a:solidFill>
+              <a:schemeClr val="tx1"/>
+            </a:solidFill>
+          </a:ln>
+        </p:spPr>
+        <p:style>
+          <a:lnRef idx="2">
+            <a:schemeClr val="accent1">
+              <a:shade val="50000"/>
+            </a:schemeClr>
+          </a:lnRef>
+          <a:fillRef idx="1">
+            <a:schemeClr val="accent1"/>
+          </a:fillRef>
+          <a:effectRef idx="0">
+            <a:schemeClr val="accent1"/>
+          </a:effectRef>
+          <a:fontRef idx="minor">
+            <a:schemeClr val="lt1"/>
+          </a:fontRef>
+        </p:style>
+        <p:txBody>
+          <a:bodyPr wrap="none" lIns="36000" tIns="36000" rIns="36000" bIns="36000" rtlCol="0" anchor="ctr" anchorCtr="0"/>
+          <a:lstStyle/>
+          <a:p>
+            <a:pPr algn="ctr"/>
+            <a:r>
+              <a:rPr lang="zh-CN" altLang="en-US" sz="1600" b="1">
+                <a:solidFill>
+                  <a:schemeClr val="tx1"/>
+                </a:solidFill>
+                <a:latin typeface="微软雅黑" panose="020B0503020204020204" pitchFamily="34" charset="-122"/>
+                <a:ea typeface="微软雅黑" panose="020B0503020204020204" pitchFamily="34" charset="-122"/>
+              </a:rPr>
+              <a:t>身份表</a:t>
+            </a:r>
+            <a:endParaRPr lang="en-US" altLang="zh-CN" sz="1600" b="1">
+              <a:solidFill>
+                <a:schemeClr val="tx1"/>
+              </a:solidFill>
+              <a:latin typeface="微软雅黑" panose="020B0503020204020204" pitchFamily="34" charset="-122"/>
+              <a:ea typeface="微软雅黑" panose="020B0503020204020204" pitchFamily="34" charset="-122"/>
+            </a:endParaRPr>
+          </a:p>
+        </p:txBody>
+      </p:sp>
+      <p:cxnSp>
+        <p:nvCxnSpPr>
+          <p:cNvPr id="36" name="直接箭头连接符 35">
+            <a:extLst>
+              <a:ext uri="{FF2B5EF4-FFF2-40B4-BE49-F238E27FC236}">
+                <a16:creationId xmlns:a16="http://schemas.microsoft.com/office/drawing/2014/main" id="{7FC5FF20-90B8-4813-8B3D-EA4D4A445065}"/>
+              </a:ext>
+            </a:extLst>
+          </p:cNvPr>
+          <p:cNvCxnSpPr>
+            <a:cxnSpLocks/>
+            <a:stCxn id="48" idx="3"/>
+            <a:endCxn id="53" idx="1"/>
+          </p:cNvCxnSpPr>
+          <p:nvPr/>
+        </p:nvCxnSpPr>
+        <p:spPr>
+          <a:xfrm>
+            <a:off x="1792379" y="1571529"/>
+            <a:ext cx="1282375" cy="0"/>
+          </a:xfrm>
+          <a:prstGeom prst="straightConnector1">
+            <a:avLst/>
+          </a:prstGeom>
+          <a:ln w="31750">
+            <a:solidFill>
+              <a:schemeClr val="tx1"/>
+            </a:solidFill>
+            <a:tailEnd type="triangle"/>
+          </a:ln>
+        </p:spPr>
+        <p:style>
+          <a:lnRef idx="1">
+            <a:schemeClr val="accent1"/>
+          </a:lnRef>
+          <a:fillRef idx="0">
+            <a:schemeClr val="accent1"/>
+          </a:fillRef>
+          <a:effectRef idx="0">
+            <a:schemeClr val="accent1"/>
+          </a:effectRef>
+          <a:fontRef idx="minor">
+            <a:schemeClr val="tx1"/>
+          </a:fontRef>
+        </p:style>
+      </p:cxnSp>
+      <p:cxnSp>
+        <p:nvCxnSpPr>
+          <p:cNvPr id="37" name="直接箭头连接符 36">
+            <a:extLst>
+              <a:ext uri="{FF2B5EF4-FFF2-40B4-BE49-F238E27FC236}">
+                <a16:creationId xmlns:a16="http://schemas.microsoft.com/office/drawing/2014/main" id="{FFC79E0D-D038-4874-A3C2-A37A7DB0BC4B}"/>
+              </a:ext>
+            </a:extLst>
+          </p:cNvPr>
+          <p:cNvCxnSpPr>
+            <a:cxnSpLocks/>
+            <a:stCxn id="61" idx="3"/>
+            <a:endCxn id="101" idx="1"/>
+          </p:cNvCxnSpPr>
+          <p:nvPr/>
+        </p:nvCxnSpPr>
+        <p:spPr>
+          <a:xfrm>
+            <a:off x="1792379" y="2743638"/>
+            <a:ext cx="1282375" cy="0"/>
+          </a:xfrm>
+          <a:prstGeom prst="straightConnector1">
+            <a:avLst/>
+          </a:prstGeom>
+          <a:ln w="31750">
+            <a:solidFill>
+              <a:schemeClr val="tx1"/>
+            </a:solidFill>
+            <a:tailEnd type="triangle"/>
+          </a:ln>
+        </p:spPr>
+        <p:style>
+          <a:lnRef idx="1">
+            <a:schemeClr val="accent1"/>
+          </a:lnRef>
+          <a:fillRef idx="0">
+            <a:schemeClr val="accent1"/>
+          </a:fillRef>
+          <a:effectRef idx="0">
+            <a:schemeClr val="accent1"/>
+          </a:effectRef>
+          <a:fontRef idx="minor">
+            <a:schemeClr val="tx1"/>
+          </a:fontRef>
+        </p:style>
+      </p:cxnSp>
+      <p:cxnSp>
+        <p:nvCxnSpPr>
+          <p:cNvPr id="50" name="直接箭头连接符 49">
+            <a:extLst>
+              <a:ext uri="{FF2B5EF4-FFF2-40B4-BE49-F238E27FC236}">
+                <a16:creationId xmlns:a16="http://schemas.microsoft.com/office/drawing/2014/main" id="{EDA11599-43E1-46C0-9B21-A13B65DE2D70}"/>
+              </a:ext>
+            </a:extLst>
+          </p:cNvPr>
+          <p:cNvCxnSpPr>
+            <a:cxnSpLocks/>
+            <a:stCxn id="29" idx="1"/>
+            <a:endCxn id="101" idx="3"/>
+          </p:cNvCxnSpPr>
+          <p:nvPr/>
+        </p:nvCxnSpPr>
+        <p:spPr>
+          <a:xfrm flipH="1" flipV="1">
+            <a:off x="5594754" y="2743638"/>
+            <a:ext cx="903918" cy="295"/>
+          </a:xfrm>
+          <a:prstGeom prst="straightConnector1">
+            <a:avLst/>
+          </a:prstGeom>
+          <a:ln w="57150">
+            <a:solidFill>
+              <a:srgbClr val="FF0000"/>
+            </a:solidFill>
+            <a:tailEnd type="triangle"/>
+          </a:ln>
+        </p:spPr>
+        <p:style>
+          <a:lnRef idx="1">
+            <a:schemeClr val="accent1"/>
+          </a:lnRef>
+          <a:fillRef idx="0">
+            <a:schemeClr val="accent1"/>
+          </a:fillRef>
+          <a:effectRef idx="0">
+            <a:schemeClr val="accent1"/>
+          </a:effectRef>
+          <a:fontRef idx="minor">
+            <a:schemeClr val="tx1"/>
+          </a:fontRef>
+        </p:style>
+      </p:cxnSp>
+      <p:sp>
+        <p:nvSpPr>
+          <p:cNvPr id="33" name="矩形: 圆角 32">
+            <a:extLst>
+              <a:ext uri="{FF2B5EF4-FFF2-40B4-BE49-F238E27FC236}">
+                <a16:creationId xmlns:a16="http://schemas.microsoft.com/office/drawing/2014/main" id="{1E2BC38F-5E9F-4DC3-AA55-DBC7D47BC333}"/>
+              </a:ext>
+            </a:extLst>
+          </p:cNvPr>
+          <p:cNvSpPr/>
+          <p:nvPr/>
+        </p:nvSpPr>
+        <p:spPr>
+          <a:xfrm>
+            <a:off x="6498672" y="1356900"/>
+            <a:ext cx="1728000" cy="432000"/>
+          </a:xfrm>
+          <a:prstGeom prst="roundRect">
+            <a:avLst/>
+          </a:prstGeom>
+          <a:solidFill>
+            <a:schemeClr val="bg1">
+              <a:lumMod val="95000"/>
+            </a:schemeClr>
+          </a:solidFill>
+          <a:ln>
+            <a:solidFill>
+              <a:schemeClr val="tx1"/>
+            </a:solidFill>
+          </a:ln>
+        </p:spPr>
+        <p:style>
+          <a:lnRef idx="2">
+            <a:schemeClr val="accent1">
+              <a:shade val="50000"/>
+            </a:schemeClr>
+          </a:lnRef>
+          <a:fillRef idx="1">
+            <a:schemeClr val="accent1"/>
+          </a:fillRef>
+          <a:effectRef idx="0">
+            <a:schemeClr val="accent1"/>
+          </a:effectRef>
+          <a:fontRef idx="minor">
+            <a:schemeClr val="lt1"/>
+          </a:fontRef>
+        </p:style>
+        <p:txBody>
+          <a:bodyPr wrap="none" lIns="36000" tIns="36000" rIns="36000" bIns="36000" rtlCol="0" anchor="ctr" anchorCtr="0"/>
+          <a:lstStyle/>
+          <a:p>
+            <a:pPr algn="ctr"/>
+            <a:r>
+              <a:rPr lang="zh-CN" altLang="en-US" sz="1600" b="1">
+                <a:solidFill>
+                  <a:schemeClr val="tx1"/>
+                </a:solidFill>
+                <a:latin typeface="微软雅黑" panose="020B0503020204020204" pitchFamily="34" charset="-122"/>
+                <a:ea typeface="微软雅黑" panose="020B0503020204020204" pitchFamily="34" charset="-122"/>
+              </a:rPr>
+              <a:t>身份表</a:t>
+            </a:r>
+            <a:endParaRPr lang="en-US" altLang="zh-CN" sz="1600" b="1">
+              <a:solidFill>
+                <a:schemeClr val="tx1"/>
+              </a:solidFill>
+              <a:latin typeface="微软雅黑" panose="020B0503020204020204" pitchFamily="34" charset="-122"/>
+              <a:ea typeface="微软雅黑" panose="020B0503020204020204" pitchFamily="34" charset="-122"/>
+            </a:endParaRPr>
+          </a:p>
+        </p:txBody>
+      </p:sp>
+      <p:cxnSp>
+        <p:nvCxnSpPr>
+          <p:cNvPr id="34" name="直接箭头连接符 33">
+            <a:extLst>
+              <a:ext uri="{FF2B5EF4-FFF2-40B4-BE49-F238E27FC236}">
+                <a16:creationId xmlns:a16="http://schemas.microsoft.com/office/drawing/2014/main" id="{37C81BC6-3240-4048-8F03-FD9516EC7BA9}"/>
+              </a:ext>
+            </a:extLst>
+          </p:cNvPr>
+          <p:cNvCxnSpPr>
+            <a:cxnSpLocks/>
+            <a:stCxn id="33" idx="1"/>
+            <a:endCxn id="53" idx="3"/>
+          </p:cNvCxnSpPr>
+          <p:nvPr/>
+        </p:nvCxnSpPr>
+        <p:spPr>
+          <a:xfrm flipH="1" flipV="1">
+            <a:off x="5594754" y="1571529"/>
+            <a:ext cx="903918" cy="1371"/>
+          </a:xfrm>
+          <a:prstGeom prst="straightConnector1">
+            <a:avLst/>
+          </a:prstGeom>
+          <a:ln w="57150">
+            <a:solidFill>
+              <a:srgbClr val="FF0000"/>
+            </a:solidFill>
+            <a:tailEnd type="triangle"/>
+          </a:ln>
+        </p:spPr>
+        <p:style>
+          <a:lnRef idx="1">
+            <a:schemeClr val="accent1"/>
+          </a:lnRef>
+          <a:fillRef idx="0">
+            <a:schemeClr val="accent1"/>
+          </a:fillRef>
+          <a:effectRef idx="0">
+            <a:schemeClr val="accent1"/>
+          </a:effectRef>
+          <a:fontRef idx="minor">
+            <a:schemeClr val="tx1"/>
+          </a:fontRef>
+        </p:style>
+      </p:cxnSp>
+    </p:spTree>
+    <p:extLst>
+      <p:ext uri="{BB962C8B-B14F-4D97-AF65-F5344CB8AC3E}">
+        <p14:creationId xmlns:p14="http://schemas.microsoft.com/office/powerpoint/2010/main" val="2609802873"/>
+      </p:ext>
+    </p:extLst>
+  </p:cSld>
+  <p:clrMapOvr>
+    <a:masterClrMapping/>
+  </p:clrMapOvr>
+</p:sld>
+</file>
+
+<file path=ppt/slides/slide11.xml><?xml version="1.0" encoding="utf-8"?>
 <p:sld xmlns:a="http://schemas.openxmlformats.org/drawingml/2006/main" xmlns:r="http://schemas.openxmlformats.org/officeDocument/2006/relationships" xmlns:p="http://schemas.openxmlformats.org/presentationml/2006/main">
   <p:cSld>
     <p:spTree>
@@ -6672,7 +7715,7 @@
 </p:sld>
 </file>
 
-<file path=ppt/slides/slide11.xml><?xml version="1.0" encoding="utf-8"?>
+<file path=ppt/slides/slide12.xml><?xml version="1.0" encoding="utf-8"?>
 <p:sld xmlns:a="http://schemas.openxmlformats.org/drawingml/2006/main" xmlns:r="http://schemas.openxmlformats.org/officeDocument/2006/relationships" xmlns:p="http://schemas.openxmlformats.org/presentationml/2006/main">
   <p:cSld>
     <p:spTree>
@@ -8098,7 +9141,7 @@
 </p:sld>
 </file>
 
-<file path=ppt/slides/slide12.xml><?xml version="1.0" encoding="utf-8"?>
+<file path=ppt/slides/slide13.xml><?xml version="1.0" encoding="utf-8"?>
 <p:sld xmlns:a="http://schemas.openxmlformats.org/drawingml/2006/main" xmlns:r="http://schemas.openxmlformats.org/officeDocument/2006/relationships" xmlns:p="http://schemas.openxmlformats.org/presentationml/2006/main">
   <p:cSld>
     <p:spTree>
@@ -9781,1443 +10824,6 @@
 </p:sld>
 </file>
 
-<file path=ppt/slides/slide13.xml><?xml version="1.0" encoding="utf-8"?>
-<p:sld xmlns:a="http://schemas.openxmlformats.org/drawingml/2006/main" xmlns:r="http://schemas.openxmlformats.org/officeDocument/2006/relationships" xmlns:p="http://schemas.openxmlformats.org/presentationml/2006/main">
-  <p:cSld>
-    <p:spTree>
-      <p:nvGrpSpPr>
-        <p:cNvPr id="1" name=""/>
-        <p:cNvGrpSpPr/>
-        <p:nvPr/>
-      </p:nvGrpSpPr>
-      <p:grpSpPr>
-        <a:xfrm>
-          <a:off x="0" y="0"/>
-          <a:ext cx="0" cy="0"/>
-          <a:chOff x="0" y="0"/>
-          <a:chExt cx="0" cy="0"/>
-        </a:xfrm>
-      </p:grpSpPr>
-      <p:sp>
-        <p:nvSpPr>
-          <p:cNvPr id="53" name="矩形: 圆角 52">
-            <a:extLst>
-              <a:ext uri="{FF2B5EF4-FFF2-40B4-BE49-F238E27FC236}">
-                <a16:creationId xmlns:a16="http://schemas.microsoft.com/office/drawing/2014/main" id="{40CB1BC0-9F2F-42B0-8691-F1896B1D2EE4}"/>
-              </a:ext>
-            </a:extLst>
-          </p:cNvPr>
-          <p:cNvSpPr/>
-          <p:nvPr/>
-        </p:nvSpPr>
-        <p:spPr>
-          <a:xfrm>
-            <a:off x="3227943" y="1254305"/>
-            <a:ext cx="2016000" cy="648000"/>
-          </a:xfrm>
-          <a:prstGeom prst="roundRect">
-            <a:avLst/>
-          </a:prstGeom>
-          <a:solidFill>
-            <a:srgbClr val="00B050"/>
-          </a:solidFill>
-          <a:ln>
-            <a:solidFill>
-              <a:schemeClr val="tx1"/>
-            </a:solidFill>
-          </a:ln>
-        </p:spPr>
-        <p:style>
-          <a:lnRef idx="2">
-            <a:schemeClr val="accent1">
-              <a:shade val="50000"/>
-            </a:schemeClr>
-          </a:lnRef>
-          <a:fillRef idx="1">
-            <a:schemeClr val="accent1"/>
-          </a:fillRef>
-          <a:effectRef idx="0">
-            <a:schemeClr val="accent1"/>
-          </a:effectRef>
-          <a:fontRef idx="minor">
-            <a:schemeClr val="lt1"/>
-          </a:fontRef>
-        </p:style>
-        <p:txBody>
-          <a:bodyPr wrap="none" lIns="36000" tIns="36000" rIns="36000" bIns="36000" rtlCol="0" anchor="ctr" anchorCtr="0"/>
-          <a:lstStyle/>
-          <a:p>
-            <a:pPr algn="ctr"/>
-            <a:r>
-              <a:rPr lang="zh-CN" altLang="en-US" sz="1600" b="1">
-                <a:solidFill>
-                  <a:schemeClr val="tx1"/>
-                </a:solidFill>
-                <a:latin typeface="微软雅黑" panose="020B0503020204020204" pitchFamily="34" charset="-122"/>
-                <a:ea typeface="微软雅黑" panose="020B0503020204020204" pitchFamily="34" charset="-122"/>
-              </a:rPr>
-              <a:t>申请</a:t>
-            </a:r>
-            <a:endParaRPr lang="en-US" altLang="zh-CN" sz="1600" b="1">
-              <a:solidFill>
-                <a:schemeClr val="tx1"/>
-              </a:solidFill>
-              <a:latin typeface="微软雅黑" panose="020B0503020204020204" pitchFamily="34" charset="-122"/>
-              <a:ea typeface="微软雅黑" panose="020B0503020204020204" pitchFamily="34" charset="-122"/>
-            </a:endParaRPr>
-          </a:p>
-          <a:p>
-            <a:pPr algn="ctr"/>
-            <a:r>
-              <a:rPr lang="en-US" altLang="zh-CN" sz="1600" b="1">
-                <a:solidFill>
-                  <a:schemeClr val="tx1"/>
-                </a:solidFill>
-                <a:latin typeface="微软雅黑" panose="020B0503020204020204" pitchFamily="34" charset="-122"/>
-                <a:ea typeface="微软雅黑" panose="020B0503020204020204" pitchFamily="34" charset="-122"/>
-              </a:rPr>
-              <a:t>apply_master</a:t>
-            </a:r>
-            <a:endParaRPr lang="zh-CN" altLang="en-US" sz="1600" b="1">
-              <a:solidFill>
-                <a:schemeClr val="tx1"/>
-              </a:solidFill>
-              <a:latin typeface="微软雅黑" panose="020B0503020204020204" pitchFamily="34" charset="-122"/>
-              <a:ea typeface="微软雅黑" panose="020B0503020204020204" pitchFamily="34" charset="-122"/>
-            </a:endParaRPr>
-          </a:p>
-        </p:txBody>
-      </p:sp>
-      <p:sp>
-        <p:nvSpPr>
-          <p:cNvPr id="48" name="矩形: 圆角 47">
-            <a:extLst>
-              <a:ext uri="{FF2B5EF4-FFF2-40B4-BE49-F238E27FC236}">
-                <a16:creationId xmlns:a16="http://schemas.microsoft.com/office/drawing/2014/main" id="{EBD4EA97-5025-4DE6-B38D-69D50269EB33}"/>
-              </a:ext>
-            </a:extLst>
-          </p:cNvPr>
-          <p:cNvSpPr/>
-          <p:nvPr/>
-        </p:nvSpPr>
-        <p:spPr>
-          <a:xfrm>
-            <a:off x="712379" y="1357639"/>
-            <a:ext cx="1080000" cy="432000"/>
-          </a:xfrm>
-          <a:prstGeom prst="roundRect">
-            <a:avLst/>
-          </a:prstGeom>
-          <a:solidFill>
-            <a:srgbClr val="00B0F0"/>
-          </a:solidFill>
-          <a:ln>
-            <a:solidFill>
-              <a:schemeClr val="tx1"/>
-            </a:solidFill>
-          </a:ln>
-        </p:spPr>
-        <p:style>
-          <a:lnRef idx="2">
-            <a:schemeClr val="accent1">
-              <a:shade val="50000"/>
-            </a:schemeClr>
-          </a:lnRef>
-          <a:fillRef idx="1">
-            <a:schemeClr val="accent1"/>
-          </a:fillRef>
-          <a:effectRef idx="0">
-            <a:schemeClr val="accent1"/>
-          </a:effectRef>
-          <a:fontRef idx="minor">
-            <a:schemeClr val="lt1"/>
-          </a:fontRef>
-        </p:style>
-        <p:txBody>
-          <a:bodyPr wrap="none" lIns="36000" tIns="36000" rIns="36000" bIns="36000" rtlCol="0" anchor="ctr" anchorCtr="0"/>
-          <a:lstStyle/>
-          <a:p>
-            <a:pPr algn="ctr"/>
-            <a:r>
-              <a:rPr lang="zh-CN" altLang="en-US" sz="1600" b="1">
-                <a:solidFill>
-                  <a:schemeClr val="tx1"/>
-                </a:solidFill>
-                <a:latin typeface="微软雅黑" panose="020B0503020204020204" pitchFamily="34" charset="-122"/>
-                <a:ea typeface="微软雅黑" panose="020B0503020204020204" pitchFamily="34" charset="-122"/>
-              </a:rPr>
-              <a:t>用户</a:t>
-            </a:r>
-          </a:p>
-        </p:txBody>
-      </p:sp>
-      <p:sp>
-        <p:nvSpPr>
-          <p:cNvPr id="61" name="矩形: 圆角 60">
-            <a:extLst>
-              <a:ext uri="{FF2B5EF4-FFF2-40B4-BE49-F238E27FC236}">
-                <a16:creationId xmlns:a16="http://schemas.microsoft.com/office/drawing/2014/main" id="{E3777F73-EAAB-43DE-8A90-6B6D895B1B1F}"/>
-              </a:ext>
-            </a:extLst>
-          </p:cNvPr>
-          <p:cNvSpPr/>
-          <p:nvPr/>
-        </p:nvSpPr>
-        <p:spPr>
-          <a:xfrm>
-            <a:off x="712379" y="2527638"/>
-            <a:ext cx="1080000" cy="432000"/>
-          </a:xfrm>
-          <a:prstGeom prst="roundRect">
-            <a:avLst/>
-          </a:prstGeom>
-          <a:solidFill>
-            <a:srgbClr val="00B0F0"/>
-          </a:solidFill>
-          <a:ln>
-            <a:solidFill>
-              <a:schemeClr val="tx1"/>
-            </a:solidFill>
-          </a:ln>
-        </p:spPr>
-        <p:style>
-          <a:lnRef idx="2">
-            <a:schemeClr val="accent1">
-              <a:shade val="50000"/>
-            </a:schemeClr>
-          </a:lnRef>
-          <a:fillRef idx="1">
-            <a:schemeClr val="accent1"/>
-          </a:fillRef>
-          <a:effectRef idx="0">
-            <a:schemeClr val="accent1"/>
-          </a:effectRef>
-          <a:fontRef idx="minor">
-            <a:schemeClr val="lt1"/>
-          </a:fontRef>
-        </p:style>
-        <p:txBody>
-          <a:bodyPr wrap="none" lIns="36000" tIns="36000" rIns="36000" bIns="36000" rtlCol="0" anchor="ctr" anchorCtr="0"/>
-          <a:lstStyle/>
-          <a:p>
-            <a:pPr algn="ctr"/>
-            <a:r>
-              <a:rPr lang="zh-CN" altLang="en-US" sz="1600" b="1">
-                <a:solidFill>
-                  <a:schemeClr val="tx1"/>
-                </a:solidFill>
-                <a:latin typeface="微软雅黑" panose="020B0503020204020204" pitchFamily="34" charset="-122"/>
-                <a:ea typeface="微软雅黑" panose="020B0503020204020204" pitchFamily="34" charset="-122"/>
-              </a:rPr>
-              <a:t>基金会会员</a:t>
-            </a:r>
-          </a:p>
-        </p:txBody>
-      </p:sp>
-      <p:sp>
-        <p:nvSpPr>
-          <p:cNvPr id="101" name="矩形: 圆角 100">
-            <a:extLst>
-              <a:ext uri="{FF2B5EF4-FFF2-40B4-BE49-F238E27FC236}">
-                <a16:creationId xmlns:a16="http://schemas.microsoft.com/office/drawing/2014/main" id="{2FD8AFDB-B92D-4C27-ABEC-799C66831DBB}"/>
-              </a:ext>
-            </a:extLst>
-          </p:cNvPr>
-          <p:cNvSpPr/>
-          <p:nvPr/>
-        </p:nvSpPr>
-        <p:spPr>
-          <a:xfrm>
-            <a:off x="3227943" y="2419638"/>
-            <a:ext cx="2016000" cy="648000"/>
-          </a:xfrm>
-          <a:prstGeom prst="roundRect">
-            <a:avLst/>
-          </a:prstGeom>
-          <a:solidFill>
-            <a:srgbClr val="00B050"/>
-          </a:solidFill>
-          <a:ln>
-            <a:solidFill>
-              <a:schemeClr val="tx1"/>
-            </a:solidFill>
-          </a:ln>
-        </p:spPr>
-        <p:style>
-          <a:lnRef idx="2">
-            <a:schemeClr val="accent1">
-              <a:shade val="50000"/>
-            </a:schemeClr>
-          </a:lnRef>
-          <a:fillRef idx="1">
-            <a:schemeClr val="accent1"/>
-          </a:fillRef>
-          <a:effectRef idx="0">
-            <a:schemeClr val="accent1"/>
-          </a:effectRef>
-          <a:fontRef idx="minor">
-            <a:schemeClr val="lt1"/>
-          </a:fontRef>
-        </p:style>
-        <p:txBody>
-          <a:bodyPr wrap="none" lIns="36000" tIns="36000" rIns="36000" bIns="36000" rtlCol="0" anchor="ctr" anchorCtr="0"/>
-          <a:lstStyle/>
-          <a:p>
-            <a:pPr algn="ctr"/>
-            <a:r>
-              <a:rPr lang="zh-CN" altLang="en-US" sz="1600" b="1">
-                <a:solidFill>
-                  <a:schemeClr val="tx1"/>
-                </a:solidFill>
-                <a:latin typeface="微软雅黑" panose="020B0503020204020204" pitchFamily="34" charset="-122"/>
-                <a:ea typeface="微软雅黑" panose="020B0503020204020204" pitchFamily="34" charset="-122"/>
-              </a:rPr>
-              <a:t>查找申请者</a:t>
-            </a:r>
-            <a:endParaRPr lang="en-US" altLang="zh-CN" sz="1600" b="1">
-              <a:solidFill>
-                <a:schemeClr val="tx1"/>
-              </a:solidFill>
-              <a:latin typeface="微软雅黑" panose="020B0503020204020204" pitchFamily="34" charset="-122"/>
-              <a:ea typeface="微软雅黑" panose="020B0503020204020204" pitchFamily="34" charset="-122"/>
-            </a:endParaRPr>
-          </a:p>
-          <a:p>
-            <a:pPr algn="ctr"/>
-            <a:r>
-              <a:rPr lang="en-US" altLang="zh-CN" sz="1600" b="1">
-                <a:solidFill>
-                  <a:schemeClr val="tx1"/>
-                </a:solidFill>
-                <a:latin typeface="微软雅黑" panose="020B0503020204020204" pitchFamily="34" charset="-122"/>
-                <a:ea typeface="微软雅黑" panose="020B0503020204020204" pitchFamily="34" charset="-122"/>
-              </a:rPr>
-              <a:t>list_master</a:t>
-            </a:r>
-            <a:endParaRPr lang="zh-CN" altLang="en-US" sz="1600" b="1">
-              <a:solidFill>
-                <a:schemeClr val="tx1"/>
-              </a:solidFill>
-              <a:latin typeface="微软雅黑" panose="020B0503020204020204" pitchFamily="34" charset="-122"/>
-              <a:ea typeface="微软雅黑" panose="020B0503020204020204" pitchFamily="34" charset="-122"/>
-            </a:endParaRPr>
-          </a:p>
-        </p:txBody>
-      </p:sp>
-      <p:cxnSp>
-        <p:nvCxnSpPr>
-          <p:cNvPr id="111" name="直接箭头连接符 110">
-            <a:extLst>
-              <a:ext uri="{FF2B5EF4-FFF2-40B4-BE49-F238E27FC236}">
-                <a16:creationId xmlns:a16="http://schemas.microsoft.com/office/drawing/2014/main" id="{E503A773-633A-4D3C-8724-1D424425A2E9}"/>
-              </a:ext>
-            </a:extLst>
-          </p:cNvPr>
-          <p:cNvCxnSpPr>
-            <a:cxnSpLocks/>
-            <a:stCxn id="49" idx="3"/>
-            <a:endCxn id="30" idx="1"/>
-          </p:cNvCxnSpPr>
-          <p:nvPr/>
-        </p:nvCxnSpPr>
-        <p:spPr>
-          <a:xfrm>
-            <a:off x="5243943" y="3913712"/>
-            <a:ext cx="1454459" cy="515"/>
-          </a:xfrm>
-          <a:prstGeom prst="straightConnector1">
-            <a:avLst/>
-          </a:prstGeom>
-          <a:ln w="57150">
-            <a:solidFill>
-              <a:srgbClr val="FFC000"/>
-            </a:solidFill>
-            <a:tailEnd type="triangle"/>
-          </a:ln>
-        </p:spPr>
-        <p:style>
-          <a:lnRef idx="1">
-            <a:schemeClr val="accent1"/>
-          </a:lnRef>
-          <a:fillRef idx="0">
-            <a:schemeClr val="accent1"/>
-          </a:fillRef>
-          <a:effectRef idx="0">
-            <a:schemeClr val="accent1"/>
-          </a:effectRef>
-          <a:fontRef idx="minor">
-            <a:schemeClr val="tx1"/>
-          </a:fontRef>
-        </p:style>
-      </p:cxnSp>
-      <p:cxnSp>
-        <p:nvCxnSpPr>
-          <p:cNvPr id="113" name="直接箭头连接符 112">
-            <a:extLst>
-              <a:ext uri="{FF2B5EF4-FFF2-40B4-BE49-F238E27FC236}">
-                <a16:creationId xmlns:a16="http://schemas.microsoft.com/office/drawing/2014/main" id="{A6C2F5A5-BF99-4B50-8A20-06A63668171D}"/>
-              </a:ext>
-            </a:extLst>
-          </p:cNvPr>
-          <p:cNvCxnSpPr>
-            <a:cxnSpLocks/>
-            <a:stCxn id="53" idx="3"/>
-            <a:endCxn id="28" idx="1"/>
-          </p:cNvCxnSpPr>
-          <p:nvPr/>
-        </p:nvCxnSpPr>
-        <p:spPr>
-          <a:xfrm flipV="1">
-            <a:off x="5243943" y="1573639"/>
-            <a:ext cx="1435564" cy="4666"/>
-          </a:xfrm>
-          <a:prstGeom prst="straightConnector1">
-            <a:avLst/>
-          </a:prstGeom>
-          <a:ln w="57150">
-            <a:solidFill>
-              <a:srgbClr val="FFC000"/>
-            </a:solidFill>
-            <a:tailEnd type="triangle"/>
-          </a:ln>
-        </p:spPr>
-        <p:style>
-          <a:lnRef idx="1">
-            <a:schemeClr val="accent1"/>
-          </a:lnRef>
-          <a:fillRef idx="0">
-            <a:schemeClr val="accent1"/>
-          </a:fillRef>
-          <a:effectRef idx="0">
-            <a:schemeClr val="accent1"/>
-          </a:effectRef>
-          <a:fontRef idx="minor">
-            <a:schemeClr val="tx1"/>
-          </a:fontRef>
-        </p:style>
-      </p:cxnSp>
-      <p:sp>
-        <p:nvSpPr>
-          <p:cNvPr id="47" name="矩形: 圆角 46">
-            <a:extLst>
-              <a:ext uri="{FF2B5EF4-FFF2-40B4-BE49-F238E27FC236}">
-                <a16:creationId xmlns:a16="http://schemas.microsoft.com/office/drawing/2014/main" id="{A2832FAA-26D6-45C7-81D2-52D1B13FC30D}"/>
-              </a:ext>
-            </a:extLst>
-          </p:cNvPr>
-          <p:cNvSpPr/>
-          <p:nvPr/>
-        </p:nvSpPr>
-        <p:spPr>
-          <a:xfrm>
-            <a:off x="712379" y="3697637"/>
-            <a:ext cx="1080000" cy="432000"/>
-          </a:xfrm>
-          <a:prstGeom prst="roundRect">
-            <a:avLst/>
-          </a:prstGeom>
-          <a:solidFill>
-            <a:srgbClr val="00B0F0"/>
-          </a:solidFill>
-          <a:ln>
-            <a:solidFill>
-              <a:schemeClr val="tx1"/>
-            </a:solidFill>
-          </a:ln>
-        </p:spPr>
-        <p:style>
-          <a:lnRef idx="2">
-            <a:schemeClr val="accent1">
-              <a:shade val="50000"/>
-            </a:schemeClr>
-          </a:lnRef>
-          <a:fillRef idx="1">
-            <a:schemeClr val="accent1"/>
-          </a:fillRef>
-          <a:effectRef idx="0">
-            <a:schemeClr val="accent1"/>
-          </a:effectRef>
-          <a:fontRef idx="minor">
-            <a:schemeClr val="lt1"/>
-          </a:fontRef>
-        </p:style>
-        <p:txBody>
-          <a:bodyPr wrap="none" lIns="36000" tIns="36000" rIns="36000" bIns="36000" rtlCol="0" anchor="ctr" anchorCtr="0"/>
-          <a:lstStyle/>
-          <a:p>
-            <a:pPr algn="ctr"/>
-            <a:r>
-              <a:rPr lang="zh-CN" altLang="en-US" sz="1600" b="1">
-                <a:solidFill>
-                  <a:schemeClr val="tx1"/>
-                </a:solidFill>
-                <a:latin typeface="微软雅黑" panose="020B0503020204020204" pitchFamily="34" charset="-122"/>
-                <a:ea typeface="微软雅黑" panose="020B0503020204020204" pitchFamily="34" charset="-122"/>
-              </a:rPr>
-              <a:t>基金会会员</a:t>
-            </a:r>
-          </a:p>
-        </p:txBody>
-      </p:sp>
-      <p:sp>
-        <p:nvSpPr>
-          <p:cNvPr id="49" name="矩形: 圆角 48">
-            <a:extLst>
-              <a:ext uri="{FF2B5EF4-FFF2-40B4-BE49-F238E27FC236}">
-                <a16:creationId xmlns:a16="http://schemas.microsoft.com/office/drawing/2014/main" id="{9318B74D-0975-4412-852D-C0122D209E75}"/>
-              </a:ext>
-            </a:extLst>
-          </p:cNvPr>
-          <p:cNvSpPr/>
-          <p:nvPr/>
-        </p:nvSpPr>
-        <p:spPr>
-          <a:xfrm>
-            <a:off x="3227943" y="3589712"/>
-            <a:ext cx="2016000" cy="648000"/>
-          </a:xfrm>
-          <a:prstGeom prst="roundRect">
-            <a:avLst/>
-          </a:prstGeom>
-          <a:solidFill>
-            <a:srgbClr val="00B050"/>
-          </a:solidFill>
-          <a:ln>
-            <a:solidFill>
-              <a:schemeClr val="tx1"/>
-            </a:solidFill>
-          </a:ln>
-        </p:spPr>
-        <p:style>
-          <a:lnRef idx="2">
-            <a:schemeClr val="accent1">
-              <a:shade val="50000"/>
-            </a:schemeClr>
-          </a:lnRef>
-          <a:fillRef idx="1">
-            <a:schemeClr val="accent1"/>
-          </a:fillRef>
-          <a:effectRef idx="0">
-            <a:schemeClr val="accent1"/>
-          </a:effectRef>
-          <a:fontRef idx="minor">
-            <a:schemeClr val="lt1"/>
-          </a:fontRef>
-        </p:style>
-        <p:txBody>
-          <a:bodyPr wrap="none" lIns="36000" tIns="36000" rIns="36000" bIns="36000" rtlCol="0" anchor="ctr" anchorCtr="0"/>
-          <a:lstStyle/>
-          <a:p>
-            <a:pPr algn="ctr"/>
-            <a:r>
-              <a:rPr lang="zh-CN" altLang="en-US" sz="1600" b="1">
-                <a:solidFill>
-                  <a:schemeClr val="tx1"/>
-                </a:solidFill>
-                <a:latin typeface="微软雅黑" panose="020B0503020204020204" pitchFamily="34" charset="-122"/>
-                <a:ea typeface="微软雅黑" panose="020B0503020204020204" pitchFamily="34" charset="-122"/>
-              </a:rPr>
-              <a:t>批准</a:t>
-            </a:r>
-            <a:endParaRPr lang="en-US" altLang="zh-CN" sz="1600" b="1">
-              <a:solidFill>
-                <a:schemeClr val="tx1"/>
-              </a:solidFill>
-              <a:latin typeface="微软雅黑" panose="020B0503020204020204" pitchFamily="34" charset="-122"/>
-              <a:ea typeface="微软雅黑" panose="020B0503020204020204" pitchFamily="34" charset="-122"/>
-            </a:endParaRPr>
-          </a:p>
-          <a:p>
-            <a:pPr algn="ctr"/>
-            <a:r>
-              <a:rPr lang="en-US" altLang="zh-CN" sz="1600" b="1">
-                <a:solidFill>
-                  <a:schemeClr val="tx1"/>
-                </a:solidFill>
-                <a:latin typeface="微软雅黑" panose="020B0503020204020204" pitchFamily="34" charset="-122"/>
-                <a:ea typeface="微软雅黑" panose="020B0503020204020204" pitchFamily="34" charset="-122"/>
-              </a:rPr>
-              <a:t>approve_master</a:t>
-            </a:r>
-            <a:endParaRPr lang="zh-CN" altLang="en-US" sz="1600" b="1">
-              <a:solidFill>
-                <a:schemeClr val="tx1"/>
-              </a:solidFill>
-              <a:latin typeface="微软雅黑" panose="020B0503020204020204" pitchFamily="34" charset="-122"/>
-              <a:ea typeface="微软雅黑" panose="020B0503020204020204" pitchFamily="34" charset="-122"/>
-            </a:endParaRPr>
-          </a:p>
-        </p:txBody>
-      </p:sp>
-      <p:sp>
-        <p:nvSpPr>
-          <p:cNvPr id="89" name="矩形: 圆角 88">
-            <a:extLst>
-              <a:ext uri="{FF2B5EF4-FFF2-40B4-BE49-F238E27FC236}">
-                <a16:creationId xmlns:a16="http://schemas.microsoft.com/office/drawing/2014/main" id="{BCB76878-D819-48AC-AEB8-9F028A450BD7}"/>
-              </a:ext>
-            </a:extLst>
-          </p:cNvPr>
-          <p:cNvSpPr/>
-          <p:nvPr/>
-        </p:nvSpPr>
-        <p:spPr>
-          <a:xfrm>
-            <a:off x="714124" y="4867636"/>
-            <a:ext cx="1080000" cy="432000"/>
-          </a:xfrm>
-          <a:prstGeom prst="roundRect">
-            <a:avLst/>
-          </a:prstGeom>
-          <a:solidFill>
-            <a:srgbClr val="00B0F0"/>
-          </a:solidFill>
-          <a:ln>
-            <a:solidFill>
-              <a:schemeClr val="tx1"/>
-            </a:solidFill>
-          </a:ln>
-        </p:spPr>
-        <p:style>
-          <a:lnRef idx="2">
-            <a:schemeClr val="accent1">
-              <a:shade val="50000"/>
-            </a:schemeClr>
-          </a:lnRef>
-          <a:fillRef idx="1">
-            <a:schemeClr val="accent1"/>
-          </a:fillRef>
-          <a:effectRef idx="0">
-            <a:schemeClr val="accent1"/>
-          </a:effectRef>
-          <a:fontRef idx="minor">
-            <a:schemeClr val="lt1"/>
-          </a:fontRef>
-        </p:style>
-        <p:txBody>
-          <a:bodyPr wrap="none" lIns="36000" tIns="36000" rIns="36000" bIns="36000" rtlCol="0" anchor="ctr" anchorCtr="0"/>
-          <a:lstStyle/>
-          <a:p>
-            <a:pPr algn="ctr"/>
-            <a:r>
-              <a:rPr lang="zh-CN" altLang="en-US" sz="1600" b="1">
-                <a:solidFill>
-                  <a:schemeClr val="tx1"/>
-                </a:solidFill>
-                <a:latin typeface="微软雅黑" panose="020B0503020204020204" pitchFamily="34" charset="-122"/>
-                <a:ea typeface="微软雅黑" panose="020B0503020204020204" pitchFamily="34" charset="-122"/>
-              </a:rPr>
-              <a:t>申请者</a:t>
-            </a:r>
-          </a:p>
-        </p:txBody>
-      </p:sp>
-      <p:sp>
-        <p:nvSpPr>
-          <p:cNvPr id="106" name="矩形: 圆角 105">
-            <a:extLst>
-              <a:ext uri="{FF2B5EF4-FFF2-40B4-BE49-F238E27FC236}">
-                <a16:creationId xmlns:a16="http://schemas.microsoft.com/office/drawing/2014/main" id="{23A35783-45F3-492D-B983-D833D276F213}"/>
-              </a:ext>
-            </a:extLst>
-          </p:cNvPr>
-          <p:cNvSpPr/>
-          <p:nvPr/>
-        </p:nvSpPr>
-        <p:spPr>
-          <a:xfrm>
-            <a:off x="3227943" y="4759786"/>
-            <a:ext cx="2016000" cy="648000"/>
-          </a:xfrm>
-          <a:prstGeom prst="roundRect">
-            <a:avLst/>
-          </a:prstGeom>
-          <a:solidFill>
-            <a:srgbClr val="00B050"/>
-          </a:solidFill>
-          <a:ln>
-            <a:solidFill>
-              <a:schemeClr val="tx1"/>
-            </a:solidFill>
-          </a:ln>
-        </p:spPr>
-        <p:style>
-          <a:lnRef idx="2">
-            <a:schemeClr val="accent1">
-              <a:shade val="50000"/>
-            </a:schemeClr>
-          </a:lnRef>
-          <a:fillRef idx="1">
-            <a:schemeClr val="accent1"/>
-          </a:fillRef>
-          <a:effectRef idx="0">
-            <a:schemeClr val="accent1"/>
-          </a:effectRef>
-          <a:fontRef idx="minor">
-            <a:schemeClr val="lt1"/>
-          </a:fontRef>
-        </p:style>
-        <p:txBody>
-          <a:bodyPr wrap="none" lIns="36000" tIns="36000" rIns="36000" bIns="36000" rtlCol="0" anchor="ctr" anchorCtr="0"/>
-          <a:lstStyle/>
-          <a:p>
-            <a:pPr algn="ctr"/>
-            <a:r>
-              <a:rPr lang="zh-CN" altLang="en-US" sz="1600" b="1">
-                <a:solidFill>
-                  <a:schemeClr val="tx1"/>
-                </a:solidFill>
-                <a:latin typeface="微软雅黑" panose="020B0503020204020204" pitchFamily="34" charset="-122"/>
-                <a:ea typeface="微软雅黑" panose="020B0503020204020204" pitchFamily="34" charset="-122"/>
-              </a:rPr>
-              <a:t>判断身份</a:t>
-            </a:r>
-            <a:endParaRPr lang="en-US" altLang="zh-CN" sz="1600" b="1">
-              <a:solidFill>
-                <a:schemeClr val="tx1"/>
-              </a:solidFill>
-              <a:latin typeface="微软雅黑" panose="020B0503020204020204" pitchFamily="34" charset="-122"/>
-              <a:ea typeface="微软雅黑" panose="020B0503020204020204" pitchFamily="34" charset="-122"/>
-            </a:endParaRPr>
-          </a:p>
-          <a:p>
-            <a:pPr algn="ctr"/>
-            <a:r>
-              <a:rPr lang="en-US" altLang="zh-CN" sz="1600" b="1">
-                <a:solidFill>
-                  <a:schemeClr val="tx1"/>
-                </a:solidFill>
-                <a:latin typeface="微软雅黑" panose="020B0503020204020204" pitchFamily="34" charset="-122"/>
-                <a:ea typeface="微软雅黑" panose="020B0503020204020204" pitchFamily="34" charset="-122"/>
-              </a:rPr>
-              <a:t>is_master</a:t>
-            </a:r>
-            <a:endParaRPr lang="zh-CN" altLang="en-US" sz="1600" b="1">
-              <a:solidFill>
-                <a:schemeClr val="tx1"/>
-              </a:solidFill>
-              <a:latin typeface="微软雅黑" panose="020B0503020204020204" pitchFamily="34" charset="-122"/>
-              <a:ea typeface="微软雅黑" panose="020B0503020204020204" pitchFamily="34" charset="-122"/>
-            </a:endParaRPr>
-          </a:p>
-        </p:txBody>
-      </p:sp>
-      <p:cxnSp>
-        <p:nvCxnSpPr>
-          <p:cNvPr id="239" name="直接连接符 238">
-            <a:extLst>
-              <a:ext uri="{FF2B5EF4-FFF2-40B4-BE49-F238E27FC236}">
-                <a16:creationId xmlns:a16="http://schemas.microsoft.com/office/drawing/2014/main" id="{05CC9636-A076-48A7-9A94-4E0212BA0C59}"/>
-              </a:ext>
-            </a:extLst>
-          </p:cNvPr>
-          <p:cNvCxnSpPr>
-            <a:cxnSpLocks/>
-          </p:cNvCxnSpPr>
-          <p:nvPr/>
-        </p:nvCxnSpPr>
-        <p:spPr>
-          <a:xfrm flipH="1">
-            <a:off x="433388" y="866051"/>
-            <a:ext cx="11325225" cy="1"/>
-          </a:xfrm>
-          <a:prstGeom prst="line">
-            <a:avLst/>
-          </a:prstGeom>
-          <a:ln w="19050">
-            <a:solidFill>
-              <a:srgbClr val="00576E"/>
-            </a:solidFill>
-          </a:ln>
-          <a:effectLst>
-            <a:outerShdw blurRad="50800" dist="12700" dir="5400000" algn="t" rotWithShape="0">
-              <a:prstClr val="black">
-                <a:alpha val="40000"/>
-              </a:prstClr>
-            </a:outerShdw>
-          </a:effectLst>
-        </p:spPr>
-        <p:style>
-          <a:lnRef idx="2">
-            <a:schemeClr val="accent1"/>
-          </a:lnRef>
-          <a:fillRef idx="0">
-            <a:schemeClr val="accent1"/>
-          </a:fillRef>
-          <a:effectRef idx="1">
-            <a:schemeClr val="accent1"/>
-          </a:effectRef>
-          <a:fontRef idx="minor">
-            <a:schemeClr val="tx1"/>
-          </a:fontRef>
-        </p:style>
-      </p:cxnSp>
-      <p:sp>
-        <p:nvSpPr>
-          <p:cNvPr id="240" name="矩形 239">
-            <a:extLst>
-              <a:ext uri="{FF2B5EF4-FFF2-40B4-BE49-F238E27FC236}">
-                <a16:creationId xmlns:a16="http://schemas.microsoft.com/office/drawing/2014/main" id="{CE6D800A-2E58-40A9-AF4D-2C92406102BA}"/>
-              </a:ext>
-            </a:extLst>
-          </p:cNvPr>
-          <p:cNvSpPr/>
-          <p:nvPr/>
-        </p:nvSpPr>
-        <p:spPr>
-          <a:xfrm>
-            <a:off x="471489" y="209549"/>
-            <a:ext cx="119062" cy="513626"/>
-          </a:xfrm>
-          <a:prstGeom prst="rect">
-            <a:avLst/>
-          </a:prstGeom>
-          <a:solidFill>
-            <a:srgbClr val="00576E"/>
-          </a:solidFill>
-        </p:spPr>
-        <p:style>
-          <a:lnRef idx="2">
-            <a:schemeClr val="accent1">
-              <a:shade val="50000"/>
-            </a:schemeClr>
-          </a:lnRef>
-          <a:fillRef idx="1">
-            <a:schemeClr val="accent1"/>
-          </a:fillRef>
-          <a:effectRef idx="0">
-            <a:schemeClr val="accent1"/>
-          </a:effectRef>
-          <a:fontRef idx="minor">
-            <a:schemeClr val="lt1"/>
-          </a:fontRef>
-        </p:style>
-        <p:txBody>
-          <a:bodyPr rtlCol="0" anchor="ctr"/>
-          <a:lstStyle/>
-          <a:p>
-            <a:pPr algn="ctr"/>
-            <a:endParaRPr lang="zh-CN" altLang="en-US">
-              <a:latin typeface="Consolas" panose="020B0609020204030204" pitchFamily="49" charset="0"/>
-            </a:endParaRPr>
-          </a:p>
-        </p:txBody>
-      </p:sp>
-      <p:sp>
-        <p:nvSpPr>
-          <p:cNvPr id="241" name="文本框 240">
-            <a:extLst>
-              <a:ext uri="{FF2B5EF4-FFF2-40B4-BE49-F238E27FC236}">
-                <a16:creationId xmlns:a16="http://schemas.microsoft.com/office/drawing/2014/main" id="{90ABBAE7-6707-4A6F-819E-32C1CFD4250B}"/>
-              </a:ext>
-            </a:extLst>
-          </p:cNvPr>
-          <p:cNvSpPr txBox="1"/>
-          <p:nvPr/>
-        </p:nvSpPr>
-        <p:spPr>
-          <a:xfrm>
-            <a:off x="712379" y="173975"/>
-            <a:ext cx="2646878" cy="584775"/>
-          </a:xfrm>
-          <a:prstGeom prst="rect">
-            <a:avLst/>
-          </a:prstGeom>
-          <a:noFill/>
-        </p:spPr>
-        <p:txBody>
-          <a:bodyPr wrap="none" rtlCol="0">
-            <a:spAutoFit/>
-          </a:bodyPr>
-          <a:lstStyle/>
-          <a:p>
-            <a:r>
-              <a:rPr lang="zh-CN" altLang="en-US" sz="3200" b="1">
-                <a:latin typeface="Consolas" panose="020B0609020204030204" pitchFamily="49" charset="0"/>
-                <a:ea typeface="微软雅黑" panose="020B0503020204020204" pitchFamily="34" charset="-122"/>
-              </a:rPr>
-              <a:t>申请成为法师</a:t>
-            </a:r>
-          </a:p>
-        </p:txBody>
-      </p:sp>
-      <p:sp>
-        <p:nvSpPr>
-          <p:cNvPr id="28" name="矩形: 圆角 27">
-            <a:extLst>
-              <a:ext uri="{FF2B5EF4-FFF2-40B4-BE49-F238E27FC236}">
-                <a16:creationId xmlns:a16="http://schemas.microsoft.com/office/drawing/2014/main" id="{AB4DE673-24F1-43A2-BCAF-B68C77E8E497}"/>
-              </a:ext>
-            </a:extLst>
-          </p:cNvPr>
-          <p:cNvSpPr/>
-          <p:nvPr/>
-        </p:nvSpPr>
-        <p:spPr>
-          <a:xfrm>
-            <a:off x="6679507" y="1357639"/>
-            <a:ext cx="1728000" cy="432000"/>
-          </a:xfrm>
-          <a:prstGeom prst="roundRect">
-            <a:avLst/>
-          </a:prstGeom>
-          <a:solidFill>
-            <a:schemeClr val="bg1">
-              <a:lumMod val="95000"/>
-            </a:schemeClr>
-          </a:solidFill>
-          <a:ln>
-            <a:solidFill>
-              <a:schemeClr val="tx1"/>
-            </a:solidFill>
-          </a:ln>
-        </p:spPr>
-        <p:style>
-          <a:lnRef idx="2">
-            <a:schemeClr val="accent1">
-              <a:shade val="50000"/>
-            </a:schemeClr>
-          </a:lnRef>
-          <a:fillRef idx="1">
-            <a:schemeClr val="accent1"/>
-          </a:fillRef>
-          <a:effectRef idx="0">
-            <a:schemeClr val="accent1"/>
-          </a:effectRef>
-          <a:fontRef idx="minor">
-            <a:schemeClr val="lt1"/>
-          </a:fontRef>
-        </p:style>
-        <p:txBody>
-          <a:bodyPr wrap="none" lIns="36000" tIns="36000" rIns="36000" bIns="36000" rtlCol="0" anchor="ctr" anchorCtr="0"/>
-          <a:lstStyle/>
-          <a:p>
-            <a:pPr algn="ctr"/>
-            <a:r>
-              <a:rPr lang="zh-CN" altLang="en-US" sz="1600" b="1">
-                <a:solidFill>
-                  <a:schemeClr val="tx1"/>
-                </a:solidFill>
-                <a:latin typeface="微软雅黑" panose="020B0503020204020204" pitchFamily="34" charset="-122"/>
-                <a:ea typeface="微软雅黑" panose="020B0503020204020204" pitchFamily="34" charset="-122"/>
-              </a:rPr>
-              <a:t>法师表</a:t>
-            </a:r>
-            <a:endParaRPr lang="en-US" altLang="zh-CN" sz="1600" b="1">
-              <a:solidFill>
-                <a:schemeClr val="tx1"/>
-              </a:solidFill>
-              <a:latin typeface="微软雅黑" panose="020B0503020204020204" pitchFamily="34" charset="-122"/>
-              <a:ea typeface="微软雅黑" panose="020B0503020204020204" pitchFamily="34" charset="-122"/>
-            </a:endParaRPr>
-          </a:p>
-        </p:txBody>
-      </p:sp>
-      <p:sp>
-        <p:nvSpPr>
-          <p:cNvPr id="29" name="矩形: 圆角 28">
-            <a:extLst>
-              <a:ext uri="{FF2B5EF4-FFF2-40B4-BE49-F238E27FC236}">
-                <a16:creationId xmlns:a16="http://schemas.microsoft.com/office/drawing/2014/main" id="{A4F902C6-6B93-41CF-919B-8FA5B2861830}"/>
-              </a:ext>
-            </a:extLst>
-          </p:cNvPr>
-          <p:cNvSpPr/>
-          <p:nvPr/>
-        </p:nvSpPr>
-        <p:spPr>
-          <a:xfrm>
-            <a:off x="6698402" y="2527933"/>
-            <a:ext cx="1728000" cy="432000"/>
-          </a:xfrm>
-          <a:prstGeom prst="roundRect">
-            <a:avLst/>
-          </a:prstGeom>
-          <a:solidFill>
-            <a:schemeClr val="bg1">
-              <a:lumMod val="95000"/>
-            </a:schemeClr>
-          </a:solidFill>
-          <a:ln>
-            <a:solidFill>
-              <a:schemeClr val="tx1"/>
-            </a:solidFill>
-          </a:ln>
-        </p:spPr>
-        <p:style>
-          <a:lnRef idx="2">
-            <a:schemeClr val="accent1">
-              <a:shade val="50000"/>
-            </a:schemeClr>
-          </a:lnRef>
-          <a:fillRef idx="1">
-            <a:schemeClr val="accent1"/>
-          </a:fillRef>
-          <a:effectRef idx="0">
-            <a:schemeClr val="accent1"/>
-          </a:effectRef>
-          <a:fontRef idx="minor">
-            <a:schemeClr val="lt1"/>
-          </a:fontRef>
-        </p:style>
-        <p:txBody>
-          <a:bodyPr wrap="none" lIns="36000" tIns="36000" rIns="36000" bIns="36000" rtlCol="0" anchor="ctr" anchorCtr="0"/>
-          <a:lstStyle/>
-          <a:p>
-            <a:pPr algn="ctr"/>
-            <a:r>
-              <a:rPr lang="zh-CN" altLang="en-US" sz="1600" b="1">
-                <a:solidFill>
-                  <a:schemeClr val="tx1"/>
-                </a:solidFill>
-                <a:latin typeface="微软雅黑" panose="020B0503020204020204" pitchFamily="34" charset="-122"/>
-                <a:ea typeface="微软雅黑" panose="020B0503020204020204" pitchFamily="34" charset="-122"/>
-              </a:rPr>
-              <a:t>法师表</a:t>
-            </a:r>
-            <a:endParaRPr lang="en-US" altLang="zh-CN" sz="1600" b="1">
-              <a:solidFill>
-                <a:schemeClr val="tx1"/>
-              </a:solidFill>
-              <a:latin typeface="微软雅黑" panose="020B0503020204020204" pitchFamily="34" charset="-122"/>
-              <a:ea typeface="微软雅黑" panose="020B0503020204020204" pitchFamily="34" charset="-122"/>
-            </a:endParaRPr>
-          </a:p>
-        </p:txBody>
-      </p:sp>
-      <p:sp>
-        <p:nvSpPr>
-          <p:cNvPr id="30" name="矩形: 圆角 29">
-            <a:extLst>
-              <a:ext uri="{FF2B5EF4-FFF2-40B4-BE49-F238E27FC236}">
-                <a16:creationId xmlns:a16="http://schemas.microsoft.com/office/drawing/2014/main" id="{AB802689-C340-4C27-BA03-1900C5FC70F2}"/>
-              </a:ext>
-            </a:extLst>
-          </p:cNvPr>
-          <p:cNvSpPr/>
-          <p:nvPr/>
-        </p:nvSpPr>
-        <p:spPr>
-          <a:xfrm>
-            <a:off x="6698402" y="3698227"/>
-            <a:ext cx="1728000" cy="432000"/>
-          </a:xfrm>
-          <a:prstGeom prst="roundRect">
-            <a:avLst/>
-          </a:prstGeom>
-          <a:solidFill>
-            <a:schemeClr val="bg1">
-              <a:lumMod val="95000"/>
-            </a:schemeClr>
-          </a:solidFill>
-          <a:ln>
-            <a:solidFill>
-              <a:schemeClr val="tx1"/>
-            </a:solidFill>
-          </a:ln>
-        </p:spPr>
-        <p:style>
-          <a:lnRef idx="2">
-            <a:schemeClr val="accent1">
-              <a:shade val="50000"/>
-            </a:schemeClr>
-          </a:lnRef>
-          <a:fillRef idx="1">
-            <a:schemeClr val="accent1"/>
-          </a:fillRef>
-          <a:effectRef idx="0">
-            <a:schemeClr val="accent1"/>
-          </a:effectRef>
-          <a:fontRef idx="minor">
-            <a:schemeClr val="lt1"/>
-          </a:fontRef>
-        </p:style>
-        <p:txBody>
-          <a:bodyPr wrap="none" lIns="36000" tIns="36000" rIns="36000" bIns="36000" rtlCol="0" anchor="ctr" anchorCtr="0"/>
-          <a:lstStyle/>
-          <a:p>
-            <a:pPr algn="ctr"/>
-            <a:r>
-              <a:rPr lang="zh-CN" altLang="en-US" sz="1600" b="1">
-                <a:solidFill>
-                  <a:schemeClr val="tx1"/>
-                </a:solidFill>
-                <a:latin typeface="微软雅黑" panose="020B0503020204020204" pitchFamily="34" charset="-122"/>
-                <a:ea typeface="微软雅黑" panose="020B0503020204020204" pitchFamily="34" charset="-122"/>
-              </a:rPr>
-              <a:t>法师表</a:t>
-            </a:r>
-            <a:endParaRPr lang="en-US" altLang="zh-CN" sz="1600" b="1">
-              <a:solidFill>
-                <a:schemeClr val="tx1"/>
-              </a:solidFill>
-              <a:latin typeface="微软雅黑" panose="020B0503020204020204" pitchFamily="34" charset="-122"/>
-              <a:ea typeface="微软雅黑" panose="020B0503020204020204" pitchFamily="34" charset="-122"/>
-            </a:endParaRPr>
-          </a:p>
-        </p:txBody>
-      </p:sp>
-      <p:sp>
-        <p:nvSpPr>
-          <p:cNvPr id="31" name="矩形: 圆角 30">
-            <a:extLst>
-              <a:ext uri="{FF2B5EF4-FFF2-40B4-BE49-F238E27FC236}">
-                <a16:creationId xmlns:a16="http://schemas.microsoft.com/office/drawing/2014/main" id="{E819C106-E82F-4142-8480-4231C86DEDC3}"/>
-              </a:ext>
-            </a:extLst>
-          </p:cNvPr>
-          <p:cNvSpPr/>
-          <p:nvPr/>
-        </p:nvSpPr>
-        <p:spPr>
-          <a:xfrm>
-            <a:off x="6698402" y="4868226"/>
-            <a:ext cx="1728000" cy="432000"/>
-          </a:xfrm>
-          <a:prstGeom prst="roundRect">
-            <a:avLst/>
-          </a:prstGeom>
-          <a:solidFill>
-            <a:schemeClr val="bg1">
-              <a:lumMod val="95000"/>
-            </a:schemeClr>
-          </a:solidFill>
-          <a:ln>
-            <a:solidFill>
-              <a:schemeClr val="tx1"/>
-            </a:solidFill>
-          </a:ln>
-        </p:spPr>
-        <p:style>
-          <a:lnRef idx="2">
-            <a:schemeClr val="accent1">
-              <a:shade val="50000"/>
-            </a:schemeClr>
-          </a:lnRef>
-          <a:fillRef idx="1">
-            <a:schemeClr val="accent1"/>
-          </a:fillRef>
-          <a:effectRef idx="0">
-            <a:schemeClr val="accent1"/>
-          </a:effectRef>
-          <a:fontRef idx="minor">
-            <a:schemeClr val="lt1"/>
-          </a:fontRef>
-        </p:style>
-        <p:txBody>
-          <a:bodyPr wrap="none" lIns="36000" tIns="36000" rIns="36000" bIns="36000" rtlCol="0" anchor="ctr" anchorCtr="0"/>
-          <a:lstStyle/>
-          <a:p>
-            <a:pPr algn="ctr"/>
-            <a:r>
-              <a:rPr lang="zh-CN" altLang="en-US" sz="1600" b="1">
-                <a:solidFill>
-                  <a:schemeClr val="tx1"/>
-                </a:solidFill>
-                <a:latin typeface="微软雅黑" panose="020B0503020204020204" pitchFamily="34" charset="-122"/>
-                <a:ea typeface="微软雅黑" panose="020B0503020204020204" pitchFamily="34" charset="-122"/>
-              </a:rPr>
-              <a:t>身份表</a:t>
-            </a:r>
-            <a:endParaRPr lang="en-US" altLang="zh-CN" sz="1600" b="1">
-              <a:solidFill>
-                <a:schemeClr val="tx1"/>
-              </a:solidFill>
-              <a:latin typeface="微软雅黑" panose="020B0503020204020204" pitchFamily="34" charset="-122"/>
-              <a:ea typeface="微软雅黑" panose="020B0503020204020204" pitchFamily="34" charset="-122"/>
-            </a:endParaRPr>
-          </a:p>
-        </p:txBody>
-      </p:sp>
-      <p:cxnSp>
-        <p:nvCxnSpPr>
-          <p:cNvPr id="36" name="直接箭头连接符 35">
-            <a:extLst>
-              <a:ext uri="{FF2B5EF4-FFF2-40B4-BE49-F238E27FC236}">
-                <a16:creationId xmlns:a16="http://schemas.microsoft.com/office/drawing/2014/main" id="{7FC5FF20-90B8-4813-8B3D-EA4D4A445065}"/>
-              </a:ext>
-            </a:extLst>
-          </p:cNvPr>
-          <p:cNvCxnSpPr>
-            <a:cxnSpLocks/>
-            <a:stCxn id="48" idx="3"/>
-            <a:endCxn id="53" idx="1"/>
-          </p:cNvCxnSpPr>
-          <p:nvPr/>
-        </p:nvCxnSpPr>
-        <p:spPr>
-          <a:xfrm>
-            <a:off x="1792379" y="1573639"/>
-            <a:ext cx="1435564" cy="4666"/>
-          </a:xfrm>
-          <a:prstGeom prst="straightConnector1">
-            <a:avLst/>
-          </a:prstGeom>
-          <a:ln w="31750">
-            <a:solidFill>
-              <a:schemeClr val="tx1"/>
-            </a:solidFill>
-            <a:tailEnd type="triangle"/>
-          </a:ln>
-        </p:spPr>
-        <p:style>
-          <a:lnRef idx="1">
-            <a:schemeClr val="accent1"/>
-          </a:lnRef>
-          <a:fillRef idx="0">
-            <a:schemeClr val="accent1"/>
-          </a:fillRef>
-          <a:effectRef idx="0">
-            <a:schemeClr val="accent1"/>
-          </a:effectRef>
-          <a:fontRef idx="minor">
-            <a:schemeClr val="tx1"/>
-          </a:fontRef>
-        </p:style>
-      </p:cxnSp>
-      <p:cxnSp>
-        <p:nvCxnSpPr>
-          <p:cNvPr id="37" name="直接箭头连接符 36">
-            <a:extLst>
-              <a:ext uri="{FF2B5EF4-FFF2-40B4-BE49-F238E27FC236}">
-                <a16:creationId xmlns:a16="http://schemas.microsoft.com/office/drawing/2014/main" id="{FFC79E0D-D038-4874-A3C2-A37A7DB0BC4B}"/>
-              </a:ext>
-            </a:extLst>
-          </p:cNvPr>
-          <p:cNvCxnSpPr>
-            <a:cxnSpLocks/>
-            <a:stCxn id="61" idx="3"/>
-            <a:endCxn id="101" idx="1"/>
-          </p:cNvCxnSpPr>
-          <p:nvPr/>
-        </p:nvCxnSpPr>
-        <p:spPr>
-          <a:xfrm>
-            <a:off x="1792379" y="2743638"/>
-            <a:ext cx="1435564" cy="0"/>
-          </a:xfrm>
-          <a:prstGeom prst="straightConnector1">
-            <a:avLst/>
-          </a:prstGeom>
-          <a:ln w="31750">
-            <a:solidFill>
-              <a:schemeClr val="tx1"/>
-            </a:solidFill>
-            <a:tailEnd type="triangle"/>
-          </a:ln>
-        </p:spPr>
-        <p:style>
-          <a:lnRef idx="1">
-            <a:schemeClr val="accent1"/>
-          </a:lnRef>
-          <a:fillRef idx="0">
-            <a:schemeClr val="accent1"/>
-          </a:fillRef>
-          <a:effectRef idx="0">
-            <a:schemeClr val="accent1"/>
-          </a:effectRef>
-          <a:fontRef idx="minor">
-            <a:schemeClr val="tx1"/>
-          </a:fontRef>
-        </p:style>
-      </p:cxnSp>
-      <p:cxnSp>
-        <p:nvCxnSpPr>
-          <p:cNvPr id="38" name="直接箭头连接符 37">
-            <a:extLst>
-              <a:ext uri="{FF2B5EF4-FFF2-40B4-BE49-F238E27FC236}">
-                <a16:creationId xmlns:a16="http://schemas.microsoft.com/office/drawing/2014/main" id="{E8F92AF9-D69F-4D7B-B5D9-1D4A43E17114}"/>
-              </a:ext>
-            </a:extLst>
-          </p:cNvPr>
-          <p:cNvCxnSpPr>
-            <a:cxnSpLocks/>
-            <a:stCxn id="47" idx="3"/>
-            <a:endCxn id="49" idx="1"/>
-          </p:cNvCxnSpPr>
-          <p:nvPr/>
-        </p:nvCxnSpPr>
-        <p:spPr>
-          <a:xfrm>
-            <a:off x="1792379" y="3913637"/>
-            <a:ext cx="1435564" cy="75"/>
-          </a:xfrm>
-          <a:prstGeom prst="straightConnector1">
-            <a:avLst/>
-          </a:prstGeom>
-          <a:ln w="31750">
-            <a:solidFill>
-              <a:schemeClr val="tx1"/>
-            </a:solidFill>
-            <a:tailEnd type="triangle"/>
-          </a:ln>
-        </p:spPr>
-        <p:style>
-          <a:lnRef idx="1">
-            <a:schemeClr val="accent1"/>
-          </a:lnRef>
-          <a:fillRef idx="0">
-            <a:schemeClr val="accent1"/>
-          </a:fillRef>
-          <a:effectRef idx="0">
-            <a:schemeClr val="accent1"/>
-          </a:effectRef>
-          <a:fontRef idx="minor">
-            <a:schemeClr val="tx1"/>
-          </a:fontRef>
-        </p:style>
-      </p:cxnSp>
-      <p:cxnSp>
-        <p:nvCxnSpPr>
-          <p:cNvPr id="39" name="直接箭头连接符 38">
-            <a:extLst>
-              <a:ext uri="{FF2B5EF4-FFF2-40B4-BE49-F238E27FC236}">
-                <a16:creationId xmlns:a16="http://schemas.microsoft.com/office/drawing/2014/main" id="{1A0D88EE-5297-46FB-B2C2-398888577CDC}"/>
-              </a:ext>
-            </a:extLst>
-          </p:cNvPr>
-          <p:cNvCxnSpPr>
-            <a:cxnSpLocks/>
-            <a:stCxn id="89" idx="3"/>
-            <a:endCxn id="106" idx="1"/>
-          </p:cNvCxnSpPr>
-          <p:nvPr/>
-        </p:nvCxnSpPr>
-        <p:spPr>
-          <a:xfrm>
-            <a:off x="1794124" y="5083636"/>
-            <a:ext cx="1433819" cy="150"/>
-          </a:xfrm>
-          <a:prstGeom prst="straightConnector1">
-            <a:avLst/>
-          </a:prstGeom>
-          <a:ln w="31750">
-            <a:solidFill>
-              <a:schemeClr val="tx1"/>
-            </a:solidFill>
-            <a:tailEnd type="triangle"/>
-          </a:ln>
-        </p:spPr>
-        <p:style>
-          <a:lnRef idx="1">
-            <a:schemeClr val="accent1"/>
-          </a:lnRef>
-          <a:fillRef idx="0">
-            <a:schemeClr val="accent1"/>
-          </a:fillRef>
-          <a:effectRef idx="0">
-            <a:schemeClr val="accent1"/>
-          </a:effectRef>
-          <a:fontRef idx="minor">
-            <a:schemeClr val="tx1"/>
-          </a:fontRef>
-        </p:style>
-      </p:cxnSp>
-      <p:cxnSp>
-        <p:nvCxnSpPr>
-          <p:cNvPr id="50" name="直接箭头连接符 49">
-            <a:extLst>
-              <a:ext uri="{FF2B5EF4-FFF2-40B4-BE49-F238E27FC236}">
-                <a16:creationId xmlns:a16="http://schemas.microsoft.com/office/drawing/2014/main" id="{EDA11599-43E1-46C0-9B21-A13B65DE2D70}"/>
-              </a:ext>
-            </a:extLst>
-          </p:cNvPr>
-          <p:cNvCxnSpPr>
-            <a:cxnSpLocks/>
-            <a:stCxn id="29" idx="1"/>
-            <a:endCxn id="101" idx="3"/>
-          </p:cNvCxnSpPr>
-          <p:nvPr/>
-        </p:nvCxnSpPr>
-        <p:spPr>
-          <a:xfrm flipH="1" flipV="1">
-            <a:off x="5243943" y="2743638"/>
-            <a:ext cx="1454459" cy="295"/>
-          </a:xfrm>
-          <a:prstGeom prst="straightConnector1">
-            <a:avLst/>
-          </a:prstGeom>
-          <a:ln w="57150">
-            <a:solidFill>
-              <a:srgbClr val="FF0000"/>
-            </a:solidFill>
-            <a:tailEnd type="triangle"/>
-          </a:ln>
-        </p:spPr>
-        <p:style>
-          <a:lnRef idx="1">
-            <a:schemeClr val="accent1"/>
-          </a:lnRef>
-          <a:fillRef idx="0">
-            <a:schemeClr val="accent1"/>
-          </a:fillRef>
-          <a:effectRef idx="0">
-            <a:schemeClr val="accent1"/>
-          </a:effectRef>
-          <a:fontRef idx="minor">
-            <a:schemeClr val="tx1"/>
-          </a:fontRef>
-        </p:style>
-      </p:cxnSp>
-      <p:cxnSp>
-        <p:nvCxnSpPr>
-          <p:cNvPr id="51" name="直接箭头连接符 50">
-            <a:extLst>
-              <a:ext uri="{FF2B5EF4-FFF2-40B4-BE49-F238E27FC236}">
-                <a16:creationId xmlns:a16="http://schemas.microsoft.com/office/drawing/2014/main" id="{BDFA6272-0009-4F0B-8BAA-96B8AB2F5157}"/>
-              </a:ext>
-            </a:extLst>
-          </p:cNvPr>
-          <p:cNvCxnSpPr>
-            <a:cxnSpLocks/>
-            <a:stCxn id="31" idx="1"/>
-            <a:endCxn id="106" idx="3"/>
-          </p:cNvCxnSpPr>
-          <p:nvPr/>
-        </p:nvCxnSpPr>
-        <p:spPr>
-          <a:xfrm flipH="1" flipV="1">
-            <a:off x="5243943" y="5083786"/>
-            <a:ext cx="1454459" cy="440"/>
-          </a:xfrm>
-          <a:prstGeom prst="straightConnector1">
-            <a:avLst/>
-          </a:prstGeom>
-          <a:ln w="57150">
-            <a:solidFill>
-              <a:srgbClr val="FF0000"/>
-            </a:solidFill>
-            <a:tailEnd type="triangle"/>
-          </a:ln>
-        </p:spPr>
-        <p:style>
-          <a:lnRef idx="1">
-            <a:schemeClr val="accent1"/>
-          </a:lnRef>
-          <a:fillRef idx="0">
-            <a:schemeClr val="accent1"/>
-          </a:fillRef>
-          <a:effectRef idx="0">
-            <a:schemeClr val="accent1"/>
-          </a:effectRef>
-          <a:fontRef idx="minor">
-            <a:schemeClr val="tx1"/>
-          </a:fontRef>
-        </p:style>
-      </p:cxnSp>
-    </p:spTree>
-    <p:extLst>
-      <p:ext uri="{BB962C8B-B14F-4D97-AF65-F5344CB8AC3E}">
-        <p14:creationId xmlns:p14="http://schemas.microsoft.com/office/powerpoint/2010/main" val="4079951574"/>
-      </p:ext>
-    </p:extLst>
-  </p:cSld>
-  <p:clrMapOvr>
-    <a:masterClrMapping/>
-  </p:clrMapOvr>
-</p:sld>
-</file>
-
 <file path=ppt/slides/slide14.xml><?xml version="1.0" encoding="utf-8"?>
 <p:sld xmlns:a="http://schemas.openxmlformats.org/drawingml/2006/main" xmlns:r="http://schemas.openxmlformats.org/officeDocument/2006/relationships" xmlns:p="http://schemas.openxmlformats.org/presentationml/2006/main">
   <p:cSld>
@@ -11249,7 +10855,7 @@
         </p:nvSpPr>
         <p:spPr>
           <a:xfrm>
-            <a:off x="3549980" y="1827254"/>
+            <a:off x="3227943" y="1254305"/>
             <a:ext cx="2016000" cy="648000"/>
           </a:xfrm>
           <a:prstGeom prst="roundRect">
@@ -11313,7 +10919,7 @@
                 <a:latin typeface="微软雅黑" panose="020B0503020204020204" pitchFamily="34" charset="-122"/>
                 <a:ea typeface="微软雅黑" panose="020B0503020204020204" pitchFamily="34" charset="-122"/>
               </a:rPr>
-              <a:t>apply_temple</a:t>
+              <a:t>apply_master</a:t>
             </a:r>
             <a:endParaRPr lang="zh-CN" altLang="en-US" sz="1600" b="1">
               <a:solidFill>
@@ -11339,7 +10945,7 @@
         </p:nvSpPr>
         <p:spPr>
           <a:xfrm>
-            <a:off x="712379" y="1650966"/>
+            <a:off x="712379" y="1357639"/>
             <a:ext cx="1080000" cy="432000"/>
           </a:xfrm>
           <a:prstGeom prst="roundRect">
@@ -11383,17 +10989,17 @@
                 <a:latin typeface="微软雅黑" panose="020B0503020204020204" pitchFamily="34" charset="-122"/>
                 <a:ea typeface="微软雅黑" panose="020B0503020204020204" pitchFamily="34" charset="-122"/>
               </a:rPr>
-              <a:t>单签账户</a:t>
+              <a:t>用户</a:t>
             </a:r>
           </a:p>
         </p:txBody>
       </p:sp>
       <p:sp>
         <p:nvSpPr>
-          <p:cNvPr id="51" name="矩形: 圆角 50">
-            <a:extLst>
-              <a:ext uri="{FF2B5EF4-FFF2-40B4-BE49-F238E27FC236}">
-                <a16:creationId xmlns:a16="http://schemas.microsoft.com/office/drawing/2014/main" id="{3362D236-1F3E-4777-B34E-3E36721FFCFC}"/>
+          <p:cNvPr id="61" name="矩形: 圆角 60">
+            <a:extLst>
+              <a:ext uri="{FF2B5EF4-FFF2-40B4-BE49-F238E27FC236}">
+                <a16:creationId xmlns:a16="http://schemas.microsoft.com/office/drawing/2014/main" id="{E3777F73-EAAB-43DE-8A90-6B6D895B1B1F}"/>
               </a:ext>
             </a:extLst>
           </p:cNvPr>
@@ -11402,7 +11008,7 @@
         </p:nvSpPr>
         <p:spPr>
           <a:xfrm>
-            <a:off x="710743" y="2192218"/>
+            <a:off x="712379" y="2527638"/>
             <a:ext cx="1080000" cy="432000"/>
           </a:xfrm>
           <a:prstGeom prst="roundRect">
@@ -11446,17 +11052,17 @@
                 <a:latin typeface="微软雅黑" panose="020B0503020204020204" pitchFamily="34" charset="-122"/>
                 <a:ea typeface="微软雅黑" panose="020B0503020204020204" pitchFamily="34" charset="-122"/>
               </a:rPr>
-              <a:t>多签账户</a:t>
+              <a:t>基金会会员</a:t>
             </a:r>
           </a:p>
         </p:txBody>
       </p:sp>
       <p:sp>
         <p:nvSpPr>
-          <p:cNvPr id="61" name="矩形: 圆角 60">
-            <a:extLst>
-              <a:ext uri="{FF2B5EF4-FFF2-40B4-BE49-F238E27FC236}">
-                <a16:creationId xmlns:a16="http://schemas.microsoft.com/office/drawing/2014/main" id="{E3777F73-EAAB-43DE-8A90-6B6D895B1B1F}"/>
+          <p:cNvPr id="101" name="矩形: 圆角 100">
+            <a:extLst>
+              <a:ext uri="{FF2B5EF4-FFF2-40B4-BE49-F238E27FC236}">
+                <a16:creationId xmlns:a16="http://schemas.microsoft.com/office/drawing/2014/main" id="{2FD8AFDB-B92D-4C27-ABEC-799C66831DBB}"/>
               </a:ext>
             </a:extLst>
           </p:cNvPr>
@@ -11465,7 +11071,189 @@
         </p:nvSpPr>
         <p:spPr>
           <a:xfrm>
-            <a:off x="710743" y="3466510"/>
+            <a:off x="3227943" y="2419638"/>
+            <a:ext cx="2016000" cy="648000"/>
+          </a:xfrm>
+          <a:prstGeom prst="roundRect">
+            <a:avLst/>
+          </a:prstGeom>
+          <a:solidFill>
+            <a:srgbClr val="00B050"/>
+          </a:solidFill>
+          <a:ln>
+            <a:solidFill>
+              <a:schemeClr val="tx1"/>
+            </a:solidFill>
+          </a:ln>
+        </p:spPr>
+        <p:style>
+          <a:lnRef idx="2">
+            <a:schemeClr val="accent1">
+              <a:shade val="50000"/>
+            </a:schemeClr>
+          </a:lnRef>
+          <a:fillRef idx="1">
+            <a:schemeClr val="accent1"/>
+          </a:fillRef>
+          <a:effectRef idx="0">
+            <a:schemeClr val="accent1"/>
+          </a:effectRef>
+          <a:fontRef idx="minor">
+            <a:schemeClr val="lt1"/>
+          </a:fontRef>
+        </p:style>
+        <p:txBody>
+          <a:bodyPr wrap="none" lIns="36000" tIns="36000" rIns="36000" bIns="36000" rtlCol="0" anchor="ctr" anchorCtr="0"/>
+          <a:lstStyle/>
+          <a:p>
+            <a:pPr algn="ctr"/>
+            <a:r>
+              <a:rPr lang="zh-CN" altLang="en-US" sz="1600" b="1">
+                <a:solidFill>
+                  <a:schemeClr val="tx1"/>
+                </a:solidFill>
+                <a:latin typeface="微软雅黑" panose="020B0503020204020204" pitchFamily="34" charset="-122"/>
+                <a:ea typeface="微软雅黑" panose="020B0503020204020204" pitchFamily="34" charset="-122"/>
+              </a:rPr>
+              <a:t>查找申请者</a:t>
+            </a:r>
+            <a:endParaRPr lang="en-US" altLang="zh-CN" sz="1600" b="1">
+              <a:solidFill>
+                <a:schemeClr val="tx1"/>
+              </a:solidFill>
+              <a:latin typeface="微软雅黑" panose="020B0503020204020204" pitchFamily="34" charset="-122"/>
+              <a:ea typeface="微软雅黑" panose="020B0503020204020204" pitchFamily="34" charset="-122"/>
+            </a:endParaRPr>
+          </a:p>
+          <a:p>
+            <a:pPr algn="ctr"/>
+            <a:r>
+              <a:rPr lang="en-US" altLang="zh-CN" sz="1600" b="1">
+                <a:solidFill>
+                  <a:schemeClr val="tx1"/>
+                </a:solidFill>
+                <a:latin typeface="微软雅黑" panose="020B0503020204020204" pitchFamily="34" charset="-122"/>
+                <a:ea typeface="微软雅黑" panose="020B0503020204020204" pitchFamily="34" charset="-122"/>
+              </a:rPr>
+              <a:t>list_master</a:t>
+            </a:r>
+            <a:endParaRPr lang="zh-CN" altLang="en-US" sz="1600" b="1">
+              <a:solidFill>
+                <a:schemeClr val="tx1"/>
+              </a:solidFill>
+              <a:latin typeface="微软雅黑" panose="020B0503020204020204" pitchFamily="34" charset="-122"/>
+              <a:ea typeface="微软雅黑" panose="020B0503020204020204" pitchFamily="34" charset="-122"/>
+            </a:endParaRPr>
+          </a:p>
+        </p:txBody>
+      </p:sp>
+      <p:cxnSp>
+        <p:nvCxnSpPr>
+          <p:cNvPr id="111" name="直接箭头连接符 110">
+            <a:extLst>
+              <a:ext uri="{FF2B5EF4-FFF2-40B4-BE49-F238E27FC236}">
+                <a16:creationId xmlns:a16="http://schemas.microsoft.com/office/drawing/2014/main" id="{E503A773-633A-4D3C-8724-1D424425A2E9}"/>
+              </a:ext>
+            </a:extLst>
+          </p:cNvPr>
+          <p:cNvCxnSpPr>
+            <a:cxnSpLocks/>
+            <a:stCxn id="49" idx="3"/>
+            <a:endCxn id="30" idx="1"/>
+          </p:cNvCxnSpPr>
+          <p:nvPr/>
+        </p:nvCxnSpPr>
+        <p:spPr>
+          <a:xfrm>
+            <a:off x="5243943" y="3913712"/>
+            <a:ext cx="1454459" cy="515"/>
+          </a:xfrm>
+          <a:prstGeom prst="straightConnector1">
+            <a:avLst/>
+          </a:prstGeom>
+          <a:ln w="57150">
+            <a:solidFill>
+              <a:srgbClr val="FFC000"/>
+            </a:solidFill>
+            <a:tailEnd type="triangle"/>
+          </a:ln>
+        </p:spPr>
+        <p:style>
+          <a:lnRef idx="1">
+            <a:schemeClr val="accent1"/>
+          </a:lnRef>
+          <a:fillRef idx="0">
+            <a:schemeClr val="accent1"/>
+          </a:fillRef>
+          <a:effectRef idx="0">
+            <a:schemeClr val="accent1"/>
+          </a:effectRef>
+          <a:fontRef idx="minor">
+            <a:schemeClr val="tx1"/>
+          </a:fontRef>
+        </p:style>
+      </p:cxnSp>
+      <p:cxnSp>
+        <p:nvCxnSpPr>
+          <p:cNvPr id="113" name="直接箭头连接符 112">
+            <a:extLst>
+              <a:ext uri="{FF2B5EF4-FFF2-40B4-BE49-F238E27FC236}">
+                <a16:creationId xmlns:a16="http://schemas.microsoft.com/office/drawing/2014/main" id="{A6C2F5A5-BF99-4B50-8A20-06A63668171D}"/>
+              </a:ext>
+            </a:extLst>
+          </p:cNvPr>
+          <p:cNvCxnSpPr>
+            <a:cxnSpLocks/>
+            <a:stCxn id="53" idx="3"/>
+            <a:endCxn id="28" idx="1"/>
+          </p:cNvCxnSpPr>
+          <p:nvPr/>
+        </p:nvCxnSpPr>
+        <p:spPr>
+          <a:xfrm flipV="1">
+            <a:off x="5243943" y="1573639"/>
+            <a:ext cx="1435564" cy="4666"/>
+          </a:xfrm>
+          <a:prstGeom prst="straightConnector1">
+            <a:avLst/>
+          </a:prstGeom>
+          <a:ln w="57150">
+            <a:solidFill>
+              <a:srgbClr val="FFC000"/>
+            </a:solidFill>
+            <a:tailEnd type="triangle"/>
+          </a:ln>
+        </p:spPr>
+        <p:style>
+          <a:lnRef idx="1">
+            <a:schemeClr val="accent1"/>
+          </a:lnRef>
+          <a:fillRef idx="0">
+            <a:schemeClr val="accent1"/>
+          </a:fillRef>
+          <a:effectRef idx="0">
+            <a:schemeClr val="accent1"/>
+          </a:effectRef>
+          <a:fontRef idx="minor">
+            <a:schemeClr val="tx1"/>
+          </a:fontRef>
+        </p:style>
+      </p:cxnSp>
+      <p:sp>
+        <p:nvSpPr>
+          <p:cNvPr id="47" name="矩形: 圆角 46">
+            <a:extLst>
+              <a:ext uri="{FF2B5EF4-FFF2-40B4-BE49-F238E27FC236}">
+                <a16:creationId xmlns:a16="http://schemas.microsoft.com/office/drawing/2014/main" id="{A2832FAA-26D6-45C7-81D2-52D1B13FC30D}"/>
+              </a:ext>
+            </a:extLst>
+          </p:cNvPr>
+          <p:cNvSpPr/>
+          <p:nvPr/>
+        </p:nvSpPr>
+        <p:spPr>
+          <a:xfrm>
+            <a:off x="712379" y="3697637"/>
             <a:ext cx="1080000" cy="432000"/>
           </a:xfrm>
           <a:prstGeom prst="roundRect">
@@ -11516,10 +11304,10 @@
       </p:sp>
       <p:sp>
         <p:nvSpPr>
-          <p:cNvPr id="101" name="矩形: 圆角 100">
-            <a:extLst>
-              <a:ext uri="{FF2B5EF4-FFF2-40B4-BE49-F238E27FC236}">
-                <a16:creationId xmlns:a16="http://schemas.microsoft.com/office/drawing/2014/main" id="{2FD8AFDB-B92D-4C27-ABEC-799C66831DBB}"/>
+          <p:cNvPr id="49" name="矩形: 圆角 48">
+            <a:extLst>
+              <a:ext uri="{FF2B5EF4-FFF2-40B4-BE49-F238E27FC236}">
+                <a16:creationId xmlns:a16="http://schemas.microsoft.com/office/drawing/2014/main" id="{9318B74D-0975-4412-852D-C0122D209E75}"/>
               </a:ext>
             </a:extLst>
           </p:cNvPr>
@@ -11528,7 +11316,7 @@
         </p:nvSpPr>
         <p:spPr>
           <a:xfrm>
-            <a:off x="3549980" y="3358510"/>
+            <a:off x="3227943" y="3589712"/>
             <a:ext cx="2016000" cy="648000"/>
           </a:xfrm>
           <a:prstGeom prst="roundRect">
@@ -11572,7 +11360,7 @@
                 <a:latin typeface="微软雅黑" panose="020B0503020204020204" pitchFamily="34" charset="-122"/>
                 <a:ea typeface="微软雅黑" panose="020B0503020204020204" pitchFamily="34" charset="-122"/>
               </a:rPr>
-              <a:t>查看申请者</a:t>
+              <a:t>批准</a:t>
             </a:r>
             <a:endParaRPr lang="en-US" altLang="zh-CN" sz="1600" b="1">
               <a:solidFill>
@@ -11592,7 +11380,7 @@
                 <a:latin typeface="微软雅黑" panose="020B0503020204020204" pitchFamily="34" charset="-122"/>
                 <a:ea typeface="微软雅黑" panose="020B0503020204020204" pitchFamily="34" charset="-122"/>
               </a:rPr>
-              <a:t>list_temple</a:t>
+              <a:t>approve_master</a:t>
             </a:r>
             <a:endParaRPr lang="zh-CN" altLang="en-US" sz="1600" b="1">
               <a:solidFill>
@@ -11604,104 +11392,12 @@
           </a:p>
         </p:txBody>
       </p:sp>
-      <p:cxnSp>
-        <p:nvCxnSpPr>
-          <p:cNvPr id="111" name="直接箭头连接符 110">
-            <a:extLst>
-              <a:ext uri="{FF2B5EF4-FFF2-40B4-BE49-F238E27FC236}">
-                <a16:creationId xmlns:a16="http://schemas.microsoft.com/office/drawing/2014/main" id="{E503A773-633A-4D3C-8724-1D424425A2E9}"/>
-              </a:ext>
-            </a:extLst>
-          </p:cNvPr>
-          <p:cNvCxnSpPr>
-            <a:cxnSpLocks/>
-            <a:stCxn id="53" idx="3"/>
-            <a:endCxn id="36" idx="1"/>
-          </p:cNvCxnSpPr>
-          <p:nvPr/>
-        </p:nvCxnSpPr>
-        <p:spPr>
-          <a:xfrm>
-            <a:off x="5565980" y="2151254"/>
-            <a:ext cx="1888230" cy="0"/>
-          </a:xfrm>
-          <a:prstGeom prst="straightConnector1">
-            <a:avLst/>
-          </a:prstGeom>
-          <a:ln w="57150">
-            <a:solidFill>
-              <a:srgbClr val="FFC000"/>
-            </a:solidFill>
-            <a:tailEnd type="triangle"/>
-          </a:ln>
-        </p:spPr>
-        <p:style>
-          <a:lnRef idx="1">
-            <a:schemeClr val="accent1"/>
-          </a:lnRef>
-          <a:fillRef idx="0">
-            <a:schemeClr val="accent1"/>
-          </a:fillRef>
-          <a:effectRef idx="0">
-            <a:schemeClr val="accent1"/>
-          </a:effectRef>
-          <a:fontRef idx="minor">
-            <a:schemeClr val="tx1"/>
-          </a:fontRef>
-        </p:style>
-      </p:cxnSp>
-      <p:cxnSp>
-        <p:nvCxnSpPr>
-          <p:cNvPr id="112" name="直接箭头连接符 111">
-            <a:extLst>
-              <a:ext uri="{FF2B5EF4-FFF2-40B4-BE49-F238E27FC236}">
-                <a16:creationId xmlns:a16="http://schemas.microsoft.com/office/drawing/2014/main" id="{769CDA3F-50AD-4BDB-9B81-EAEAFEAC2A92}"/>
-              </a:ext>
-            </a:extLst>
-          </p:cNvPr>
-          <p:cNvCxnSpPr>
-            <a:cxnSpLocks/>
-            <a:stCxn id="49" idx="3"/>
-            <a:endCxn id="52" idx="1"/>
-          </p:cNvCxnSpPr>
-          <p:nvPr/>
-        </p:nvCxnSpPr>
-        <p:spPr>
-          <a:xfrm>
-            <a:off x="5565980" y="4853241"/>
-            <a:ext cx="1888230" cy="0"/>
-          </a:xfrm>
-          <a:prstGeom prst="straightConnector1">
-            <a:avLst/>
-          </a:prstGeom>
-          <a:ln w="57150">
-            <a:solidFill>
-              <a:srgbClr val="FFC000"/>
-            </a:solidFill>
-            <a:tailEnd type="triangle"/>
-          </a:ln>
-        </p:spPr>
-        <p:style>
-          <a:lnRef idx="1">
-            <a:schemeClr val="accent1"/>
-          </a:lnRef>
-          <a:fillRef idx="0">
-            <a:schemeClr val="accent1"/>
-          </a:fillRef>
-          <a:effectRef idx="0">
-            <a:schemeClr val="accent1"/>
-          </a:effectRef>
-          <a:fontRef idx="minor">
-            <a:schemeClr val="tx1"/>
-          </a:fontRef>
-        </p:style>
-      </p:cxnSp>
       <p:sp>
         <p:nvSpPr>
-          <p:cNvPr id="47" name="矩形: 圆角 46">
-            <a:extLst>
-              <a:ext uri="{FF2B5EF4-FFF2-40B4-BE49-F238E27FC236}">
-                <a16:creationId xmlns:a16="http://schemas.microsoft.com/office/drawing/2014/main" id="{A2832FAA-26D6-45C7-81D2-52D1B13FC30D}"/>
+          <p:cNvPr id="89" name="矩形: 圆角 88">
+            <a:extLst>
+              <a:ext uri="{FF2B5EF4-FFF2-40B4-BE49-F238E27FC236}">
+                <a16:creationId xmlns:a16="http://schemas.microsoft.com/office/drawing/2014/main" id="{BCB76878-D819-48AC-AEB8-9F028A450BD7}"/>
               </a:ext>
             </a:extLst>
           </p:cNvPr>
@@ -11710,7 +11406,7 @@
         </p:nvSpPr>
         <p:spPr>
           <a:xfrm>
-            <a:off x="710743" y="4637241"/>
+            <a:off x="714124" y="4867636"/>
             <a:ext cx="1080000" cy="432000"/>
           </a:xfrm>
           <a:prstGeom prst="roundRect">
@@ -11754,17 +11450,17 @@
                 <a:latin typeface="微软雅黑" panose="020B0503020204020204" pitchFamily="34" charset="-122"/>
                 <a:ea typeface="微软雅黑" panose="020B0503020204020204" pitchFamily="34" charset="-122"/>
               </a:rPr>
-              <a:t>基金会会员</a:t>
+              <a:t>申请者</a:t>
             </a:r>
           </a:p>
         </p:txBody>
       </p:sp>
       <p:sp>
         <p:nvSpPr>
-          <p:cNvPr id="49" name="矩形: 圆角 48">
-            <a:extLst>
-              <a:ext uri="{FF2B5EF4-FFF2-40B4-BE49-F238E27FC236}">
-                <a16:creationId xmlns:a16="http://schemas.microsoft.com/office/drawing/2014/main" id="{9318B74D-0975-4412-852D-C0122D209E75}"/>
+          <p:cNvPr id="106" name="矩形: 圆角 105">
+            <a:extLst>
+              <a:ext uri="{FF2B5EF4-FFF2-40B4-BE49-F238E27FC236}">
+                <a16:creationId xmlns:a16="http://schemas.microsoft.com/office/drawing/2014/main" id="{23A35783-45F3-492D-B983-D833D276F213}"/>
               </a:ext>
             </a:extLst>
           </p:cNvPr>
@@ -11773,7 +11469,7 @@
         </p:nvSpPr>
         <p:spPr>
           <a:xfrm>
-            <a:off x="3549980" y="4529241"/>
+            <a:off x="3227943" y="4759786"/>
             <a:ext cx="2016000" cy="648000"/>
           </a:xfrm>
           <a:prstGeom prst="roundRect">
@@ -11817,7 +11513,7 @@
                 <a:latin typeface="微软雅黑" panose="020B0503020204020204" pitchFamily="34" charset="-122"/>
                 <a:ea typeface="微软雅黑" panose="020B0503020204020204" pitchFamily="34" charset="-122"/>
               </a:rPr>
-              <a:t>批准</a:t>
+              <a:t>判断身份</a:t>
             </a:r>
             <a:endParaRPr lang="en-US" altLang="zh-CN" sz="1600" b="1">
               <a:solidFill>
@@ -11837,160 +11533,7 @@
                 <a:latin typeface="微软雅黑" panose="020B0503020204020204" pitchFamily="34" charset="-122"/>
                 <a:ea typeface="微软雅黑" panose="020B0503020204020204" pitchFamily="34" charset="-122"/>
               </a:rPr>
-              <a:t>approve_temple</a:t>
-            </a:r>
-            <a:endParaRPr lang="zh-CN" altLang="en-US" sz="1600" b="1">
-              <a:solidFill>
-                <a:schemeClr val="tx1"/>
-              </a:solidFill>
-              <a:latin typeface="微软雅黑" panose="020B0503020204020204" pitchFamily="34" charset="-122"/>
-              <a:ea typeface="微软雅黑" panose="020B0503020204020204" pitchFamily="34" charset="-122"/>
-            </a:endParaRPr>
-          </a:p>
-        </p:txBody>
-      </p:sp>
-      <p:sp>
-        <p:nvSpPr>
-          <p:cNvPr id="89" name="矩形: 圆角 88">
-            <a:extLst>
-              <a:ext uri="{FF2B5EF4-FFF2-40B4-BE49-F238E27FC236}">
-                <a16:creationId xmlns:a16="http://schemas.microsoft.com/office/drawing/2014/main" id="{BCB76878-D819-48AC-AEB8-9F028A450BD7}"/>
-              </a:ext>
-            </a:extLst>
-          </p:cNvPr>
-          <p:cNvSpPr/>
-          <p:nvPr/>
-        </p:nvSpPr>
-        <p:spPr>
-          <a:xfrm>
-            <a:off x="710743" y="6014355"/>
-            <a:ext cx="1080000" cy="432000"/>
-          </a:xfrm>
-          <a:prstGeom prst="roundRect">
-            <a:avLst/>
-          </a:prstGeom>
-          <a:solidFill>
-            <a:srgbClr val="00B0F0"/>
-          </a:solidFill>
-          <a:ln>
-            <a:solidFill>
-              <a:schemeClr val="tx1"/>
-            </a:solidFill>
-          </a:ln>
-        </p:spPr>
-        <p:style>
-          <a:lnRef idx="2">
-            <a:schemeClr val="accent1">
-              <a:shade val="50000"/>
-            </a:schemeClr>
-          </a:lnRef>
-          <a:fillRef idx="1">
-            <a:schemeClr val="accent1"/>
-          </a:fillRef>
-          <a:effectRef idx="0">
-            <a:schemeClr val="accent1"/>
-          </a:effectRef>
-          <a:fontRef idx="minor">
-            <a:schemeClr val="lt1"/>
-          </a:fontRef>
-        </p:style>
-        <p:txBody>
-          <a:bodyPr wrap="none" lIns="36000" tIns="36000" rIns="36000" bIns="36000" rtlCol="0" anchor="ctr" anchorCtr="0"/>
-          <a:lstStyle/>
-          <a:p>
-            <a:pPr algn="ctr"/>
-            <a:r>
-              <a:rPr lang="zh-CN" altLang="en-US" sz="1600" b="1">
-                <a:solidFill>
-                  <a:schemeClr val="tx1"/>
-                </a:solidFill>
-                <a:latin typeface="微软雅黑" panose="020B0503020204020204" pitchFamily="34" charset="-122"/>
-                <a:ea typeface="微软雅黑" panose="020B0503020204020204" pitchFamily="34" charset="-122"/>
-              </a:rPr>
-              <a:t>申请者</a:t>
-            </a:r>
-          </a:p>
-        </p:txBody>
-      </p:sp>
-      <p:sp>
-        <p:nvSpPr>
-          <p:cNvPr id="106" name="矩形: 圆角 105">
-            <a:extLst>
-              <a:ext uri="{FF2B5EF4-FFF2-40B4-BE49-F238E27FC236}">
-                <a16:creationId xmlns:a16="http://schemas.microsoft.com/office/drawing/2014/main" id="{23A35783-45F3-492D-B983-D833D276F213}"/>
-              </a:ext>
-            </a:extLst>
-          </p:cNvPr>
-          <p:cNvSpPr/>
-          <p:nvPr/>
-        </p:nvSpPr>
-        <p:spPr>
-          <a:xfrm>
-            <a:off x="3549980" y="5906355"/>
-            <a:ext cx="2016000" cy="648000"/>
-          </a:xfrm>
-          <a:prstGeom prst="roundRect">
-            <a:avLst/>
-          </a:prstGeom>
-          <a:solidFill>
-            <a:srgbClr val="00B050"/>
-          </a:solidFill>
-          <a:ln>
-            <a:solidFill>
-              <a:schemeClr val="tx1"/>
-            </a:solidFill>
-          </a:ln>
-        </p:spPr>
-        <p:style>
-          <a:lnRef idx="2">
-            <a:schemeClr val="accent1">
-              <a:shade val="50000"/>
-            </a:schemeClr>
-          </a:lnRef>
-          <a:fillRef idx="1">
-            <a:schemeClr val="accent1"/>
-          </a:fillRef>
-          <a:effectRef idx="0">
-            <a:schemeClr val="accent1"/>
-          </a:effectRef>
-          <a:fontRef idx="minor">
-            <a:schemeClr val="lt1"/>
-          </a:fontRef>
-        </p:style>
-        <p:txBody>
-          <a:bodyPr wrap="none" lIns="36000" tIns="36000" rIns="36000" bIns="36000" rtlCol="0" anchor="ctr" anchorCtr="0"/>
-          <a:lstStyle/>
-          <a:p>
-            <a:pPr algn="ctr"/>
-            <a:r>
-              <a:rPr lang="zh-CN" altLang="en-US" sz="1600" b="1">
-                <a:solidFill>
-                  <a:schemeClr val="tx1"/>
-                </a:solidFill>
-                <a:latin typeface="微软雅黑" panose="020B0503020204020204" pitchFamily="34" charset="-122"/>
-                <a:ea typeface="微软雅黑" panose="020B0503020204020204" pitchFamily="34" charset="-122"/>
-              </a:rPr>
-              <a:t>判断身份</a:t>
-            </a:r>
-            <a:endParaRPr lang="en-US" altLang="zh-CN" sz="1600" b="1">
-              <a:solidFill>
-                <a:schemeClr val="tx1"/>
-              </a:solidFill>
-              <a:latin typeface="微软雅黑" panose="020B0503020204020204" pitchFamily="34" charset="-122"/>
-              <a:ea typeface="微软雅黑" panose="020B0503020204020204" pitchFamily="34" charset="-122"/>
-            </a:endParaRPr>
-          </a:p>
-          <a:p>
-            <a:pPr algn="ctr"/>
-            <a:r>
-              <a:rPr lang="en-US" altLang="zh-CN" sz="1600" b="1">
-                <a:solidFill>
-                  <a:schemeClr val="tx1"/>
-                </a:solidFill>
-                <a:latin typeface="微软雅黑" panose="020B0503020204020204" pitchFamily="34" charset="-122"/>
-                <a:ea typeface="微软雅黑" panose="020B0503020204020204" pitchFamily="34" charset="-122"/>
-              </a:rPr>
-              <a:t>is_temple</a:t>
+              <a:t>is_master</a:t>
             </a:r>
             <a:endParaRPr lang="zh-CN" altLang="en-US" sz="1600" b="1">
               <a:solidFill>
@@ -12136,109 +11679,17 @@
                 <a:latin typeface="Consolas" panose="020B0609020204030204" pitchFamily="49" charset="0"/>
                 <a:ea typeface="微软雅黑" panose="020B0503020204020204" pitchFamily="34" charset="-122"/>
               </a:rPr>
-              <a:t>申请成为寺院</a:t>
+              <a:t>申请成为法师</a:t>
             </a:r>
           </a:p>
         </p:txBody>
       </p:sp>
-      <p:cxnSp>
-        <p:nvCxnSpPr>
-          <p:cNvPr id="30" name="直接箭头连接符 29">
-            <a:extLst>
-              <a:ext uri="{FF2B5EF4-FFF2-40B4-BE49-F238E27FC236}">
-                <a16:creationId xmlns:a16="http://schemas.microsoft.com/office/drawing/2014/main" id="{6D35BD7F-9341-4FAD-AA79-42D947CB3E9F}"/>
-              </a:ext>
-            </a:extLst>
-          </p:cNvPr>
-          <p:cNvCxnSpPr>
-            <a:cxnSpLocks/>
-            <a:stCxn id="48" idx="3"/>
-            <a:endCxn id="53" idx="1"/>
-          </p:cNvCxnSpPr>
-          <p:nvPr/>
-        </p:nvCxnSpPr>
-        <p:spPr>
-          <a:xfrm>
-            <a:off x="1792379" y="1866966"/>
-            <a:ext cx="1757601" cy="284288"/>
-          </a:xfrm>
-          <a:prstGeom prst="straightConnector1">
-            <a:avLst/>
-          </a:prstGeom>
-          <a:ln w="31750">
-            <a:solidFill>
-              <a:schemeClr val="tx1"/>
-            </a:solidFill>
-            <a:tailEnd type="triangle"/>
-          </a:ln>
-        </p:spPr>
-        <p:style>
-          <a:lnRef idx="1">
-            <a:schemeClr val="accent1"/>
-          </a:lnRef>
-          <a:fillRef idx="0">
-            <a:schemeClr val="accent1"/>
-          </a:fillRef>
-          <a:effectRef idx="0">
-            <a:schemeClr val="accent1"/>
-          </a:effectRef>
-          <a:fontRef idx="minor">
-            <a:schemeClr val="tx1"/>
-          </a:fontRef>
-        </p:style>
-      </p:cxnSp>
-      <p:cxnSp>
-        <p:nvCxnSpPr>
-          <p:cNvPr id="33" name="直接箭头连接符 32">
-            <a:extLst>
-              <a:ext uri="{FF2B5EF4-FFF2-40B4-BE49-F238E27FC236}">
-                <a16:creationId xmlns:a16="http://schemas.microsoft.com/office/drawing/2014/main" id="{BAE5EA08-CCCD-448F-80E7-B1522490F990}"/>
-              </a:ext>
-            </a:extLst>
-          </p:cNvPr>
-          <p:cNvCxnSpPr>
-            <a:cxnSpLocks/>
-            <a:stCxn id="51" idx="3"/>
-            <a:endCxn id="53" idx="1"/>
-          </p:cNvCxnSpPr>
-          <p:nvPr/>
-        </p:nvCxnSpPr>
-        <p:spPr>
-          <a:xfrm flipV="1">
-            <a:off x="1790743" y="2151254"/>
-            <a:ext cx="1759237" cy="256964"/>
-          </a:xfrm>
-          <a:prstGeom prst="straightConnector1">
-            <a:avLst/>
-          </a:prstGeom>
-          <a:ln w="31750">
-            <a:solidFill>
-              <a:schemeClr val="tx1"/>
-            </a:solidFill>
-            <a:tailEnd type="triangle"/>
-          </a:ln>
-        </p:spPr>
-        <p:style>
-          <a:lnRef idx="1">
-            <a:schemeClr val="accent1"/>
-          </a:lnRef>
-          <a:fillRef idx="0">
-            <a:schemeClr val="accent1"/>
-          </a:fillRef>
-          <a:effectRef idx="0">
-            <a:schemeClr val="accent1"/>
-          </a:effectRef>
-          <a:fontRef idx="minor">
-            <a:schemeClr val="tx1"/>
-          </a:fontRef>
-        </p:style>
-      </p:cxnSp>
       <p:sp>
         <p:nvSpPr>
-          <p:cNvPr id="36" name="矩形: 圆角 35">
-            <a:extLst>
-              <a:ext uri="{FF2B5EF4-FFF2-40B4-BE49-F238E27FC236}">
-                <a16:creationId xmlns:a16="http://schemas.microsoft.com/office/drawing/2014/main" id="{75A7AA2D-75C0-464C-8D06-4B60815D81C4}"/>
+          <p:cNvPr id="28" name="矩形: 圆角 27">
+            <a:extLst>
+              <a:ext uri="{FF2B5EF4-FFF2-40B4-BE49-F238E27FC236}">
+                <a16:creationId xmlns:a16="http://schemas.microsoft.com/office/drawing/2014/main" id="{AB4DE673-24F1-43A2-BCAF-B68C77E8E497}"/>
               </a:ext>
             </a:extLst>
           </p:cNvPr>
@@ -12247,7 +11698,7 @@
         </p:nvSpPr>
         <p:spPr>
           <a:xfrm>
-            <a:off x="7454210" y="1935254"/>
+            <a:off x="6679507" y="1357639"/>
             <a:ext cx="1728000" cy="432000"/>
           </a:xfrm>
           <a:prstGeom prst="roundRect">
@@ -12293,7 +11744,7 @@
                 <a:latin typeface="微软雅黑" panose="020B0503020204020204" pitchFamily="34" charset="-122"/>
                 <a:ea typeface="微软雅黑" panose="020B0503020204020204" pitchFamily="34" charset="-122"/>
               </a:rPr>
-              <a:t>寺院表</a:t>
+              <a:t>法师表</a:t>
             </a:r>
             <a:endParaRPr lang="en-US" altLang="zh-CN" sz="1600" b="1">
               <a:solidFill>
@@ -12305,150 +11756,12 @@
           </a:p>
         </p:txBody>
       </p:sp>
-      <p:cxnSp>
-        <p:nvCxnSpPr>
-          <p:cNvPr id="39" name="直接箭头连接符 38">
-            <a:extLst>
-              <a:ext uri="{FF2B5EF4-FFF2-40B4-BE49-F238E27FC236}">
-                <a16:creationId xmlns:a16="http://schemas.microsoft.com/office/drawing/2014/main" id="{7C11B197-AA20-4AEC-9767-6C6D6C20E3EE}"/>
-              </a:ext>
-            </a:extLst>
-          </p:cNvPr>
-          <p:cNvCxnSpPr>
-            <a:cxnSpLocks/>
-            <a:stCxn id="61" idx="3"/>
-            <a:endCxn id="101" idx="1"/>
-          </p:cNvCxnSpPr>
-          <p:nvPr/>
-        </p:nvCxnSpPr>
-        <p:spPr>
-          <a:xfrm>
-            <a:off x="1790743" y="3682510"/>
-            <a:ext cx="1759237" cy="0"/>
-          </a:xfrm>
-          <a:prstGeom prst="straightConnector1">
-            <a:avLst/>
-          </a:prstGeom>
-          <a:ln w="31750">
-            <a:solidFill>
-              <a:schemeClr val="tx1"/>
-            </a:solidFill>
-            <a:tailEnd type="triangle"/>
-          </a:ln>
-        </p:spPr>
-        <p:style>
-          <a:lnRef idx="1">
-            <a:schemeClr val="accent1"/>
-          </a:lnRef>
-          <a:fillRef idx="0">
-            <a:schemeClr val="accent1"/>
-          </a:fillRef>
-          <a:effectRef idx="0">
-            <a:schemeClr val="accent1"/>
-          </a:effectRef>
-          <a:fontRef idx="minor">
-            <a:schemeClr val="tx1"/>
-          </a:fontRef>
-        </p:style>
-      </p:cxnSp>
-      <p:cxnSp>
-        <p:nvCxnSpPr>
-          <p:cNvPr id="42" name="直接箭头连接符 41">
-            <a:extLst>
-              <a:ext uri="{FF2B5EF4-FFF2-40B4-BE49-F238E27FC236}">
-                <a16:creationId xmlns:a16="http://schemas.microsoft.com/office/drawing/2014/main" id="{50A0194E-75A8-4602-A77E-12AF60A97D8E}"/>
-              </a:ext>
-            </a:extLst>
-          </p:cNvPr>
-          <p:cNvCxnSpPr>
-            <a:cxnSpLocks/>
-            <a:stCxn id="47" idx="3"/>
-            <a:endCxn id="49" idx="1"/>
-          </p:cNvCxnSpPr>
-          <p:nvPr/>
-        </p:nvCxnSpPr>
-        <p:spPr>
-          <a:xfrm>
-            <a:off x="1790743" y="4853241"/>
-            <a:ext cx="1759237" cy="0"/>
-          </a:xfrm>
-          <a:prstGeom prst="straightConnector1">
-            <a:avLst/>
-          </a:prstGeom>
-          <a:ln w="31750">
-            <a:solidFill>
-              <a:schemeClr val="tx1"/>
-            </a:solidFill>
-            <a:tailEnd type="triangle"/>
-          </a:ln>
-        </p:spPr>
-        <p:style>
-          <a:lnRef idx="1">
-            <a:schemeClr val="accent1"/>
-          </a:lnRef>
-          <a:fillRef idx="0">
-            <a:schemeClr val="accent1"/>
-          </a:fillRef>
-          <a:effectRef idx="0">
-            <a:schemeClr val="accent1"/>
-          </a:effectRef>
-          <a:fontRef idx="minor">
-            <a:schemeClr val="tx1"/>
-          </a:fontRef>
-        </p:style>
-      </p:cxnSp>
-      <p:cxnSp>
-        <p:nvCxnSpPr>
-          <p:cNvPr id="45" name="直接箭头连接符 44">
-            <a:extLst>
-              <a:ext uri="{FF2B5EF4-FFF2-40B4-BE49-F238E27FC236}">
-                <a16:creationId xmlns:a16="http://schemas.microsoft.com/office/drawing/2014/main" id="{2BAF5D67-B7D9-452A-9220-72C5BE5702FB}"/>
-              </a:ext>
-            </a:extLst>
-          </p:cNvPr>
-          <p:cNvCxnSpPr>
-            <a:cxnSpLocks/>
-            <a:stCxn id="89" idx="3"/>
-            <a:endCxn id="106" idx="1"/>
-          </p:cNvCxnSpPr>
-          <p:nvPr/>
-        </p:nvCxnSpPr>
-        <p:spPr>
-          <a:xfrm>
-            <a:off x="1790743" y="6230355"/>
-            <a:ext cx="1759237" cy="0"/>
-          </a:xfrm>
-          <a:prstGeom prst="straightConnector1">
-            <a:avLst/>
-          </a:prstGeom>
-          <a:ln w="31750">
-            <a:solidFill>
-              <a:schemeClr val="tx1"/>
-            </a:solidFill>
-            <a:tailEnd type="triangle"/>
-          </a:ln>
-        </p:spPr>
-        <p:style>
-          <a:lnRef idx="1">
-            <a:schemeClr val="accent1"/>
-          </a:lnRef>
-          <a:fillRef idx="0">
-            <a:schemeClr val="accent1"/>
-          </a:fillRef>
-          <a:effectRef idx="0">
-            <a:schemeClr val="accent1"/>
-          </a:effectRef>
-          <a:fontRef idx="minor">
-            <a:schemeClr val="tx1"/>
-          </a:fontRef>
-        </p:style>
-      </p:cxnSp>
       <p:sp>
         <p:nvSpPr>
-          <p:cNvPr id="50" name="矩形: 圆角 49">
-            <a:extLst>
-              <a:ext uri="{FF2B5EF4-FFF2-40B4-BE49-F238E27FC236}">
-                <a16:creationId xmlns:a16="http://schemas.microsoft.com/office/drawing/2014/main" id="{B820FC32-532B-4C2E-BF5E-DCE5F9481DF6}"/>
+          <p:cNvPr id="29" name="矩形: 圆角 28">
+            <a:extLst>
+              <a:ext uri="{FF2B5EF4-FFF2-40B4-BE49-F238E27FC236}">
+                <a16:creationId xmlns:a16="http://schemas.microsoft.com/office/drawing/2014/main" id="{A4F902C6-6B93-41CF-919B-8FA5B2861830}"/>
               </a:ext>
             </a:extLst>
           </p:cNvPr>
@@ -12457,7 +11770,7 @@
         </p:nvSpPr>
         <p:spPr>
           <a:xfrm>
-            <a:off x="7454210" y="3466510"/>
+            <a:off x="6698402" y="2527933"/>
             <a:ext cx="1728000" cy="432000"/>
           </a:xfrm>
           <a:prstGeom prst="roundRect">
@@ -12503,7 +11816,7 @@
                 <a:latin typeface="微软雅黑" panose="020B0503020204020204" pitchFamily="34" charset="-122"/>
                 <a:ea typeface="微软雅黑" panose="020B0503020204020204" pitchFamily="34" charset="-122"/>
               </a:rPr>
-              <a:t>寺院表</a:t>
+              <a:t>法师表</a:t>
             </a:r>
             <a:endParaRPr lang="en-US" altLang="zh-CN" sz="1600" b="1">
               <a:solidFill>
@@ -12517,10 +11830,10 @@
       </p:sp>
       <p:sp>
         <p:nvSpPr>
-          <p:cNvPr id="52" name="矩形: 圆角 51">
-            <a:extLst>
-              <a:ext uri="{FF2B5EF4-FFF2-40B4-BE49-F238E27FC236}">
-                <a16:creationId xmlns:a16="http://schemas.microsoft.com/office/drawing/2014/main" id="{09B1FE03-E64E-4975-AADD-F71CB563007F}"/>
+          <p:cNvPr id="30" name="矩形: 圆角 29">
+            <a:extLst>
+              <a:ext uri="{FF2B5EF4-FFF2-40B4-BE49-F238E27FC236}">
+                <a16:creationId xmlns:a16="http://schemas.microsoft.com/office/drawing/2014/main" id="{AB802689-C340-4C27-BA03-1900C5FC70F2}"/>
               </a:ext>
             </a:extLst>
           </p:cNvPr>
@@ -12529,7 +11842,7 @@
         </p:nvSpPr>
         <p:spPr>
           <a:xfrm>
-            <a:off x="7454210" y="4637241"/>
+            <a:off x="6698402" y="3698227"/>
             <a:ext cx="1728000" cy="432000"/>
           </a:xfrm>
           <a:prstGeom prst="roundRect">
@@ -12575,7 +11888,7 @@
                 <a:latin typeface="微软雅黑" panose="020B0503020204020204" pitchFamily="34" charset="-122"/>
                 <a:ea typeface="微软雅黑" panose="020B0503020204020204" pitchFamily="34" charset="-122"/>
               </a:rPr>
-              <a:t>寺院表</a:t>
+              <a:t>法师表</a:t>
             </a:r>
             <a:endParaRPr lang="en-US" altLang="zh-CN" sz="1600" b="1">
               <a:solidFill>
@@ -12589,10 +11902,10 @@
       </p:sp>
       <p:sp>
         <p:nvSpPr>
-          <p:cNvPr id="54" name="矩形: 圆角 53">
-            <a:extLst>
-              <a:ext uri="{FF2B5EF4-FFF2-40B4-BE49-F238E27FC236}">
-                <a16:creationId xmlns:a16="http://schemas.microsoft.com/office/drawing/2014/main" id="{C9507054-03B8-437F-8382-358441382F62}"/>
+          <p:cNvPr id="31" name="矩形: 圆角 30">
+            <a:extLst>
+              <a:ext uri="{FF2B5EF4-FFF2-40B4-BE49-F238E27FC236}">
+                <a16:creationId xmlns:a16="http://schemas.microsoft.com/office/drawing/2014/main" id="{E819C106-E82F-4142-8480-4231C86DEDC3}"/>
               </a:ext>
             </a:extLst>
           </p:cNvPr>
@@ -12601,7 +11914,7 @@
         </p:nvSpPr>
         <p:spPr>
           <a:xfrm>
-            <a:off x="7454210" y="6014355"/>
+            <a:off x="6698402" y="4868226"/>
             <a:ext cx="1728000" cy="432000"/>
           </a:xfrm>
           <a:prstGeom prst="roundRect">
@@ -12661,24 +11974,208 @@
       </p:sp>
       <p:cxnSp>
         <p:nvCxnSpPr>
-          <p:cNvPr id="57" name="直接箭头连接符 56">
-            <a:extLst>
-              <a:ext uri="{FF2B5EF4-FFF2-40B4-BE49-F238E27FC236}">
-                <a16:creationId xmlns:a16="http://schemas.microsoft.com/office/drawing/2014/main" id="{C094293E-A705-41CB-BEA9-46C8B5CAF913}"/>
+          <p:cNvPr id="36" name="直接箭头连接符 35">
+            <a:extLst>
+              <a:ext uri="{FF2B5EF4-FFF2-40B4-BE49-F238E27FC236}">
+                <a16:creationId xmlns:a16="http://schemas.microsoft.com/office/drawing/2014/main" id="{7FC5FF20-90B8-4813-8B3D-EA4D4A445065}"/>
               </a:ext>
             </a:extLst>
           </p:cNvPr>
           <p:cNvCxnSpPr>
             <a:cxnSpLocks/>
-            <a:stCxn id="50" idx="1"/>
+            <a:stCxn id="48" idx="3"/>
+            <a:endCxn id="53" idx="1"/>
+          </p:cNvCxnSpPr>
+          <p:nvPr/>
+        </p:nvCxnSpPr>
+        <p:spPr>
+          <a:xfrm>
+            <a:off x="1792379" y="1573639"/>
+            <a:ext cx="1435564" cy="4666"/>
+          </a:xfrm>
+          <a:prstGeom prst="straightConnector1">
+            <a:avLst/>
+          </a:prstGeom>
+          <a:ln w="31750">
+            <a:solidFill>
+              <a:schemeClr val="tx1"/>
+            </a:solidFill>
+            <a:tailEnd type="triangle"/>
+          </a:ln>
+        </p:spPr>
+        <p:style>
+          <a:lnRef idx="1">
+            <a:schemeClr val="accent1"/>
+          </a:lnRef>
+          <a:fillRef idx="0">
+            <a:schemeClr val="accent1"/>
+          </a:fillRef>
+          <a:effectRef idx="0">
+            <a:schemeClr val="accent1"/>
+          </a:effectRef>
+          <a:fontRef idx="minor">
+            <a:schemeClr val="tx1"/>
+          </a:fontRef>
+        </p:style>
+      </p:cxnSp>
+      <p:cxnSp>
+        <p:nvCxnSpPr>
+          <p:cNvPr id="37" name="直接箭头连接符 36">
+            <a:extLst>
+              <a:ext uri="{FF2B5EF4-FFF2-40B4-BE49-F238E27FC236}">
+                <a16:creationId xmlns:a16="http://schemas.microsoft.com/office/drawing/2014/main" id="{FFC79E0D-D038-4874-A3C2-A37A7DB0BC4B}"/>
+              </a:ext>
+            </a:extLst>
+          </p:cNvPr>
+          <p:cNvCxnSpPr>
+            <a:cxnSpLocks/>
+            <a:stCxn id="61" idx="3"/>
+            <a:endCxn id="101" idx="1"/>
+          </p:cNvCxnSpPr>
+          <p:nvPr/>
+        </p:nvCxnSpPr>
+        <p:spPr>
+          <a:xfrm>
+            <a:off x="1792379" y="2743638"/>
+            <a:ext cx="1435564" cy="0"/>
+          </a:xfrm>
+          <a:prstGeom prst="straightConnector1">
+            <a:avLst/>
+          </a:prstGeom>
+          <a:ln w="31750">
+            <a:solidFill>
+              <a:schemeClr val="tx1"/>
+            </a:solidFill>
+            <a:tailEnd type="triangle"/>
+          </a:ln>
+        </p:spPr>
+        <p:style>
+          <a:lnRef idx="1">
+            <a:schemeClr val="accent1"/>
+          </a:lnRef>
+          <a:fillRef idx="0">
+            <a:schemeClr val="accent1"/>
+          </a:fillRef>
+          <a:effectRef idx="0">
+            <a:schemeClr val="accent1"/>
+          </a:effectRef>
+          <a:fontRef idx="minor">
+            <a:schemeClr val="tx1"/>
+          </a:fontRef>
+        </p:style>
+      </p:cxnSp>
+      <p:cxnSp>
+        <p:nvCxnSpPr>
+          <p:cNvPr id="38" name="直接箭头连接符 37">
+            <a:extLst>
+              <a:ext uri="{FF2B5EF4-FFF2-40B4-BE49-F238E27FC236}">
+                <a16:creationId xmlns:a16="http://schemas.microsoft.com/office/drawing/2014/main" id="{E8F92AF9-D69F-4D7B-B5D9-1D4A43E17114}"/>
+              </a:ext>
+            </a:extLst>
+          </p:cNvPr>
+          <p:cNvCxnSpPr>
+            <a:cxnSpLocks/>
+            <a:stCxn id="47" idx="3"/>
+            <a:endCxn id="49" idx="1"/>
+          </p:cNvCxnSpPr>
+          <p:nvPr/>
+        </p:nvCxnSpPr>
+        <p:spPr>
+          <a:xfrm>
+            <a:off x="1792379" y="3913637"/>
+            <a:ext cx="1435564" cy="75"/>
+          </a:xfrm>
+          <a:prstGeom prst="straightConnector1">
+            <a:avLst/>
+          </a:prstGeom>
+          <a:ln w="31750">
+            <a:solidFill>
+              <a:schemeClr val="tx1"/>
+            </a:solidFill>
+            <a:tailEnd type="triangle"/>
+          </a:ln>
+        </p:spPr>
+        <p:style>
+          <a:lnRef idx="1">
+            <a:schemeClr val="accent1"/>
+          </a:lnRef>
+          <a:fillRef idx="0">
+            <a:schemeClr val="accent1"/>
+          </a:fillRef>
+          <a:effectRef idx="0">
+            <a:schemeClr val="accent1"/>
+          </a:effectRef>
+          <a:fontRef idx="minor">
+            <a:schemeClr val="tx1"/>
+          </a:fontRef>
+        </p:style>
+      </p:cxnSp>
+      <p:cxnSp>
+        <p:nvCxnSpPr>
+          <p:cNvPr id="39" name="直接箭头连接符 38">
+            <a:extLst>
+              <a:ext uri="{FF2B5EF4-FFF2-40B4-BE49-F238E27FC236}">
+                <a16:creationId xmlns:a16="http://schemas.microsoft.com/office/drawing/2014/main" id="{1A0D88EE-5297-46FB-B2C2-398888577CDC}"/>
+              </a:ext>
+            </a:extLst>
+          </p:cNvPr>
+          <p:cNvCxnSpPr>
+            <a:cxnSpLocks/>
+            <a:stCxn id="89" idx="3"/>
+            <a:endCxn id="106" idx="1"/>
+          </p:cNvCxnSpPr>
+          <p:nvPr/>
+        </p:nvCxnSpPr>
+        <p:spPr>
+          <a:xfrm>
+            <a:off x="1794124" y="5083636"/>
+            <a:ext cx="1433819" cy="150"/>
+          </a:xfrm>
+          <a:prstGeom prst="straightConnector1">
+            <a:avLst/>
+          </a:prstGeom>
+          <a:ln w="31750">
+            <a:solidFill>
+              <a:schemeClr val="tx1"/>
+            </a:solidFill>
+            <a:tailEnd type="triangle"/>
+          </a:ln>
+        </p:spPr>
+        <p:style>
+          <a:lnRef idx="1">
+            <a:schemeClr val="accent1"/>
+          </a:lnRef>
+          <a:fillRef idx="0">
+            <a:schemeClr val="accent1"/>
+          </a:fillRef>
+          <a:effectRef idx="0">
+            <a:schemeClr val="accent1"/>
+          </a:effectRef>
+          <a:fontRef idx="minor">
+            <a:schemeClr val="tx1"/>
+          </a:fontRef>
+        </p:style>
+      </p:cxnSp>
+      <p:cxnSp>
+        <p:nvCxnSpPr>
+          <p:cNvPr id="50" name="直接箭头连接符 49">
+            <a:extLst>
+              <a:ext uri="{FF2B5EF4-FFF2-40B4-BE49-F238E27FC236}">
+                <a16:creationId xmlns:a16="http://schemas.microsoft.com/office/drawing/2014/main" id="{EDA11599-43E1-46C0-9B21-A13B65DE2D70}"/>
+              </a:ext>
+            </a:extLst>
+          </p:cNvPr>
+          <p:cNvCxnSpPr>
+            <a:cxnSpLocks/>
+            <a:stCxn id="29" idx="1"/>
             <a:endCxn id="101" idx="3"/>
           </p:cNvCxnSpPr>
           <p:nvPr/>
         </p:nvCxnSpPr>
         <p:spPr>
-          <a:xfrm flipH="1">
-            <a:off x="5565980" y="3682510"/>
-            <a:ext cx="1888230" cy="0"/>
+          <a:xfrm flipH="1" flipV="1">
+            <a:off x="5243943" y="2743638"/>
+            <a:ext cx="1454459" cy="295"/>
           </a:xfrm>
           <a:prstGeom prst="straightConnector1">
             <a:avLst/>
@@ -12707,24 +12204,24 @@
       </p:cxnSp>
       <p:cxnSp>
         <p:nvCxnSpPr>
-          <p:cNvPr id="60" name="直接箭头连接符 59">
-            <a:extLst>
-              <a:ext uri="{FF2B5EF4-FFF2-40B4-BE49-F238E27FC236}">
-                <a16:creationId xmlns:a16="http://schemas.microsoft.com/office/drawing/2014/main" id="{7D59CCE1-D8D3-435B-93AA-72780D2CB287}"/>
+          <p:cNvPr id="51" name="直接箭头连接符 50">
+            <a:extLst>
+              <a:ext uri="{FF2B5EF4-FFF2-40B4-BE49-F238E27FC236}">
+                <a16:creationId xmlns:a16="http://schemas.microsoft.com/office/drawing/2014/main" id="{BDFA6272-0009-4F0B-8BAA-96B8AB2F5157}"/>
               </a:ext>
             </a:extLst>
           </p:cNvPr>
           <p:cNvCxnSpPr>
             <a:cxnSpLocks/>
-            <a:stCxn id="54" idx="1"/>
+            <a:stCxn id="31" idx="1"/>
             <a:endCxn id="106" idx="3"/>
           </p:cNvCxnSpPr>
           <p:nvPr/>
         </p:nvCxnSpPr>
         <p:spPr>
-          <a:xfrm flipH="1">
-            <a:off x="5565980" y="6230355"/>
-            <a:ext cx="1888230" cy="0"/>
+          <a:xfrm flipH="1" flipV="1">
+            <a:off x="5243943" y="5083786"/>
+            <a:ext cx="1454459" cy="440"/>
           </a:xfrm>
           <a:prstGeom prst="straightConnector1">
             <a:avLst/>
@@ -12754,7 +12251,7 @@
     </p:spTree>
     <p:extLst>
       <p:ext uri="{BB962C8B-B14F-4D97-AF65-F5344CB8AC3E}">
-        <p14:creationId xmlns:p14="http://schemas.microsoft.com/office/powerpoint/2010/main" val="299805614"/>
+        <p14:creationId xmlns:p14="http://schemas.microsoft.com/office/powerpoint/2010/main" val="4079951574"/>
       </p:ext>
     </p:extLst>
   </p:cSld>
@@ -12795,8 +12292,8 @@
         </p:nvSpPr>
         <p:spPr>
           <a:xfrm>
-            <a:off x="3188824" y="1427340"/>
-            <a:ext cx="2232000" cy="648000"/>
+            <a:off x="3549980" y="1827254"/>
+            <a:ext cx="2016000" cy="648000"/>
           </a:xfrm>
           <a:prstGeom prst="roundRect">
             <a:avLst/>
@@ -12859,7 +12356,7 @@
                 <a:latin typeface="微软雅黑" panose="020B0503020204020204" pitchFamily="34" charset="-122"/>
                 <a:ea typeface="微软雅黑" panose="020B0503020204020204" pitchFamily="34" charset="-122"/>
               </a:rPr>
-              <a:t>apply_join_temple</a:t>
+              <a:t>apply_temple</a:t>
             </a:r>
             <a:endParaRPr lang="zh-CN" altLang="en-US" sz="1600" b="1">
               <a:solidFill>
@@ -12885,7 +12382,7 @@
         </p:nvSpPr>
         <p:spPr>
           <a:xfrm>
-            <a:off x="708410" y="1531176"/>
+            <a:off x="712379" y="1650966"/>
             <a:ext cx="1080000" cy="432000"/>
           </a:xfrm>
           <a:prstGeom prst="roundRect">
@@ -12929,17 +12426,17 @@
                 <a:latin typeface="微软雅黑" panose="020B0503020204020204" pitchFamily="34" charset="-122"/>
                 <a:ea typeface="微软雅黑" panose="020B0503020204020204" pitchFamily="34" charset="-122"/>
               </a:rPr>
-              <a:t>法师</a:t>
+              <a:t>单签账户</a:t>
             </a:r>
           </a:p>
         </p:txBody>
       </p:sp>
       <p:sp>
         <p:nvSpPr>
-          <p:cNvPr id="61" name="矩形: 圆角 60">
-            <a:extLst>
-              <a:ext uri="{FF2B5EF4-FFF2-40B4-BE49-F238E27FC236}">
-                <a16:creationId xmlns:a16="http://schemas.microsoft.com/office/drawing/2014/main" id="{E3777F73-EAAB-43DE-8A90-6B6D895B1B1F}"/>
+          <p:cNvPr id="51" name="矩形: 圆角 50">
+            <a:extLst>
+              <a:ext uri="{FF2B5EF4-FFF2-40B4-BE49-F238E27FC236}">
+                <a16:creationId xmlns:a16="http://schemas.microsoft.com/office/drawing/2014/main" id="{3362D236-1F3E-4777-B34E-3E36721FFCFC}"/>
               </a:ext>
             </a:extLst>
           </p:cNvPr>
@@ -12948,7 +12445,7 @@
         </p:nvSpPr>
         <p:spPr>
           <a:xfrm>
-            <a:off x="708410" y="2663380"/>
+            <a:off x="710743" y="2192218"/>
             <a:ext cx="1080000" cy="432000"/>
           </a:xfrm>
           <a:prstGeom prst="roundRect">
@@ -12992,7 +12489,70 @@
                 <a:latin typeface="微软雅黑" panose="020B0503020204020204" pitchFamily="34" charset="-122"/>
                 <a:ea typeface="微软雅黑" panose="020B0503020204020204" pitchFamily="34" charset="-122"/>
               </a:rPr>
-              <a:t>寺院</a:t>
+              <a:t>多签账户</a:t>
+            </a:r>
+          </a:p>
+        </p:txBody>
+      </p:sp>
+      <p:sp>
+        <p:nvSpPr>
+          <p:cNvPr id="61" name="矩形: 圆角 60">
+            <a:extLst>
+              <a:ext uri="{FF2B5EF4-FFF2-40B4-BE49-F238E27FC236}">
+                <a16:creationId xmlns:a16="http://schemas.microsoft.com/office/drawing/2014/main" id="{E3777F73-EAAB-43DE-8A90-6B6D895B1B1F}"/>
+              </a:ext>
+            </a:extLst>
+          </p:cNvPr>
+          <p:cNvSpPr/>
+          <p:nvPr/>
+        </p:nvSpPr>
+        <p:spPr>
+          <a:xfrm>
+            <a:off x="710743" y="3466510"/>
+            <a:ext cx="1080000" cy="432000"/>
+          </a:xfrm>
+          <a:prstGeom prst="roundRect">
+            <a:avLst/>
+          </a:prstGeom>
+          <a:solidFill>
+            <a:srgbClr val="00B0F0"/>
+          </a:solidFill>
+          <a:ln>
+            <a:solidFill>
+              <a:schemeClr val="tx1"/>
+            </a:solidFill>
+          </a:ln>
+        </p:spPr>
+        <p:style>
+          <a:lnRef idx="2">
+            <a:schemeClr val="accent1">
+              <a:shade val="50000"/>
+            </a:schemeClr>
+          </a:lnRef>
+          <a:fillRef idx="1">
+            <a:schemeClr val="accent1"/>
+          </a:fillRef>
+          <a:effectRef idx="0">
+            <a:schemeClr val="accent1"/>
+          </a:effectRef>
+          <a:fontRef idx="minor">
+            <a:schemeClr val="lt1"/>
+          </a:fontRef>
+        </p:style>
+        <p:txBody>
+          <a:bodyPr wrap="none" lIns="36000" tIns="36000" rIns="36000" bIns="36000" rtlCol="0" anchor="ctr" anchorCtr="0"/>
+          <a:lstStyle/>
+          <a:p>
+            <a:pPr algn="ctr"/>
+            <a:r>
+              <a:rPr lang="zh-CN" altLang="en-US" sz="1600" b="1">
+                <a:solidFill>
+                  <a:schemeClr val="tx1"/>
+                </a:solidFill>
+                <a:latin typeface="微软雅黑" panose="020B0503020204020204" pitchFamily="34" charset="-122"/>
+                <a:ea typeface="微软雅黑" panose="020B0503020204020204" pitchFamily="34" charset="-122"/>
+              </a:rPr>
+              <a:t>基金会会员</a:t>
             </a:r>
           </a:p>
         </p:txBody>
@@ -13011,8 +12571,8 @@
         </p:nvSpPr>
         <p:spPr>
           <a:xfrm>
-            <a:off x="3188824" y="2555380"/>
-            <a:ext cx="2232000" cy="648000"/>
+            <a:off x="3549980" y="3358510"/>
+            <a:ext cx="2016000" cy="648000"/>
           </a:xfrm>
           <a:prstGeom prst="roundRect">
             <a:avLst/>
@@ -13055,7 +12615,7 @@
                 <a:latin typeface="微软雅黑" panose="020B0503020204020204" pitchFamily="34" charset="-122"/>
                 <a:ea typeface="微软雅黑" panose="020B0503020204020204" pitchFamily="34" charset="-122"/>
               </a:rPr>
-              <a:t>查找申请</a:t>
+              <a:t>查看申请者</a:t>
             </a:r>
             <a:endParaRPr lang="en-US" altLang="zh-CN" sz="1600" b="1">
               <a:solidFill>
@@ -13075,7 +12635,7 @@
                 <a:latin typeface="微软雅黑" panose="020B0503020204020204" pitchFamily="34" charset="-122"/>
                 <a:ea typeface="微软雅黑" panose="020B0503020204020204" pitchFamily="34" charset="-122"/>
               </a:rPr>
-              <a:t>list_temple_master</a:t>
+              <a:t>list_temple</a:t>
             </a:r>
             <a:endParaRPr lang="zh-CN" altLang="en-US" sz="1600" b="1">
               <a:solidFill>
@@ -13098,15 +12658,15 @@
           </p:cNvPr>
           <p:cNvCxnSpPr>
             <a:cxnSpLocks/>
-            <a:stCxn id="62" idx="3"/>
+            <a:stCxn id="53" idx="3"/>
             <a:endCxn id="36" idx="1"/>
           </p:cNvCxnSpPr>
           <p:nvPr/>
         </p:nvCxnSpPr>
         <p:spPr>
           <a:xfrm>
-            <a:off x="5420824" y="4908229"/>
-            <a:ext cx="1396602" cy="295"/>
+            <a:off x="5565980" y="2151254"/>
+            <a:ext cx="1888230" cy="0"/>
           </a:xfrm>
           <a:prstGeom prst="straightConnector1">
             <a:avLst/>
@@ -13144,15 +12704,15 @@
           </p:cNvPr>
           <p:cNvCxnSpPr>
             <a:cxnSpLocks/>
-            <a:stCxn id="53" idx="3"/>
-            <a:endCxn id="34" idx="1"/>
+            <a:stCxn id="49" idx="3"/>
+            <a:endCxn id="52" idx="1"/>
           </p:cNvCxnSpPr>
           <p:nvPr/>
         </p:nvCxnSpPr>
         <p:spPr>
-          <a:xfrm flipV="1">
-            <a:off x="5420824" y="1747176"/>
-            <a:ext cx="1396602" cy="4164"/>
+          <a:xfrm>
+            <a:off x="5565980" y="4853241"/>
+            <a:ext cx="1888230" cy="0"/>
           </a:xfrm>
           <a:prstGeom prst="straightConnector1">
             <a:avLst/>
@@ -13181,10 +12741,10 @@
       </p:cxnSp>
       <p:sp>
         <p:nvSpPr>
-          <p:cNvPr id="89" name="矩形: 圆角 88">
-            <a:extLst>
-              <a:ext uri="{FF2B5EF4-FFF2-40B4-BE49-F238E27FC236}">
-                <a16:creationId xmlns:a16="http://schemas.microsoft.com/office/drawing/2014/main" id="{BCB76878-D819-48AC-AEB8-9F028A450BD7}"/>
+          <p:cNvPr id="47" name="矩形: 圆角 46">
+            <a:extLst>
+              <a:ext uri="{FF2B5EF4-FFF2-40B4-BE49-F238E27FC236}">
+                <a16:creationId xmlns:a16="http://schemas.microsoft.com/office/drawing/2014/main" id="{A2832FAA-26D6-45C7-81D2-52D1B13FC30D}"/>
               </a:ext>
             </a:extLst>
           </p:cNvPr>
@@ -13193,7 +12753,7 @@
         </p:nvSpPr>
         <p:spPr>
           <a:xfrm>
-            <a:off x="708410" y="5828062"/>
+            <a:off x="710743" y="4637241"/>
             <a:ext cx="1080000" cy="432000"/>
           </a:xfrm>
           <a:prstGeom prst="roundRect">
@@ -13237,17 +12797,17 @@
                 <a:latin typeface="微软雅黑" panose="020B0503020204020204" pitchFamily="34" charset="-122"/>
                 <a:ea typeface="微软雅黑" panose="020B0503020204020204" pitchFamily="34" charset="-122"/>
               </a:rPr>
-              <a:t>申请者</a:t>
+              <a:t>基金会会员</a:t>
             </a:r>
           </a:p>
         </p:txBody>
       </p:sp>
       <p:sp>
         <p:nvSpPr>
-          <p:cNvPr id="106" name="矩形: 圆角 105">
-            <a:extLst>
-              <a:ext uri="{FF2B5EF4-FFF2-40B4-BE49-F238E27FC236}">
-                <a16:creationId xmlns:a16="http://schemas.microsoft.com/office/drawing/2014/main" id="{23A35783-45F3-492D-B983-D833D276F213}"/>
+          <p:cNvPr id="49" name="矩形: 圆角 48">
+            <a:extLst>
+              <a:ext uri="{FF2B5EF4-FFF2-40B4-BE49-F238E27FC236}">
+                <a16:creationId xmlns:a16="http://schemas.microsoft.com/office/drawing/2014/main" id="{9318B74D-0975-4412-852D-C0122D209E75}"/>
               </a:ext>
             </a:extLst>
           </p:cNvPr>
@@ -13256,8 +12816,8 @@
         </p:nvSpPr>
         <p:spPr>
           <a:xfrm>
-            <a:off x="3188824" y="5720062"/>
-            <a:ext cx="2232000" cy="648000"/>
+            <a:off x="3549980" y="4529241"/>
+            <a:ext cx="2016000" cy="648000"/>
           </a:xfrm>
           <a:prstGeom prst="roundRect">
             <a:avLst/>
@@ -13300,7 +12860,7 @@
                 <a:latin typeface="微软雅黑" panose="020B0503020204020204" pitchFamily="34" charset="-122"/>
                 <a:ea typeface="微软雅黑" panose="020B0503020204020204" pitchFamily="34" charset="-122"/>
               </a:rPr>
-              <a:t>判断身份</a:t>
+              <a:t>批准</a:t>
             </a:r>
             <a:endParaRPr lang="en-US" altLang="zh-CN" sz="1600" b="1">
               <a:solidFill>
@@ -13320,7 +12880,160 @@
                 <a:latin typeface="微软雅黑" panose="020B0503020204020204" pitchFamily="34" charset="-122"/>
                 <a:ea typeface="微软雅黑" panose="020B0503020204020204" pitchFamily="34" charset="-122"/>
               </a:rPr>
-              <a:t>is_in_temple</a:t>
+              <a:t>approve_temple</a:t>
+            </a:r>
+            <a:endParaRPr lang="zh-CN" altLang="en-US" sz="1600" b="1">
+              <a:solidFill>
+                <a:schemeClr val="tx1"/>
+              </a:solidFill>
+              <a:latin typeface="微软雅黑" panose="020B0503020204020204" pitchFamily="34" charset="-122"/>
+              <a:ea typeface="微软雅黑" panose="020B0503020204020204" pitchFamily="34" charset="-122"/>
+            </a:endParaRPr>
+          </a:p>
+        </p:txBody>
+      </p:sp>
+      <p:sp>
+        <p:nvSpPr>
+          <p:cNvPr id="89" name="矩形: 圆角 88">
+            <a:extLst>
+              <a:ext uri="{FF2B5EF4-FFF2-40B4-BE49-F238E27FC236}">
+                <a16:creationId xmlns:a16="http://schemas.microsoft.com/office/drawing/2014/main" id="{BCB76878-D819-48AC-AEB8-9F028A450BD7}"/>
+              </a:ext>
+            </a:extLst>
+          </p:cNvPr>
+          <p:cNvSpPr/>
+          <p:nvPr/>
+        </p:nvSpPr>
+        <p:spPr>
+          <a:xfrm>
+            <a:off x="710743" y="6014355"/>
+            <a:ext cx="1080000" cy="432000"/>
+          </a:xfrm>
+          <a:prstGeom prst="roundRect">
+            <a:avLst/>
+          </a:prstGeom>
+          <a:solidFill>
+            <a:srgbClr val="00B0F0"/>
+          </a:solidFill>
+          <a:ln>
+            <a:solidFill>
+              <a:schemeClr val="tx1"/>
+            </a:solidFill>
+          </a:ln>
+        </p:spPr>
+        <p:style>
+          <a:lnRef idx="2">
+            <a:schemeClr val="accent1">
+              <a:shade val="50000"/>
+            </a:schemeClr>
+          </a:lnRef>
+          <a:fillRef idx="1">
+            <a:schemeClr val="accent1"/>
+          </a:fillRef>
+          <a:effectRef idx="0">
+            <a:schemeClr val="accent1"/>
+          </a:effectRef>
+          <a:fontRef idx="minor">
+            <a:schemeClr val="lt1"/>
+          </a:fontRef>
+        </p:style>
+        <p:txBody>
+          <a:bodyPr wrap="none" lIns="36000" tIns="36000" rIns="36000" bIns="36000" rtlCol="0" anchor="ctr" anchorCtr="0"/>
+          <a:lstStyle/>
+          <a:p>
+            <a:pPr algn="ctr"/>
+            <a:r>
+              <a:rPr lang="zh-CN" altLang="en-US" sz="1600" b="1">
+                <a:solidFill>
+                  <a:schemeClr val="tx1"/>
+                </a:solidFill>
+                <a:latin typeface="微软雅黑" panose="020B0503020204020204" pitchFamily="34" charset="-122"/>
+                <a:ea typeface="微软雅黑" panose="020B0503020204020204" pitchFamily="34" charset="-122"/>
+              </a:rPr>
+              <a:t>申请者</a:t>
+            </a:r>
+          </a:p>
+        </p:txBody>
+      </p:sp>
+      <p:sp>
+        <p:nvSpPr>
+          <p:cNvPr id="106" name="矩形: 圆角 105">
+            <a:extLst>
+              <a:ext uri="{FF2B5EF4-FFF2-40B4-BE49-F238E27FC236}">
+                <a16:creationId xmlns:a16="http://schemas.microsoft.com/office/drawing/2014/main" id="{23A35783-45F3-492D-B983-D833D276F213}"/>
+              </a:ext>
+            </a:extLst>
+          </p:cNvPr>
+          <p:cNvSpPr/>
+          <p:nvPr/>
+        </p:nvSpPr>
+        <p:spPr>
+          <a:xfrm>
+            <a:off x="3549980" y="5906355"/>
+            <a:ext cx="2016000" cy="648000"/>
+          </a:xfrm>
+          <a:prstGeom prst="roundRect">
+            <a:avLst/>
+          </a:prstGeom>
+          <a:solidFill>
+            <a:srgbClr val="00B050"/>
+          </a:solidFill>
+          <a:ln>
+            <a:solidFill>
+              <a:schemeClr val="tx1"/>
+            </a:solidFill>
+          </a:ln>
+        </p:spPr>
+        <p:style>
+          <a:lnRef idx="2">
+            <a:schemeClr val="accent1">
+              <a:shade val="50000"/>
+            </a:schemeClr>
+          </a:lnRef>
+          <a:fillRef idx="1">
+            <a:schemeClr val="accent1"/>
+          </a:fillRef>
+          <a:effectRef idx="0">
+            <a:schemeClr val="accent1"/>
+          </a:effectRef>
+          <a:fontRef idx="minor">
+            <a:schemeClr val="lt1"/>
+          </a:fontRef>
+        </p:style>
+        <p:txBody>
+          <a:bodyPr wrap="none" lIns="36000" tIns="36000" rIns="36000" bIns="36000" rtlCol="0" anchor="ctr" anchorCtr="0"/>
+          <a:lstStyle/>
+          <a:p>
+            <a:pPr algn="ctr"/>
+            <a:r>
+              <a:rPr lang="zh-CN" altLang="en-US" sz="1600" b="1">
+                <a:solidFill>
+                  <a:schemeClr val="tx1"/>
+                </a:solidFill>
+                <a:latin typeface="微软雅黑" panose="020B0503020204020204" pitchFamily="34" charset="-122"/>
+                <a:ea typeface="微软雅黑" panose="020B0503020204020204" pitchFamily="34" charset="-122"/>
+              </a:rPr>
+              <a:t>判断身份</a:t>
+            </a:r>
+            <a:endParaRPr lang="en-US" altLang="zh-CN" sz="1600" b="1">
+              <a:solidFill>
+                <a:schemeClr val="tx1"/>
+              </a:solidFill>
+              <a:latin typeface="微软雅黑" panose="020B0503020204020204" pitchFamily="34" charset="-122"/>
+              <a:ea typeface="微软雅黑" panose="020B0503020204020204" pitchFamily="34" charset="-122"/>
+            </a:endParaRPr>
+          </a:p>
+          <a:p>
+            <a:pPr algn="ctr"/>
+            <a:r>
+              <a:rPr lang="en-US" altLang="zh-CN" sz="1600" b="1">
+                <a:solidFill>
+                  <a:schemeClr val="tx1"/>
+                </a:solidFill>
+                <a:latin typeface="微软雅黑" panose="020B0503020204020204" pitchFamily="34" charset="-122"/>
+                <a:ea typeface="微软雅黑" panose="020B0503020204020204" pitchFamily="34" charset="-122"/>
+              </a:rPr>
+              <a:t>is_temple</a:t>
             </a:r>
             <a:endParaRPr lang="zh-CN" altLang="en-US" sz="1600" b="1">
               <a:solidFill>
@@ -13448,7 +13161,7 @@
         <p:spPr>
           <a:xfrm>
             <a:off x="712379" y="173975"/>
-            <a:ext cx="3467616" cy="584775"/>
+            <a:ext cx="2646878" cy="584775"/>
           </a:xfrm>
           <a:prstGeom prst="rect">
             <a:avLst/>
@@ -13466,170 +13179,109 @@
                 <a:latin typeface="Consolas" panose="020B0609020204030204" pitchFamily="49" charset="0"/>
                 <a:ea typeface="微软雅黑" panose="020B0503020204020204" pitchFamily="34" charset="-122"/>
               </a:rPr>
-              <a:t>法师申请加入寺院</a:t>
+              <a:t>申请成为寺院</a:t>
             </a:r>
           </a:p>
         </p:txBody>
       </p:sp>
-      <p:sp>
-        <p:nvSpPr>
-          <p:cNvPr id="60" name="矩形: 圆角 59">
-            <a:extLst>
-              <a:ext uri="{FF2B5EF4-FFF2-40B4-BE49-F238E27FC236}">
-                <a16:creationId xmlns:a16="http://schemas.microsoft.com/office/drawing/2014/main" id="{80649730-F31C-4650-9EB6-FA2C04FAE2CD}"/>
-              </a:ext>
-            </a:extLst>
-          </p:cNvPr>
-          <p:cNvSpPr/>
-          <p:nvPr/>
-        </p:nvSpPr>
+      <p:cxnSp>
+        <p:nvCxnSpPr>
+          <p:cNvPr id="30" name="直接箭头连接符 29">
+            <a:extLst>
+              <a:ext uri="{FF2B5EF4-FFF2-40B4-BE49-F238E27FC236}">
+                <a16:creationId xmlns:a16="http://schemas.microsoft.com/office/drawing/2014/main" id="{6D35BD7F-9341-4FAD-AA79-42D947CB3E9F}"/>
+              </a:ext>
+            </a:extLst>
+          </p:cNvPr>
+          <p:cNvCxnSpPr>
+            <a:cxnSpLocks/>
+            <a:stCxn id="48" idx="3"/>
+            <a:endCxn id="53" idx="1"/>
+          </p:cNvCxnSpPr>
+          <p:nvPr/>
+        </p:nvCxnSpPr>
         <p:spPr>
           <a:xfrm>
-            <a:off x="708410" y="4692229"/>
-            <a:ext cx="1080000" cy="432000"/>
-          </a:xfrm>
-          <a:prstGeom prst="roundRect">
+            <a:off x="1792379" y="1866966"/>
+            <a:ext cx="1757601" cy="284288"/>
+          </a:xfrm>
+          <a:prstGeom prst="straightConnector1">
             <a:avLst/>
           </a:prstGeom>
-          <a:solidFill>
-            <a:srgbClr val="00B0F0"/>
-          </a:solidFill>
-          <a:ln>
+          <a:ln w="31750">
             <a:solidFill>
               <a:schemeClr val="tx1"/>
             </a:solidFill>
+            <a:tailEnd type="triangle"/>
           </a:ln>
         </p:spPr>
         <p:style>
-          <a:lnRef idx="2">
-            <a:schemeClr val="accent1">
-              <a:shade val="50000"/>
-            </a:schemeClr>
+          <a:lnRef idx="1">
+            <a:schemeClr val="accent1"/>
           </a:lnRef>
-          <a:fillRef idx="1">
+          <a:fillRef idx="0">
             <a:schemeClr val="accent1"/>
           </a:fillRef>
           <a:effectRef idx="0">
             <a:schemeClr val="accent1"/>
           </a:effectRef>
           <a:fontRef idx="minor">
-            <a:schemeClr val="lt1"/>
+            <a:schemeClr val="tx1"/>
           </a:fontRef>
         </p:style>
-        <p:txBody>
-          <a:bodyPr wrap="none" lIns="36000" tIns="36000" rIns="36000" bIns="36000" rtlCol="0" anchor="ctr" anchorCtr="0"/>
-          <a:lstStyle/>
-          <a:p>
-            <a:pPr algn="ctr"/>
-            <a:r>
-              <a:rPr lang="zh-CN" altLang="en-US" sz="1600" b="1">
-                <a:solidFill>
-                  <a:schemeClr val="tx1"/>
-                </a:solidFill>
-                <a:latin typeface="微软雅黑" panose="020B0503020204020204" pitchFamily="34" charset="-122"/>
-                <a:ea typeface="微软雅黑" panose="020B0503020204020204" pitchFamily="34" charset="-122"/>
-              </a:rPr>
-              <a:t>寺院</a:t>
-            </a:r>
-          </a:p>
-        </p:txBody>
-      </p:sp>
-      <p:sp>
-        <p:nvSpPr>
-          <p:cNvPr id="62" name="矩形: 圆角 61">
-            <a:extLst>
-              <a:ext uri="{FF2B5EF4-FFF2-40B4-BE49-F238E27FC236}">
-                <a16:creationId xmlns:a16="http://schemas.microsoft.com/office/drawing/2014/main" id="{63142F85-844B-455C-ADC6-DC9FB6E80EC5}"/>
-              </a:ext>
-            </a:extLst>
-          </p:cNvPr>
-          <p:cNvSpPr/>
-          <p:nvPr/>
-        </p:nvSpPr>
-        <p:spPr>
-          <a:xfrm>
-            <a:off x="3188824" y="4584229"/>
-            <a:ext cx="2232000" cy="648000"/>
-          </a:xfrm>
-          <a:prstGeom prst="roundRect">
+      </p:cxnSp>
+      <p:cxnSp>
+        <p:nvCxnSpPr>
+          <p:cNvPr id="33" name="直接箭头连接符 32">
+            <a:extLst>
+              <a:ext uri="{FF2B5EF4-FFF2-40B4-BE49-F238E27FC236}">
+                <a16:creationId xmlns:a16="http://schemas.microsoft.com/office/drawing/2014/main" id="{BAE5EA08-CCCD-448F-80E7-B1522490F990}"/>
+              </a:ext>
+            </a:extLst>
+          </p:cNvPr>
+          <p:cNvCxnSpPr>
+            <a:cxnSpLocks/>
+            <a:stCxn id="51" idx="3"/>
+            <a:endCxn id="53" idx="1"/>
+          </p:cNvCxnSpPr>
+          <p:nvPr/>
+        </p:nvCxnSpPr>
+        <p:spPr>
+          <a:xfrm flipV="1">
+            <a:off x="1790743" y="2151254"/>
+            <a:ext cx="1759237" cy="256964"/>
+          </a:xfrm>
+          <a:prstGeom prst="straightConnector1">
             <a:avLst/>
           </a:prstGeom>
-          <a:solidFill>
-            <a:srgbClr val="00B050"/>
-          </a:solidFill>
-          <a:ln>
+          <a:ln w="31750">
             <a:solidFill>
               <a:schemeClr val="tx1"/>
             </a:solidFill>
+            <a:tailEnd type="triangle"/>
           </a:ln>
         </p:spPr>
         <p:style>
-          <a:lnRef idx="2">
-            <a:schemeClr val="accent1">
-              <a:shade val="50000"/>
-            </a:schemeClr>
+          <a:lnRef idx="1">
+            <a:schemeClr val="accent1"/>
           </a:lnRef>
-          <a:fillRef idx="1">
+          <a:fillRef idx="0">
             <a:schemeClr val="accent1"/>
           </a:fillRef>
           <a:effectRef idx="0">
             <a:schemeClr val="accent1"/>
           </a:effectRef>
           <a:fontRef idx="minor">
-            <a:schemeClr val="lt1"/>
+            <a:schemeClr val="tx1"/>
           </a:fontRef>
         </p:style>
-        <p:txBody>
-          <a:bodyPr wrap="none" lIns="36000" tIns="36000" rIns="36000" bIns="36000" rtlCol="0" anchor="ctr" anchorCtr="0"/>
-          <a:lstStyle/>
-          <a:p>
-            <a:pPr algn="ctr"/>
-            <a:r>
-              <a:rPr lang="zh-CN" altLang="en-US" sz="1600" b="1">
-                <a:solidFill>
-                  <a:schemeClr val="tx1"/>
-                </a:solidFill>
-                <a:latin typeface="微软雅黑" panose="020B0503020204020204" pitchFamily="34" charset="-122"/>
-                <a:ea typeface="微软雅黑" panose="020B0503020204020204" pitchFamily="34" charset="-122"/>
-              </a:rPr>
-              <a:t>批准</a:t>
-            </a:r>
-            <a:endParaRPr lang="en-US" altLang="zh-CN" sz="1600" b="1">
-              <a:solidFill>
-                <a:schemeClr val="tx1"/>
-              </a:solidFill>
-              <a:latin typeface="微软雅黑" panose="020B0503020204020204" pitchFamily="34" charset="-122"/>
-              <a:ea typeface="微软雅黑" panose="020B0503020204020204" pitchFamily="34" charset="-122"/>
-            </a:endParaRPr>
-          </a:p>
-          <a:p>
-            <a:pPr algn="ctr"/>
-            <a:r>
-              <a:rPr lang="en-US" altLang="zh-CN" sz="1600" b="1">
-                <a:solidFill>
-                  <a:schemeClr val="tx1"/>
-                </a:solidFill>
-                <a:latin typeface="微软雅黑" panose="020B0503020204020204" pitchFamily="34" charset="-122"/>
-                <a:ea typeface="微软雅黑" panose="020B0503020204020204" pitchFamily="34" charset="-122"/>
-              </a:rPr>
-              <a:t>approve_join_temple</a:t>
-            </a:r>
-            <a:endParaRPr lang="zh-CN" altLang="en-US" sz="1600" b="1">
-              <a:solidFill>
-                <a:schemeClr val="tx1"/>
-              </a:solidFill>
-              <a:latin typeface="微软雅黑" panose="020B0503020204020204" pitchFamily="34" charset="-122"/>
-              <a:ea typeface="微软雅黑" panose="020B0503020204020204" pitchFamily="34" charset="-122"/>
-            </a:endParaRPr>
-          </a:p>
-        </p:txBody>
-      </p:sp>
+      </p:cxnSp>
       <p:sp>
         <p:nvSpPr>
-          <p:cNvPr id="34" name="矩形: 圆角 33">
-            <a:extLst>
-              <a:ext uri="{FF2B5EF4-FFF2-40B4-BE49-F238E27FC236}">
-                <a16:creationId xmlns:a16="http://schemas.microsoft.com/office/drawing/2014/main" id="{61414349-4A2C-4DF5-B7E6-B02890C28DD8}"/>
+          <p:cNvPr id="36" name="矩形: 圆角 35">
+            <a:extLst>
+              <a:ext uri="{FF2B5EF4-FFF2-40B4-BE49-F238E27FC236}">
+                <a16:creationId xmlns:a16="http://schemas.microsoft.com/office/drawing/2014/main" id="{75A7AA2D-75C0-464C-8D06-4B60815D81C4}"/>
               </a:ext>
             </a:extLst>
           </p:cNvPr>
@@ -13638,7 +13290,7 @@
         </p:nvSpPr>
         <p:spPr>
           <a:xfrm>
-            <a:off x="6817426" y="1531176"/>
+            <a:off x="7454210" y="1935254"/>
             <a:ext cx="1728000" cy="432000"/>
           </a:xfrm>
           <a:prstGeom prst="roundRect">
@@ -13684,7 +13336,7 @@
                 <a:latin typeface="微软雅黑" panose="020B0503020204020204" pitchFamily="34" charset="-122"/>
                 <a:ea typeface="微软雅黑" panose="020B0503020204020204" pitchFamily="34" charset="-122"/>
               </a:rPr>
-              <a:t>寺院法师表</a:t>
+              <a:t>寺院表</a:t>
             </a:r>
             <a:endParaRPr lang="en-US" altLang="zh-CN" sz="1600" b="1">
               <a:solidFill>
@@ -13696,12 +13348,150 @@
           </a:p>
         </p:txBody>
       </p:sp>
+      <p:cxnSp>
+        <p:nvCxnSpPr>
+          <p:cNvPr id="39" name="直接箭头连接符 38">
+            <a:extLst>
+              <a:ext uri="{FF2B5EF4-FFF2-40B4-BE49-F238E27FC236}">
+                <a16:creationId xmlns:a16="http://schemas.microsoft.com/office/drawing/2014/main" id="{7C11B197-AA20-4AEC-9767-6C6D6C20E3EE}"/>
+              </a:ext>
+            </a:extLst>
+          </p:cNvPr>
+          <p:cNvCxnSpPr>
+            <a:cxnSpLocks/>
+            <a:stCxn id="61" idx="3"/>
+            <a:endCxn id="101" idx="1"/>
+          </p:cNvCxnSpPr>
+          <p:nvPr/>
+        </p:nvCxnSpPr>
+        <p:spPr>
+          <a:xfrm>
+            <a:off x="1790743" y="3682510"/>
+            <a:ext cx="1759237" cy="0"/>
+          </a:xfrm>
+          <a:prstGeom prst="straightConnector1">
+            <a:avLst/>
+          </a:prstGeom>
+          <a:ln w="31750">
+            <a:solidFill>
+              <a:schemeClr val="tx1"/>
+            </a:solidFill>
+            <a:tailEnd type="triangle"/>
+          </a:ln>
+        </p:spPr>
+        <p:style>
+          <a:lnRef idx="1">
+            <a:schemeClr val="accent1"/>
+          </a:lnRef>
+          <a:fillRef idx="0">
+            <a:schemeClr val="accent1"/>
+          </a:fillRef>
+          <a:effectRef idx="0">
+            <a:schemeClr val="accent1"/>
+          </a:effectRef>
+          <a:fontRef idx="minor">
+            <a:schemeClr val="tx1"/>
+          </a:fontRef>
+        </p:style>
+      </p:cxnSp>
+      <p:cxnSp>
+        <p:nvCxnSpPr>
+          <p:cNvPr id="42" name="直接箭头连接符 41">
+            <a:extLst>
+              <a:ext uri="{FF2B5EF4-FFF2-40B4-BE49-F238E27FC236}">
+                <a16:creationId xmlns:a16="http://schemas.microsoft.com/office/drawing/2014/main" id="{50A0194E-75A8-4602-A77E-12AF60A97D8E}"/>
+              </a:ext>
+            </a:extLst>
+          </p:cNvPr>
+          <p:cNvCxnSpPr>
+            <a:cxnSpLocks/>
+            <a:stCxn id="47" idx="3"/>
+            <a:endCxn id="49" idx="1"/>
+          </p:cNvCxnSpPr>
+          <p:nvPr/>
+        </p:nvCxnSpPr>
+        <p:spPr>
+          <a:xfrm>
+            <a:off x="1790743" y="4853241"/>
+            <a:ext cx="1759237" cy="0"/>
+          </a:xfrm>
+          <a:prstGeom prst="straightConnector1">
+            <a:avLst/>
+          </a:prstGeom>
+          <a:ln w="31750">
+            <a:solidFill>
+              <a:schemeClr val="tx1"/>
+            </a:solidFill>
+            <a:tailEnd type="triangle"/>
+          </a:ln>
+        </p:spPr>
+        <p:style>
+          <a:lnRef idx="1">
+            <a:schemeClr val="accent1"/>
+          </a:lnRef>
+          <a:fillRef idx="0">
+            <a:schemeClr val="accent1"/>
+          </a:fillRef>
+          <a:effectRef idx="0">
+            <a:schemeClr val="accent1"/>
+          </a:effectRef>
+          <a:fontRef idx="minor">
+            <a:schemeClr val="tx1"/>
+          </a:fontRef>
+        </p:style>
+      </p:cxnSp>
+      <p:cxnSp>
+        <p:nvCxnSpPr>
+          <p:cNvPr id="45" name="直接箭头连接符 44">
+            <a:extLst>
+              <a:ext uri="{FF2B5EF4-FFF2-40B4-BE49-F238E27FC236}">
+                <a16:creationId xmlns:a16="http://schemas.microsoft.com/office/drawing/2014/main" id="{2BAF5D67-B7D9-452A-9220-72C5BE5702FB}"/>
+              </a:ext>
+            </a:extLst>
+          </p:cNvPr>
+          <p:cNvCxnSpPr>
+            <a:cxnSpLocks/>
+            <a:stCxn id="89" idx="3"/>
+            <a:endCxn id="106" idx="1"/>
+          </p:cNvCxnSpPr>
+          <p:nvPr/>
+        </p:nvCxnSpPr>
+        <p:spPr>
+          <a:xfrm>
+            <a:off x="1790743" y="6230355"/>
+            <a:ext cx="1759237" cy="0"/>
+          </a:xfrm>
+          <a:prstGeom prst="straightConnector1">
+            <a:avLst/>
+          </a:prstGeom>
+          <a:ln w="31750">
+            <a:solidFill>
+              <a:schemeClr val="tx1"/>
+            </a:solidFill>
+            <a:tailEnd type="triangle"/>
+          </a:ln>
+        </p:spPr>
+        <p:style>
+          <a:lnRef idx="1">
+            <a:schemeClr val="accent1"/>
+          </a:lnRef>
+          <a:fillRef idx="0">
+            <a:schemeClr val="accent1"/>
+          </a:fillRef>
+          <a:effectRef idx="0">
+            <a:schemeClr val="accent1"/>
+          </a:effectRef>
+          <a:fontRef idx="minor">
+            <a:schemeClr val="tx1"/>
+          </a:fontRef>
+        </p:style>
+      </p:cxnSp>
       <p:sp>
         <p:nvSpPr>
-          <p:cNvPr id="35" name="矩形: 圆角 34">
-            <a:extLst>
-              <a:ext uri="{FF2B5EF4-FFF2-40B4-BE49-F238E27FC236}">
-                <a16:creationId xmlns:a16="http://schemas.microsoft.com/office/drawing/2014/main" id="{00B9B42D-DD55-4D05-B27F-ED1B55B21E25}"/>
+          <p:cNvPr id="50" name="矩形: 圆角 49">
+            <a:extLst>
+              <a:ext uri="{FF2B5EF4-FFF2-40B4-BE49-F238E27FC236}">
+                <a16:creationId xmlns:a16="http://schemas.microsoft.com/office/drawing/2014/main" id="{B820FC32-532B-4C2E-BF5E-DCE5F9481DF6}"/>
               </a:ext>
             </a:extLst>
           </p:cNvPr>
@@ -13710,7 +13500,7 @@
         </p:nvSpPr>
         <p:spPr>
           <a:xfrm>
-            <a:off x="6817426" y="2669943"/>
+            <a:off x="7454210" y="3466510"/>
             <a:ext cx="1728000" cy="432000"/>
           </a:xfrm>
           <a:prstGeom prst="roundRect">
@@ -13756,7 +13546,7 @@
                 <a:latin typeface="微软雅黑" panose="020B0503020204020204" pitchFamily="34" charset="-122"/>
                 <a:ea typeface="微软雅黑" panose="020B0503020204020204" pitchFamily="34" charset="-122"/>
               </a:rPr>
-              <a:t>寺院法师表</a:t>
+              <a:t>寺院表</a:t>
             </a:r>
             <a:endParaRPr lang="en-US" altLang="zh-CN" sz="1600" b="1">
               <a:solidFill>
@@ -13770,10 +13560,10 @@
       </p:sp>
       <p:sp>
         <p:nvSpPr>
-          <p:cNvPr id="36" name="矩形: 圆角 35">
-            <a:extLst>
-              <a:ext uri="{FF2B5EF4-FFF2-40B4-BE49-F238E27FC236}">
-                <a16:creationId xmlns:a16="http://schemas.microsoft.com/office/drawing/2014/main" id="{B20C13A2-1747-4E78-BBD1-54C7D969EDCF}"/>
+          <p:cNvPr id="52" name="矩形: 圆角 51">
+            <a:extLst>
+              <a:ext uri="{FF2B5EF4-FFF2-40B4-BE49-F238E27FC236}">
+                <a16:creationId xmlns:a16="http://schemas.microsoft.com/office/drawing/2014/main" id="{09B1FE03-E64E-4975-AADD-F71CB563007F}"/>
               </a:ext>
             </a:extLst>
           </p:cNvPr>
@@ -13782,7 +13572,7 @@
         </p:nvSpPr>
         <p:spPr>
           <a:xfrm>
-            <a:off x="6817426" y="4692524"/>
+            <a:off x="7454210" y="4637241"/>
             <a:ext cx="1728000" cy="432000"/>
           </a:xfrm>
           <a:prstGeom prst="roundRect">
@@ -13828,7 +13618,7 @@
                 <a:latin typeface="微软雅黑" panose="020B0503020204020204" pitchFamily="34" charset="-122"/>
                 <a:ea typeface="微软雅黑" panose="020B0503020204020204" pitchFamily="34" charset="-122"/>
               </a:rPr>
-              <a:t>寺院法师表</a:t>
+              <a:t>寺院表</a:t>
             </a:r>
             <a:endParaRPr lang="en-US" altLang="zh-CN" sz="1600" b="1">
               <a:solidFill>
@@ -13842,10 +13632,10 @@
       </p:sp>
       <p:sp>
         <p:nvSpPr>
-          <p:cNvPr id="37" name="矩形: 圆角 36">
-            <a:extLst>
-              <a:ext uri="{FF2B5EF4-FFF2-40B4-BE49-F238E27FC236}">
-                <a16:creationId xmlns:a16="http://schemas.microsoft.com/office/drawing/2014/main" id="{0A760762-05F3-4F6D-9E83-4C7C882AC2ED}"/>
+          <p:cNvPr id="54" name="矩形: 圆角 53">
+            <a:extLst>
+              <a:ext uri="{FF2B5EF4-FFF2-40B4-BE49-F238E27FC236}">
+                <a16:creationId xmlns:a16="http://schemas.microsoft.com/office/drawing/2014/main" id="{C9507054-03B8-437F-8382-358441382F62}"/>
               </a:ext>
             </a:extLst>
           </p:cNvPr>
@@ -13854,7 +13644,7 @@
         </p:nvSpPr>
         <p:spPr>
           <a:xfrm>
-            <a:off x="6817426" y="5828357"/>
+            <a:off x="7454210" y="6014355"/>
             <a:ext cx="1728000" cy="432000"/>
           </a:xfrm>
           <a:prstGeom prst="roundRect">
@@ -13900,7 +13690,7 @@
                 <a:latin typeface="微软雅黑" panose="020B0503020204020204" pitchFamily="34" charset="-122"/>
                 <a:ea typeface="微软雅黑" panose="020B0503020204020204" pitchFamily="34" charset="-122"/>
               </a:rPr>
-              <a:t>寺院法师表</a:t>
+              <a:t>身份表</a:t>
             </a:r>
             <a:endParaRPr lang="en-US" altLang="zh-CN" sz="1600" b="1">
               <a:solidFill>
@@ -13914,208 +13704,24 @@
       </p:sp>
       <p:cxnSp>
         <p:nvCxnSpPr>
-          <p:cNvPr id="42" name="直接箭头连接符 41">
-            <a:extLst>
-              <a:ext uri="{FF2B5EF4-FFF2-40B4-BE49-F238E27FC236}">
-                <a16:creationId xmlns:a16="http://schemas.microsoft.com/office/drawing/2014/main" id="{8B772CA5-09B7-4FBE-94F9-122EACCA31F2}"/>
+          <p:cNvPr id="57" name="直接箭头连接符 56">
+            <a:extLst>
+              <a:ext uri="{FF2B5EF4-FFF2-40B4-BE49-F238E27FC236}">
+                <a16:creationId xmlns:a16="http://schemas.microsoft.com/office/drawing/2014/main" id="{C094293E-A705-41CB-BEA9-46C8B5CAF913}"/>
               </a:ext>
             </a:extLst>
           </p:cNvPr>
           <p:cNvCxnSpPr>
             <a:cxnSpLocks/>
-            <a:stCxn id="48" idx="3"/>
-            <a:endCxn id="53" idx="1"/>
-          </p:cNvCxnSpPr>
-          <p:nvPr/>
-        </p:nvCxnSpPr>
-        <p:spPr>
-          <a:xfrm>
-            <a:off x="1788410" y="1747176"/>
-            <a:ext cx="1400414" cy="4164"/>
-          </a:xfrm>
-          <a:prstGeom prst="straightConnector1">
-            <a:avLst/>
-          </a:prstGeom>
-          <a:ln w="31750">
-            <a:solidFill>
-              <a:schemeClr val="tx1"/>
-            </a:solidFill>
-            <a:tailEnd type="triangle"/>
-          </a:ln>
-        </p:spPr>
-        <p:style>
-          <a:lnRef idx="1">
-            <a:schemeClr val="accent1"/>
-          </a:lnRef>
-          <a:fillRef idx="0">
-            <a:schemeClr val="accent1"/>
-          </a:fillRef>
-          <a:effectRef idx="0">
-            <a:schemeClr val="accent1"/>
-          </a:effectRef>
-          <a:fontRef idx="minor">
-            <a:schemeClr val="tx1"/>
-          </a:fontRef>
-        </p:style>
-      </p:cxnSp>
-      <p:cxnSp>
-        <p:nvCxnSpPr>
-          <p:cNvPr id="43" name="直接箭头连接符 42">
-            <a:extLst>
-              <a:ext uri="{FF2B5EF4-FFF2-40B4-BE49-F238E27FC236}">
-                <a16:creationId xmlns:a16="http://schemas.microsoft.com/office/drawing/2014/main" id="{AF09A195-5FB0-4214-AE8B-DFE163AD88B5}"/>
-              </a:ext>
-            </a:extLst>
-          </p:cNvPr>
-          <p:cNvCxnSpPr>
-            <a:cxnSpLocks/>
-            <a:stCxn id="61" idx="3"/>
-            <a:endCxn id="101" idx="1"/>
-          </p:cNvCxnSpPr>
-          <p:nvPr/>
-        </p:nvCxnSpPr>
-        <p:spPr>
-          <a:xfrm>
-            <a:off x="1788410" y="2879380"/>
-            <a:ext cx="1400414" cy="0"/>
-          </a:xfrm>
-          <a:prstGeom prst="straightConnector1">
-            <a:avLst/>
-          </a:prstGeom>
-          <a:ln w="31750">
-            <a:solidFill>
-              <a:schemeClr val="tx1"/>
-            </a:solidFill>
-            <a:tailEnd type="triangle"/>
-          </a:ln>
-        </p:spPr>
-        <p:style>
-          <a:lnRef idx="1">
-            <a:schemeClr val="accent1"/>
-          </a:lnRef>
-          <a:fillRef idx="0">
-            <a:schemeClr val="accent1"/>
-          </a:fillRef>
-          <a:effectRef idx="0">
-            <a:schemeClr val="accent1"/>
-          </a:effectRef>
-          <a:fontRef idx="minor">
-            <a:schemeClr val="tx1"/>
-          </a:fontRef>
-        </p:style>
-      </p:cxnSp>
-      <p:cxnSp>
-        <p:nvCxnSpPr>
-          <p:cNvPr id="44" name="直接箭头连接符 43">
-            <a:extLst>
-              <a:ext uri="{FF2B5EF4-FFF2-40B4-BE49-F238E27FC236}">
-                <a16:creationId xmlns:a16="http://schemas.microsoft.com/office/drawing/2014/main" id="{1DF33F20-7EAD-477D-BFB0-3785046D1A8C}"/>
-              </a:ext>
-            </a:extLst>
-          </p:cNvPr>
-          <p:cNvCxnSpPr>
-            <a:cxnSpLocks/>
-            <a:stCxn id="60" idx="3"/>
-            <a:endCxn id="62" idx="1"/>
-          </p:cNvCxnSpPr>
-          <p:nvPr/>
-        </p:nvCxnSpPr>
-        <p:spPr>
-          <a:xfrm>
-            <a:off x="1788410" y="4908229"/>
-            <a:ext cx="1400414" cy="0"/>
-          </a:xfrm>
-          <a:prstGeom prst="straightConnector1">
-            <a:avLst/>
-          </a:prstGeom>
-          <a:ln w="31750">
-            <a:solidFill>
-              <a:schemeClr val="tx1"/>
-            </a:solidFill>
-            <a:tailEnd type="triangle"/>
-          </a:ln>
-        </p:spPr>
-        <p:style>
-          <a:lnRef idx="1">
-            <a:schemeClr val="accent1"/>
-          </a:lnRef>
-          <a:fillRef idx="0">
-            <a:schemeClr val="accent1"/>
-          </a:fillRef>
-          <a:effectRef idx="0">
-            <a:schemeClr val="accent1"/>
-          </a:effectRef>
-          <a:fontRef idx="minor">
-            <a:schemeClr val="tx1"/>
-          </a:fontRef>
-        </p:style>
-      </p:cxnSp>
-      <p:cxnSp>
-        <p:nvCxnSpPr>
-          <p:cNvPr id="45" name="直接箭头连接符 44">
-            <a:extLst>
-              <a:ext uri="{FF2B5EF4-FFF2-40B4-BE49-F238E27FC236}">
-                <a16:creationId xmlns:a16="http://schemas.microsoft.com/office/drawing/2014/main" id="{454E1281-4C3B-40F3-B604-8058BEA3D040}"/>
-              </a:ext>
-            </a:extLst>
-          </p:cNvPr>
-          <p:cNvCxnSpPr>
-            <a:cxnSpLocks/>
-            <a:stCxn id="89" idx="3"/>
-            <a:endCxn id="106" idx="1"/>
-          </p:cNvCxnSpPr>
-          <p:nvPr/>
-        </p:nvCxnSpPr>
-        <p:spPr>
-          <a:xfrm>
-            <a:off x="1788410" y="6044062"/>
-            <a:ext cx="1400414" cy="0"/>
-          </a:xfrm>
-          <a:prstGeom prst="straightConnector1">
-            <a:avLst/>
-          </a:prstGeom>
-          <a:ln w="31750">
-            <a:solidFill>
-              <a:schemeClr val="tx1"/>
-            </a:solidFill>
-            <a:tailEnd type="triangle"/>
-          </a:ln>
-        </p:spPr>
-        <p:style>
-          <a:lnRef idx="1">
-            <a:schemeClr val="accent1"/>
-          </a:lnRef>
-          <a:fillRef idx="0">
-            <a:schemeClr val="accent1"/>
-          </a:fillRef>
-          <a:effectRef idx="0">
-            <a:schemeClr val="accent1"/>
-          </a:effectRef>
-          <a:fontRef idx="minor">
-            <a:schemeClr val="tx1"/>
-          </a:fontRef>
-        </p:style>
-      </p:cxnSp>
-      <p:cxnSp>
-        <p:nvCxnSpPr>
-          <p:cNvPr id="54" name="直接箭头连接符 53">
-            <a:extLst>
-              <a:ext uri="{FF2B5EF4-FFF2-40B4-BE49-F238E27FC236}">
-                <a16:creationId xmlns:a16="http://schemas.microsoft.com/office/drawing/2014/main" id="{3328B38A-3238-4C50-9210-1A1BC75EA739}"/>
-              </a:ext>
-            </a:extLst>
-          </p:cNvPr>
-          <p:cNvCxnSpPr>
-            <a:cxnSpLocks/>
-            <a:stCxn id="35" idx="1"/>
+            <a:stCxn id="50" idx="1"/>
             <a:endCxn id="101" idx="3"/>
           </p:cNvCxnSpPr>
           <p:nvPr/>
         </p:nvCxnSpPr>
         <p:spPr>
-          <a:xfrm flipH="1" flipV="1">
-            <a:off x="5420824" y="2879380"/>
-            <a:ext cx="1396602" cy="6563"/>
+          <a:xfrm flipH="1">
+            <a:off x="5565980" y="3682510"/>
+            <a:ext cx="1888230" cy="0"/>
           </a:xfrm>
           <a:prstGeom prst="straightConnector1">
             <a:avLst/>
@@ -14144,24 +13750,24 @@
       </p:cxnSp>
       <p:cxnSp>
         <p:nvCxnSpPr>
-          <p:cNvPr id="55" name="直接箭头连接符 54">
-            <a:extLst>
-              <a:ext uri="{FF2B5EF4-FFF2-40B4-BE49-F238E27FC236}">
-                <a16:creationId xmlns:a16="http://schemas.microsoft.com/office/drawing/2014/main" id="{1DDDDBC0-A09D-4A77-9BA7-3A73F716BA85}"/>
+          <p:cNvPr id="60" name="直接箭头连接符 59">
+            <a:extLst>
+              <a:ext uri="{FF2B5EF4-FFF2-40B4-BE49-F238E27FC236}">
+                <a16:creationId xmlns:a16="http://schemas.microsoft.com/office/drawing/2014/main" id="{7D59CCE1-D8D3-435B-93AA-72780D2CB287}"/>
               </a:ext>
             </a:extLst>
           </p:cNvPr>
           <p:cNvCxnSpPr>
             <a:cxnSpLocks/>
-            <a:stCxn id="37" idx="1"/>
+            <a:stCxn id="54" idx="1"/>
             <a:endCxn id="106" idx="3"/>
           </p:cNvCxnSpPr>
           <p:nvPr/>
         </p:nvCxnSpPr>
         <p:spPr>
-          <a:xfrm flipH="1" flipV="1">
-            <a:off x="5420824" y="6044062"/>
-            <a:ext cx="1396602" cy="295"/>
+          <a:xfrm flipH="1">
+            <a:off x="5565980" y="6230355"/>
+            <a:ext cx="1888230" cy="0"/>
           </a:xfrm>
           <a:prstGeom prst="straightConnector1">
             <a:avLst/>
@@ -14188,12 +13794,42 @@
           </a:fontRef>
         </p:style>
       </p:cxnSp>
+    </p:spTree>
+    <p:extLst>
+      <p:ext uri="{BB962C8B-B14F-4D97-AF65-F5344CB8AC3E}">
+        <p14:creationId xmlns:p14="http://schemas.microsoft.com/office/powerpoint/2010/main" val="299805614"/>
+      </p:ext>
+    </p:extLst>
+  </p:cSld>
+  <p:clrMapOvr>
+    <a:masterClrMapping/>
+  </p:clrMapOvr>
+</p:sld>
+</file>
+
+<file path=ppt/slides/slide16.xml><?xml version="1.0" encoding="utf-8"?>
+<p:sld xmlns:a="http://schemas.openxmlformats.org/drawingml/2006/main" xmlns:r="http://schemas.openxmlformats.org/officeDocument/2006/relationships" xmlns:p="http://schemas.openxmlformats.org/presentationml/2006/main">
+  <p:cSld>
+    <p:spTree>
+      <p:nvGrpSpPr>
+        <p:cNvPr id="1" name=""/>
+        <p:cNvGrpSpPr/>
+        <p:nvPr/>
+      </p:nvGrpSpPr>
+      <p:grpSpPr>
+        <a:xfrm>
+          <a:off x="0" y="0"/>
+          <a:ext cx="0" cy="0"/>
+          <a:chOff x="0" y="0"/>
+          <a:chExt cx="0" cy="0"/>
+        </a:xfrm>
+      </p:grpSpPr>
       <p:sp>
         <p:nvSpPr>
-          <p:cNvPr id="25" name="矩形: 圆角 24">
-            <a:extLst>
-              <a:ext uri="{FF2B5EF4-FFF2-40B4-BE49-F238E27FC236}">
-                <a16:creationId xmlns:a16="http://schemas.microsoft.com/office/drawing/2014/main" id="{95507FAF-E27A-43F5-9BF2-2035EA6A3816}"/>
+          <p:cNvPr id="53" name="矩形: 圆角 52">
+            <a:extLst>
+              <a:ext uri="{FF2B5EF4-FFF2-40B4-BE49-F238E27FC236}">
+                <a16:creationId xmlns:a16="http://schemas.microsoft.com/office/drawing/2014/main" id="{40CB1BC0-9F2F-42B0-8691-F1896B1D2EE4}"/>
               </a:ext>
             </a:extLst>
           </p:cNvPr>
@@ -14202,7 +13838,97 @@
         </p:nvSpPr>
         <p:spPr>
           <a:xfrm>
-            <a:off x="708410" y="3687584"/>
+            <a:off x="3188824" y="1427340"/>
+            <a:ext cx="2232000" cy="648000"/>
+          </a:xfrm>
+          <a:prstGeom prst="roundRect">
+            <a:avLst/>
+          </a:prstGeom>
+          <a:solidFill>
+            <a:srgbClr val="00B050"/>
+          </a:solidFill>
+          <a:ln>
+            <a:solidFill>
+              <a:schemeClr val="tx1"/>
+            </a:solidFill>
+          </a:ln>
+        </p:spPr>
+        <p:style>
+          <a:lnRef idx="2">
+            <a:schemeClr val="accent1">
+              <a:shade val="50000"/>
+            </a:schemeClr>
+          </a:lnRef>
+          <a:fillRef idx="1">
+            <a:schemeClr val="accent1"/>
+          </a:fillRef>
+          <a:effectRef idx="0">
+            <a:schemeClr val="accent1"/>
+          </a:effectRef>
+          <a:fontRef idx="minor">
+            <a:schemeClr val="lt1"/>
+          </a:fontRef>
+        </p:style>
+        <p:txBody>
+          <a:bodyPr wrap="none" lIns="36000" tIns="36000" rIns="36000" bIns="36000" rtlCol="0" anchor="ctr" anchorCtr="0"/>
+          <a:lstStyle/>
+          <a:p>
+            <a:pPr algn="ctr"/>
+            <a:r>
+              <a:rPr lang="zh-CN" altLang="en-US" sz="1600" b="1">
+                <a:solidFill>
+                  <a:schemeClr val="tx1"/>
+                </a:solidFill>
+                <a:latin typeface="微软雅黑" panose="020B0503020204020204" pitchFamily="34" charset="-122"/>
+                <a:ea typeface="微软雅黑" panose="020B0503020204020204" pitchFamily="34" charset="-122"/>
+              </a:rPr>
+              <a:t>申请</a:t>
+            </a:r>
+            <a:endParaRPr lang="en-US" altLang="zh-CN" sz="1600" b="1">
+              <a:solidFill>
+                <a:schemeClr val="tx1"/>
+              </a:solidFill>
+              <a:latin typeface="微软雅黑" panose="020B0503020204020204" pitchFamily="34" charset="-122"/>
+              <a:ea typeface="微软雅黑" panose="020B0503020204020204" pitchFamily="34" charset="-122"/>
+            </a:endParaRPr>
+          </a:p>
+          <a:p>
+            <a:pPr algn="ctr"/>
+            <a:r>
+              <a:rPr lang="en-US" altLang="zh-CN" sz="1600" b="1">
+                <a:solidFill>
+                  <a:schemeClr val="tx1"/>
+                </a:solidFill>
+                <a:latin typeface="微软雅黑" panose="020B0503020204020204" pitchFamily="34" charset="-122"/>
+                <a:ea typeface="微软雅黑" panose="020B0503020204020204" pitchFamily="34" charset="-122"/>
+              </a:rPr>
+              <a:t>apply_join_temple</a:t>
+            </a:r>
+            <a:endParaRPr lang="zh-CN" altLang="en-US" sz="1600" b="1">
+              <a:solidFill>
+                <a:schemeClr val="tx1"/>
+              </a:solidFill>
+              <a:latin typeface="微软雅黑" panose="020B0503020204020204" pitchFamily="34" charset="-122"/>
+              <a:ea typeface="微软雅黑" panose="020B0503020204020204" pitchFamily="34" charset="-122"/>
+            </a:endParaRPr>
+          </a:p>
+        </p:txBody>
+      </p:sp>
+      <p:sp>
+        <p:nvSpPr>
+          <p:cNvPr id="48" name="矩形: 圆角 47">
+            <a:extLst>
+              <a:ext uri="{FF2B5EF4-FFF2-40B4-BE49-F238E27FC236}">
+                <a16:creationId xmlns:a16="http://schemas.microsoft.com/office/drawing/2014/main" id="{EBD4EA97-5025-4DE6-B38D-69D50269EB33}"/>
+              </a:ext>
+            </a:extLst>
+          </p:cNvPr>
+          <p:cNvSpPr/>
+          <p:nvPr/>
+        </p:nvSpPr>
+        <p:spPr>
+          <a:xfrm>
+            <a:off x="708410" y="1531176"/>
             <a:ext cx="1080000" cy="432000"/>
           </a:xfrm>
           <a:prstGeom prst="roundRect">
@@ -14246,17 +13972,17 @@
                 <a:latin typeface="微软雅黑" panose="020B0503020204020204" pitchFamily="34" charset="-122"/>
                 <a:ea typeface="微软雅黑" panose="020B0503020204020204" pitchFamily="34" charset="-122"/>
               </a:rPr>
-              <a:t>寺院</a:t>
+              <a:t>法师</a:t>
             </a:r>
           </a:p>
         </p:txBody>
       </p:sp>
       <p:sp>
         <p:nvSpPr>
-          <p:cNvPr id="26" name="矩形: 圆角 25">
-            <a:extLst>
-              <a:ext uri="{FF2B5EF4-FFF2-40B4-BE49-F238E27FC236}">
-                <a16:creationId xmlns:a16="http://schemas.microsoft.com/office/drawing/2014/main" id="{EF452985-C5C8-4217-A83F-827B7899400A}"/>
+          <p:cNvPr id="61" name="矩形: 圆角 60">
+            <a:extLst>
+              <a:ext uri="{FF2B5EF4-FFF2-40B4-BE49-F238E27FC236}">
+                <a16:creationId xmlns:a16="http://schemas.microsoft.com/office/drawing/2014/main" id="{E3777F73-EAAB-43DE-8A90-6B6D895B1B1F}"/>
               </a:ext>
             </a:extLst>
           </p:cNvPr>
@@ -14265,7 +13991,70 @@
         </p:nvSpPr>
         <p:spPr>
           <a:xfrm>
-            <a:off x="3188824" y="3579584"/>
+            <a:off x="708410" y="2663380"/>
+            <a:ext cx="1080000" cy="432000"/>
+          </a:xfrm>
+          <a:prstGeom prst="roundRect">
+            <a:avLst/>
+          </a:prstGeom>
+          <a:solidFill>
+            <a:srgbClr val="00B0F0"/>
+          </a:solidFill>
+          <a:ln>
+            <a:solidFill>
+              <a:schemeClr val="tx1"/>
+            </a:solidFill>
+          </a:ln>
+        </p:spPr>
+        <p:style>
+          <a:lnRef idx="2">
+            <a:schemeClr val="accent1">
+              <a:shade val="50000"/>
+            </a:schemeClr>
+          </a:lnRef>
+          <a:fillRef idx="1">
+            <a:schemeClr val="accent1"/>
+          </a:fillRef>
+          <a:effectRef idx="0">
+            <a:schemeClr val="accent1"/>
+          </a:effectRef>
+          <a:fontRef idx="minor">
+            <a:schemeClr val="lt1"/>
+          </a:fontRef>
+        </p:style>
+        <p:txBody>
+          <a:bodyPr wrap="none" lIns="36000" tIns="36000" rIns="36000" bIns="36000" rtlCol="0" anchor="ctr" anchorCtr="0"/>
+          <a:lstStyle/>
+          <a:p>
+            <a:pPr algn="ctr"/>
+            <a:r>
+              <a:rPr lang="zh-CN" altLang="en-US" sz="1600" b="1">
+                <a:solidFill>
+                  <a:schemeClr val="tx1"/>
+                </a:solidFill>
+                <a:latin typeface="微软雅黑" panose="020B0503020204020204" pitchFamily="34" charset="-122"/>
+                <a:ea typeface="微软雅黑" panose="020B0503020204020204" pitchFamily="34" charset="-122"/>
+              </a:rPr>
+              <a:t>寺院</a:t>
+            </a:r>
+          </a:p>
+        </p:txBody>
+      </p:sp>
+      <p:sp>
+        <p:nvSpPr>
+          <p:cNvPr id="101" name="矩形: 圆角 100">
+            <a:extLst>
+              <a:ext uri="{FF2B5EF4-FFF2-40B4-BE49-F238E27FC236}">
+                <a16:creationId xmlns:a16="http://schemas.microsoft.com/office/drawing/2014/main" id="{2FD8AFDB-B92D-4C27-ABEC-799C66831DBB}"/>
+              </a:ext>
+            </a:extLst>
+          </p:cNvPr>
+          <p:cNvSpPr/>
+          <p:nvPr/>
+        </p:nvSpPr>
+        <p:spPr>
+          <a:xfrm>
+            <a:off x="3188824" y="2555380"/>
             <a:ext cx="2232000" cy="648000"/>
           </a:xfrm>
           <a:prstGeom prst="roundRect">
@@ -14329,7 +14118,7 @@
                 <a:latin typeface="微软雅黑" panose="020B0503020204020204" pitchFamily="34" charset="-122"/>
                 <a:ea typeface="微软雅黑" panose="020B0503020204020204" pitchFamily="34" charset="-122"/>
               </a:rPr>
-              <a:t>list_my_master</a:t>
+              <a:t>list_temple_master</a:t>
             </a:r>
             <a:endParaRPr lang="zh-CN" altLang="en-US" sz="1600" b="1">
               <a:solidFill>
@@ -14341,12 +14130,104 @@
           </a:p>
         </p:txBody>
       </p:sp>
+      <p:cxnSp>
+        <p:nvCxnSpPr>
+          <p:cNvPr id="111" name="直接箭头连接符 110">
+            <a:extLst>
+              <a:ext uri="{FF2B5EF4-FFF2-40B4-BE49-F238E27FC236}">
+                <a16:creationId xmlns:a16="http://schemas.microsoft.com/office/drawing/2014/main" id="{E503A773-633A-4D3C-8724-1D424425A2E9}"/>
+              </a:ext>
+            </a:extLst>
+          </p:cNvPr>
+          <p:cNvCxnSpPr>
+            <a:cxnSpLocks/>
+            <a:stCxn id="62" idx="3"/>
+            <a:endCxn id="36" idx="1"/>
+          </p:cNvCxnSpPr>
+          <p:nvPr/>
+        </p:nvCxnSpPr>
+        <p:spPr>
+          <a:xfrm>
+            <a:off x="5420824" y="4908229"/>
+            <a:ext cx="1396602" cy="295"/>
+          </a:xfrm>
+          <a:prstGeom prst="straightConnector1">
+            <a:avLst/>
+          </a:prstGeom>
+          <a:ln w="57150">
+            <a:solidFill>
+              <a:srgbClr val="FFC000"/>
+            </a:solidFill>
+            <a:tailEnd type="triangle"/>
+          </a:ln>
+        </p:spPr>
+        <p:style>
+          <a:lnRef idx="1">
+            <a:schemeClr val="accent1"/>
+          </a:lnRef>
+          <a:fillRef idx="0">
+            <a:schemeClr val="accent1"/>
+          </a:fillRef>
+          <a:effectRef idx="0">
+            <a:schemeClr val="accent1"/>
+          </a:effectRef>
+          <a:fontRef idx="minor">
+            <a:schemeClr val="tx1"/>
+          </a:fontRef>
+        </p:style>
+      </p:cxnSp>
+      <p:cxnSp>
+        <p:nvCxnSpPr>
+          <p:cNvPr id="112" name="直接箭头连接符 111">
+            <a:extLst>
+              <a:ext uri="{FF2B5EF4-FFF2-40B4-BE49-F238E27FC236}">
+                <a16:creationId xmlns:a16="http://schemas.microsoft.com/office/drawing/2014/main" id="{769CDA3F-50AD-4BDB-9B81-EAEAFEAC2A92}"/>
+              </a:ext>
+            </a:extLst>
+          </p:cNvPr>
+          <p:cNvCxnSpPr>
+            <a:cxnSpLocks/>
+            <a:stCxn id="53" idx="3"/>
+            <a:endCxn id="34" idx="1"/>
+          </p:cNvCxnSpPr>
+          <p:nvPr/>
+        </p:nvCxnSpPr>
+        <p:spPr>
+          <a:xfrm flipV="1">
+            <a:off x="5420824" y="1747176"/>
+            <a:ext cx="1396602" cy="4164"/>
+          </a:xfrm>
+          <a:prstGeom prst="straightConnector1">
+            <a:avLst/>
+          </a:prstGeom>
+          <a:ln w="57150">
+            <a:solidFill>
+              <a:srgbClr val="FFC000"/>
+            </a:solidFill>
+            <a:tailEnd type="triangle"/>
+          </a:ln>
+        </p:spPr>
+        <p:style>
+          <a:lnRef idx="1">
+            <a:schemeClr val="accent1"/>
+          </a:lnRef>
+          <a:fillRef idx="0">
+            <a:schemeClr val="accent1"/>
+          </a:fillRef>
+          <a:effectRef idx="0">
+            <a:schemeClr val="accent1"/>
+          </a:effectRef>
+          <a:fontRef idx="minor">
+            <a:schemeClr val="tx1"/>
+          </a:fontRef>
+        </p:style>
+      </p:cxnSp>
       <p:sp>
         <p:nvSpPr>
-          <p:cNvPr id="27" name="矩形: 圆角 26">
-            <a:extLst>
-              <a:ext uri="{FF2B5EF4-FFF2-40B4-BE49-F238E27FC236}">
-                <a16:creationId xmlns:a16="http://schemas.microsoft.com/office/drawing/2014/main" id="{9D9203BA-E1F9-4980-A581-56673D8036B1}"/>
+          <p:cNvPr id="89" name="矩形: 圆角 88">
+            <a:extLst>
+              <a:ext uri="{FF2B5EF4-FFF2-40B4-BE49-F238E27FC236}">
+                <a16:creationId xmlns:a16="http://schemas.microsoft.com/office/drawing/2014/main" id="{BCB76878-D819-48AC-AEB8-9F028A450BD7}"/>
               </a:ext>
             </a:extLst>
           </p:cNvPr>
@@ -14355,7 +14236,452 @@
         </p:nvSpPr>
         <p:spPr>
           <a:xfrm>
-            <a:off x="6817426" y="3694147"/>
+            <a:off x="708410" y="5828062"/>
+            <a:ext cx="1080000" cy="432000"/>
+          </a:xfrm>
+          <a:prstGeom prst="roundRect">
+            <a:avLst/>
+          </a:prstGeom>
+          <a:solidFill>
+            <a:srgbClr val="00B0F0"/>
+          </a:solidFill>
+          <a:ln>
+            <a:solidFill>
+              <a:schemeClr val="tx1"/>
+            </a:solidFill>
+          </a:ln>
+        </p:spPr>
+        <p:style>
+          <a:lnRef idx="2">
+            <a:schemeClr val="accent1">
+              <a:shade val="50000"/>
+            </a:schemeClr>
+          </a:lnRef>
+          <a:fillRef idx="1">
+            <a:schemeClr val="accent1"/>
+          </a:fillRef>
+          <a:effectRef idx="0">
+            <a:schemeClr val="accent1"/>
+          </a:effectRef>
+          <a:fontRef idx="minor">
+            <a:schemeClr val="lt1"/>
+          </a:fontRef>
+        </p:style>
+        <p:txBody>
+          <a:bodyPr wrap="none" lIns="36000" tIns="36000" rIns="36000" bIns="36000" rtlCol="0" anchor="ctr" anchorCtr="0"/>
+          <a:lstStyle/>
+          <a:p>
+            <a:pPr algn="ctr"/>
+            <a:r>
+              <a:rPr lang="zh-CN" altLang="en-US" sz="1600" b="1">
+                <a:solidFill>
+                  <a:schemeClr val="tx1"/>
+                </a:solidFill>
+                <a:latin typeface="微软雅黑" panose="020B0503020204020204" pitchFamily="34" charset="-122"/>
+                <a:ea typeface="微软雅黑" panose="020B0503020204020204" pitchFamily="34" charset="-122"/>
+              </a:rPr>
+              <a:t>申请者</a:t>
+            </a:r>
+          </a:p>
+        </p:txBody>
+      </p:sp>
+      <p:sp>
+        <p:nvSpPr>
+          <p:cNvPr id="106" name="矩形: 圆角 105">
+            <a:extLst>
+              <a:ext uri="{FF2B5EF4-FFF2-40B4-BE49-F238E27FC236}">
+                <a16:creationId xmlns:a16="http://schemas.microsoft.com/office/drawing/2014/main" id="{23A35783-45F3-492D-B983-D833D276F213}"/>
+              </a:ext>
+            </a:extLst>
+          </p:cNvPr>
+          <p:cNvSpPr/>
+          <p:nvPr/>
+        </p:nvSpPr>
+        <p:spPr>
+          <a:xfrm>
+            <a:off x="3188824" y="5720062"/>
+            <a:ext cx="2232000" cy="648000"/>
+          </a:xfrm>
+          <a:prstGeom prst="roundRect">
+            <a:avLst/>
+          </a:prstGeom>
+          <a:solidFill>
+            <a:srgbClr val="00B050"/>
+          </a:solidFill>
+          <a:ln>
+            <a:solidFill>
+              <a:schemeClr val="tx1"/>
+            </a:solidFill>
+          </a:ln>
+        </p:spPr>
+        <p:style>
+          <a:lnRef idx="2">
+            <a:schemeClr val="accent1">
+              <a:shade val="50000"/>
+            </a:schemeClr>
+          </a:lnRef>
+          <a:fillRef idx="1">
+            <a:schemeClr val="accent1"/>
+          </a:fillRef>
+          <a:effectRef idx="0">
+            <a:schemeClr val="accent1"/>
+          </a:effectRef>
+          <a:fontRef idx="minor">
+            <a:schemeClr val="lt1"/>
+          </a:fontRef>
+        </p:style>
+        <p:txBody>
+          <a:bodyPr wrap="none" lIns="36000" tIns="36000" rIns="36000" bIns="36000" rtlCol="0" anchor="ctr" anchorCtr="0"/>
+          <a:lstStyle/>
+          <a:p>
+            <a:pPr algn="ctr"/>
+            <a:r>
+              <a:rPr lang="zh-CN" altLang="en-US" sz="1600" b="1">
+                <a:solidFill>
+                  <a:schemeClr val="tx1"/>
+                </a:solidFill>
+                <a:latin typeface="微软雅黑" panose="020B0503020204020204" pitchFamily="34" charset="-122"/>
+                <a:ea typeface="微软雅黑" panose="020B0503020204020204" pitchFamily="34" charset="-122"/>
+              </a:rPr>
+              <a:t>判断身份</a:t>
+            </a:r>
+            <a:endParaRPr lang="en-US" altLang="zh-CN" sz="1600" b="1">
+              <a:solidFill>
+                <a:schemeClr val="tx1"/>
+              </a:solidFill>
+              <a:latin typeface="微软雅黑" panose="020B0503020204020204" pitchFamily="34" charset="-122"/>
+              <a:ea typeface="微软雅黑" panose="020B0503020204020204" pitchFamily="34" charset="-122"/>
+            </a:endParaRPr>
+          </a:p>
+          <a:p>
+            <a:pPr algn="ctr"/>
+            <a:r>
+              <a:rPr lang="en-US" altLang="zh-CN" sz="1600" b="1">
+                <a:solidFill>
+                  <a:schemeClr val="tx1"/>
+                </a:solidFill>
+                <a:latin typeface="微软雅黑" panose="020B0503020204020204" pitchFamily="34" charset="-122"/>
+                <a:ea typeface="微软雅黑" panose="020B0503020204020204" pitchFamily="34" charset="-122"/>
+              </a:rPr>
+              <a:t>is_in_temple</a:t>
+            </a:r>
+            <a:endParaRPr lang="zh-CN" altLang="en-US" sz="1600" b="1">
+              <a:solidFill>
+                <a:schemeClr val="tx1"/>
+              </a:solidFill>
+              <a:latin typeface="微软雅黑" panose="020B0503020204020204" pitchFamily="34" charset="-122"/>
+              <a:ea typeface="微软雅黑" panose="020B0503020204020204" pitchFamily="34" charset="-122"/>
+            </a:endParaRPr>
+          </a:p>
+        </p:txBody>
+      </p:sp>
+      <p:cxnSp>
+        <p:nvCxnSpPr>
+          <p:cNvPr id="239" name="直接连接符 238">
+            <a:extLst>
+              <a:ext uri="{FF2B5EF4-FFF2-40B4-BE49-F238E27FC236}">
+                <a16:creationId xmlns:a16="http://schemas.microsoft.com/office/drawing/2014/main" id="{05CC9636-A076-48A7-9A94-4E0212BA0C59}"/>
+              </a:ext>
+            </a:extLst>
+          </p:cNvPr>
+          <p:cNvCxnSpPr>
+            <a:cxnSpLocks/>
+          </p:cNvCxnSpPr>
+          <p:nvPr/>
+        </p:nvCxnSpPr>
+        <p:spPr>
+          <a:xfrm flipH="1">
+            <a:off x="433388" y="866051"/>
+            <a:ext cx="11325225" cy="1"/>
+          </a:xfrm>
+          <a:prstGeom prst="line">
+            <a:avLst/>
+          </a:prstGeom>
+          <a:ln w="19050">
+            <a:solidFill>
+              <a:srgbClr val="00576E"/>
+            </a:solidFill>
+          </a:ln>
+          <a:effectLst>
+            <a:outerShdw blurRad="50800" dist="12700" dir="5400000" algn="t" rotWithShape="0">
+              <a:prstClr val="black">
+                <a:alpha val="40000"/>
+              </a:prstClr>
+            </a:outerShdw>
+          </a:effectLst>
+        </p:spPr>
+        <p:style>
+          <a:lnRef idx="2">
+            <a:schemeClr val="accent1"/>
+          </a:lnRef>
+          <a:fillRef idx="0">
+            <a:schemeClr val="accent1"/>
+          </a:fillRef>
+          <a:effectRef idx="1">
+            <a:schemeClr val="accent1"/>
+          </a:effectRef>
+          <a:fontRef idx="minor">
+            <a:schemeClr val="tx1"/>
+          </a:fontRef>
+        </p:style>
+      </p:cxnSp>
+      <p:sp>
+        <p:nvSpPr>
+          <p:cNvPr id="240" name="矩形 239">
+            <a:extLst>
+              <a:ext uri="{FF2B5EF4-FFF2-40B4-BE49-F238E27FC236}">
+                <a16:creationId xmlns:a16="http://schemas.microsoft.com/office/drawing/2014/main" id="{CE6D800A-2E58-40A9-AF4D-2C92406102BA}"/>
+              </a:ext>
+            </a:extLst>
+          </p:cNvPr>
+          <p:cNvSpPr/>
+          <p:nvPr/>
+        </p:nvSpPr>
+        <p:spPr>
+          <a:xfrm>
+            <a:off x="471489" y="209549"/>
+            <a:ext cx="119062" cy="513626"/>
+          </a:xfrm>
+          <a:prstGeom prst="rect">
+            <a:avLst/>
+          </a:prstGeom>
+          <a:solidFill>
+            <a:srgbClr val="00576E"/>
+          </a:solidFill>
+        </p:spPr>
+        <p:style>
+          <a:lnRef idx="2">
+            <a:schemeClr val="accent1">
+              <a:shade val="50000"/>
+            </a:schemeClr>
+          </a:lnRef>
+          <a:fillRef idx="1">
+            <a:schemeClr val="accent1"/>
+          </a:fillRef>
+          <a:effectRef idx="0">
+            <a:schemeClr val="accent1"/>
+          </a:effectRef>
+          <a:fontRef idx="minor">
+            <a:schemeClr val="lt1"/>
+          </a:fontRef>
+        </p:style>
+        <p:txBody>
+          <a:bodyPr rtlCol="0" anchor="ctr"/>
+          <a:lstStyle/>
+          <a:p>
+            <a:pPr algn="ctr"/>
+            <a:endParaRPr lang="zh-CN" altLang="en-US">
+              <a:latin typeface="Consolas" panose="020B0609020204030204" pitchFamily="49" charset="0"/>
+            </a:endParaRPr>
+          </a:p>
+        </p:txBody>
+      </p:sp>
+      <p:sp>
+        <p:nvSpPr>
+          <p:cNvPr id="241" name="文本框 240">
+            <a:extLst>
+              <a:ext uri="{FF2B5EF4-FFF2-40B4-BE49-F238E27FC236}">
+                <a16:creationId xmlns:a16="http://schemas.microsoft.com/office/drawing/2014/main" id="{90ABBAE7-6707-4A6F-819E-32C1CFD4250B}"/>
+              </a:ext>
+            </a:extLst>
+          </p:cNvPr>
+          <p:cNvSpPr txBox="1"/>
+          <p:nvPr/>
+        </p:nvSpPr>
+        <p:spPr>
+          <a:xfrm>
+            <a:off x="712379" y="173975"/>
+            <a:ext cx="3467616" cy="584775"/>
+          </a:xfrm>
+          <a:prstGeom prst="rect">
+            <a:avLst/>
+          </a:prstGeom>
+          <a:noFill/>
+        </p:spPr>
+        <p:txBody>
+          <a:bodyPr wrap="none" rtlCol="0">
+            <a:spAutoFit/>
+          </a:bodyPr>
+          <a:lstStyle/>
+          <a:p>
+            <a:r>
+              <a:rPr lang="zh-CN" altLang="en-US" sz="3200" b="1">
+                <a:latin typeface="Consolas" panose="020B0609020204030204" pitchFamily="49" charset="0"/>
+                <a:ea typeface="微软雅黑" panose="020B0503020204020204" pitchFamily="34" charset="-122"/>
+              </a:rPr>
+              <a:t>法师申请加入寺院</a:t>
+            </a:r>
+          </a:p>
+        </p:txBody>
+      </p:sp>
+      <p:sp>
+        <p:nvSpPr>
+          <p:cNvPr id="60" name="矩形: 圆角 59">
+            <a:extLst>
+              <a:ext uri="{FF2B5EF4-FFF2-40B4-BE49-F238E27FC236}">
+                <a16:creationId xmlns:a16="http://schemas.microsoft.com/office/drawing/2014/main" id="{80649730-F31C-4650-9EB6-FA2C04FAE2CD}"/>
+              </a:ext>
+            </a:extLst>
+          </p:cNvPr>
+          <p:cNvSpPr/>
+          <p:nvPr/>
+        </p:nvSpPr>
+        <p:spPr>
+          <a:xfrm>
+            <a:off x="708410" y="4692229"/>
+            <a:ext cx="1080000" cy="432000"/>
+          </a:xfrm>
+          <a:prstGeom prst="roundRect">
+            <a:avLst/>
+          </a:prstGeom>
+          <a:solidFill>
+            <a:srgbClr val="00B0F0"/>
+          </a:solidFill>
+          <a:ln>
+            <a:solidFill>
+              <a:schemeClr val="tx1"/>
+            </a:solidFill>
+          </a:ln>
+        </p:spPr>
+        <p:style>
+          <a:lnRef idx="2">
+            <a:schemeClr val="accent1">
+              <a:shade val="50000"/>
+            </a:schemeClr>
+          </a:lnRef>
+          <a:fillRef idx="1">
+            <a:schemeClr val="accent1"/>
+          </a:fillRef>
+          <a:effectRef idx="0">
+            <a:schemeClr val="accent1"/>
+          </a:effectRef>
+          <a:fontRef idx="minor">
+            <a:schemeClr val="lt1"/>
+          </a:fontRef>
+        </p:style>
+        <p:txBody>
+          <a:bodyPr wrap="none" lIns="36000" tIns="36000" rIns="36000" bIns="36000" rtlCol="0" anchor="ctr" anchorCtr="0"/>
+          <a:lstStyle/>
+          <a:p>
+            <a:pPr algn="ctr"/>
+            <a:r>
+              <a:rPr lang="zh-CN" altLang="en-US" sz="1600" b="1">
+                <a:solidFill>
+                  <a:schemeClr val="tx1"/>
+                </a:solidFill>
+                <a:latin typeface="微软雅黑" panose="020B0503020204020204" pitchFamily="34" charset="-122"/>
+                <a:ea typeface="微软雅黑" panose="020B0503020204020204" pitchFamily="34" charset="-122"/>
+              </a:rPr>
+              <a:t>寺院</a:t>
+            </a:r>
+          </a:p>
+        </p:txBody>
+      </p:sp>
+      <p:sp>
+        <p:nvSpPr>
+          <p:cNvPr id="62" name="矩形: 圆角 61">
+            <a:extLst>
+              <a:ext uri="{FF2B5EF4-FFF2-40B4-BE49-F238E27FC236}">
+                <a16:creationId xmlns:a16="http://schemas.microsoft.com/office/drawing/2014/main" id="{63142F85-844B-455C-ADC6-DC9FB6E80EC5}"/>
+              </a:ext>
+            </a:extLst>
+          </p:cNvPr>
+          <p:cNvSpPr/>
+          <p:nvPr/>
+        </p:nvSpPr>
+        <p:spPr>
+          <a:xfrm>
+            <a:off x="3188824" y="4584229"/>
+            <a:ext cx="2232000" cy="648000"/>
+          </a:xfrm>
+          <a:prstGeom prst="roundRect">
+            <a:avLst/>
+          </a:prstGeom>
+          <a:solidFill>
+            <a:srgbClr val="00B050"/>
+          </a:solidFill>
+          <a:ln>
+            <a:solidFill>
+              <a:schemeClr val="tx1"/>
+            </a:solidFill>
+          </a:ln>
+        </p:spPr>
+        <p:style>
+          <a:lnRef idx="2">
+            <a:schemeClr val="accent1">
+              <a:shade val="50000"/>
+            </a:schemeClr>
+          </a:lnRef>
+          <a:fillRef idx="1">
+            <a:schemeClr val="accent1"/>
+          </a:fillRef>
+          <a:effectRef idx="0">
+            <a:schemeClr val="accent1"/>
+          </a:effectRef>
+          <a:fontRef idx="minor">
+            <a:schemeClr val="lt1"/>
+          </a:fontRef>
+        </p:style>
+        <p:txBody>
+          <a:bodyPr wrap="none" lIns="36000" tIns="36000" rIns="36000" bIns="36000" rtlCol="0" anchor="ctr" anchorCtr="0"/>
+          <a:lstStyle/>
+          <a:p>
+            <a:pPr algn="ctr"/>
+            <a:r>
+              <a:rPr lang="zh-CN" altLang="en-US" sz="1600" b="1">
+                <a:solidFill>
+                  <a:schemeClr val="tx1"/>
+                </a:solidFill>
+                <a:latin typeface="微软雅黑" panose="020B0503020204020204" pitchFamily="34" charset="-122"/>
+                <a:ea typeface="微软雅黑" panose="020B0503020204020204" pitchFamily="34" charset="-122"/>
+              </a:rPr>
+              <a:t>批准</a:t>
+            </a:r>
+            <a:endParaRPr lang="en-US" altLang="zh-CN" sz="1600" b="1">
+              <a:solidFill>
+                <a:schemeClr val="tx1"/>
+              </a:solidFill>
+              <a:latin typeface="微软雅黑" panose="020B0503020204020204" pitchFamily="34" charset="-122"/>
+              <a:ea typeface="微软雅黑" panose="020B0503020204020204" pitchFamily="34" charset="-122"/>
+            </a:endParaRPr>
+          </a:p>
+          <a:p>
+            <a:pPr algn="ctr"/>
+            <a:r>
+              <a:rPr lang="en-US" altLang="zh-CN" sz="1600" b="1">
+                <a:solidFill>
+                  <a:schemeClr val="tx1"/>
+                </a:solidFill>
+                <a:latin typeface="微软雅黑" panose="020B0503020204020204" pitchFamily="34" charset="-122"/>
+                <a:ea typeface="微软雅黑" panose="020B0503020204020204" pitchFamily="34" charset="-122"/>
+              </a:rPr>
+              <a:t>approve_join_temple</a:t>
+            </a:r>
+            <a:endParaRPr lang="zh-CN" altLang="en-US" sz="1600" b="1">
+              <a:solidFill>
+                <a:schemeClr val="tx1"/>
+              </a:solidFill>
+              <a:latin typeface="微软雅黑" panose="020B0503020204020204" pitchFamily="34" charset="-122"/>
+              <a:ea typeface="微软雅黑" panose="020B0503020204020204" pitchFamily="34" charset="-122"/>
+            </a:endParaRPr>
+          </a:p>
+        </p:txBody>
+      </p:sp>
+      <p:sp>
+        <p:nvSpPr>
+          <p:cNvPr id="34" name="矩形: 圆角 33">
+            <a:extLst>
+              <a:ext uri="{FF2B5EF4-FFF2-40B4-BE49-F238E27FC236}">
+                <a16:creationId xmlns:a16="http://schemas.microsoft.com/office/drawing/2014/main" id="{61414349-4A2C-4DF5-B7E6-B02890C28DD8}"/>
+              </a:ext>
+            </a:extLst>
+          </p:cNvPr>
+          <p:cNvSpPr/>
+          <p:nvPr/>
+        </p:nvSpPr>
+        <p:spPr>
+          <a:xfrm>
+            <a:off x="6817426" y="1531176"/>
             <a:ext cx="1728000" cy="432000"/>
           </a:xfrm>
           <a:prstGeom prst="roundRect">
@@ -14413,6 +14739,723 @@
           </a:p>
         </p:txBody>
       </p:sp>
+      <p:sp>
+        <p:nvSpPr>
+          <p:cNvPr id="35" name="矩形: 圆角 34">
+            <a:extLst>
+              <a:ext uri="{FF2B5EF4-FFF2-40B4-BE49-F238E27FC236}">
+                <a16:creationId xmlns:a16="http://schemas.microsoft.com/office/drawing/2014/main" id="{00B9B42D-DD55-4D05-B27F-ED1B55B21E25}"/>
+              </a:ext>
+            </a:extLst>
+          </p:cNvPr>
+          <p:cNvSpPr/>
+          <p:nvPr/>
+        </p:nvSpPr>
+        <p:spPr>
+          <a:xfrm>
+            <a:off x="6817426" y="2669943"/>
+            <a:ext cx="1728000" cy="432000"/>
+          </a:xfrm>
+          <a:prstGeom prst="roundRect">
+            <a:avLst/>
+          </a:prstGeom>
+          <a:solidFill>
+            <a:schemeClr val="bg1">
+              <a:lumMod val="95000"/>
+            </a:schemeClr>
+          </a:solidFill>
+          <a:ln>
+            <a:solidFill>
+              <a:schemeClr val="tx1"/>
+            </a:solidFill>
+          </a:ln>
+        </p:spPr>
+        <p:style>
+          <a:lnRef idx="2">
+            <a:schemeClr val="accent1">
+              <a:shade val="50000"/>
+            </a:schemeClr>
+          </a:lnRef>
+          <a:fillRef idx="1">
+            <a:schemeClr val="accent1"/>
+          </a:fillRef>
+          <a:effectRef idx="0">
+            <a:schemeClr val="accent1"/>
+          </a:effectRef>
+          <a:fontRef idx="minor">
+            <a:schemeClr val="lt1"/>
+          </a:fontRef>
+        </p:style>
+        <p:txBody>
+          <a:bodyPr wrap="none" lIns="36000" tIns="36000" rIns="36000" bIns="36000" rtlCol="0" anchor="ctr" anchorCtr="0"/>
+          <a:lstStyle/>
+          <a:p>
+            <a:pPr algn="ctr"/>
+            <a:r>
+              <a:rPr lang="zh-CN" altLang="en-US" sz="1600" b="1">
+                <a:solidFill>
+                  <a:schemeClr val="tx1"/>
+                </a:solidFill>
+                <a:latin typeface="微软雅黑" panose="020B0503020204020204" pitchFamily="34" charset="-122"/>
+                <a:ea typeface="微软雅黑" panose="020B0503020204020204" pitchFamily="34" charset="-122"/>
+              </a:rPr>
+              <a:t>寺院法师表</a:t>
+            </a:r>
+            <a:endParaRPr lang="en-US" altLang="zh-CN" sz="1600" b="1">
+              <a:solidFill>
+                <a:schemeClr val="tx1"/>
+              </a:solidFill>
+              <a:latin typeface="微软雅黑" panose="020B0503020204020204" pitchFamily="34" charset="-122"/>
+              <a:ea typeface="微软雅黑" panose="020B0503020204020204" pitchFamily="34" charset="-122"/>
+            </a:endParaRPr>
+          </a:p>
+        </p:txBody>
+      </p:sp>
+      <p:sp>
+        <p:nvSpPr>
+          <p:cNvPr id="36" name="矩形: 圆角 35">
+            <a:extLst>
+              <a:ext uri="{FF2B5EF4-FFF2-40B4-BE49-F238E27FC236}">
+                <a16:creationId xmlns:a16="http://schemas.microsoft.com/office/drawing/2014/main" id="{B20C13A2-1747-4E78-BBD1-54C7D969EDCF}"/>
+              </a:ext>
+            </a:extLst>
+          </p:cNvPr>
+          <p:cNvSpPr/>
+          <p:nvPr/>
+        </p:nvSpPr>
+        <p:spPr>
+          <a:xfrm>
+            <a:off x="6817426" y="4692524"/>
+            <a:ext cx="1728000" cy="432000"/>
+          </a:xfrm>
+          <a:prstGeom prst="roundRect">
+            <a:avLst/>
+          </a:prstGeom>
+          <a:solidFill>
+            <a:schemeClr val="bg1">
+              <a:lumMod val="95000"/>
+            </a:schemeClr>
+          </a:solidFill>
+          <a:ln>
+            <a:solidFill>
+              <a:schemeClr val="tx1"/>
+            </a:solidFill>
+          </a:ln>
+        </p:spPr>
+        <p:style>
+          <a:lnRef idx="2">
+            <a:schemeClr val="accent1">
+              <a:shade val="50000"/>
+            </a:schemeClr>
+          </a:lnRef>
+          <a:fillRef idx="1">
+            <a:schemeClr val="accent1"/>
+          </a:fillRef>
+          <a:effectRef idx="0">
+            <a:schemeClr val="accent1"/>
+          </a:effectRef>
+          <a:fontRef idx="minor">
+            <a:schemeClr val="lt1"/>
+          </a:fontRef>
+        </p:style>
+        <p:txBody>
+          <a:bodyPr wrap="none" lIns="36000" tIns="36000" rIns="36000" bIns="36000" rtlCol="0" anchor="ctr" anchorCtr="0"/>
+          <a:lstStyle/>
+          <a:p>
+            <a:pPr algn="ctr"/>
+            <a:r>
+              <a:rPr lang="zh-CN" altLang="en-US" sz="1600" b="1">
+                <a:solidFill>
+                  <a:schemeClr val="tx1"/>
+                </a:solidFill>
+                <a:latin typeface="微软雅黑" panose="020B0503020204020204" pitchFamily="34" charset="-122"/>
+                <a:ea typeface="微软雅黑" panose="020B0503020204020204" pitchFamily="34" charset="-122"/>
+              </a:rPr>
+              <a:t>寺院法师表</a:t>
+            </a:r>
+            <a:endParaRPr lang="en-US" altLang="zh-CN" sz="1600" b="1">
+              <a:solidFill>
+                <a:schemeClr val="tx1"/>
+              </a:solidFill>
+              <a:latin typeface="微软雅黑" panose="020B0503020204020204" pitchFamily="34" charset="-122"/>
+              <a:ea typeface="微软雅黑" panose="020B0503020204020204" pitchFamily="34" charset="-122"/>
+            </a:endParaRPr>
+          </a:p>
+        </p:txBody>
+      </p:sp>
+      <p:sp>
+        <p:nvSpPr>
+          <p:cNvPr id="37" name="矩形: 圆角 36">
+            <a:extLst>
+              <a:ext uri="{FF2B5EF4-FFF2-40B4-BE49-F238E27FC236}">
+                <a16:creationId xmlns:a16="http://schemas.microsoft.com/office/drawing/2014/main" id="{0A760762-05F3-4F6D-9E83-4C7C882AC2ED}"/>
+              </a:ext>
+            </a:extLst>
+          </p:cNvPr>
+          <p:cNvSpPr/>
+          <p:nvPr/>
+        </p:nvSpPr>
+        <p:spPr>
+          <a:xfrm>
+            <a:off x="6817426" y="5828357"/>
+            <a:ext cx="1728000" cy="432000"/>
+          </a:xfrm>
+          <a:prstGeom prst="roundRect">
+            <a:avLst/>
+          </a:prstGeom>
+          <a:solidFill>
+            <a:schemeClr val="bg1">
+              <a:lumMod val="95000"/>
+            </a:schemeClr>
+          </a:solidFill>
+          <a:ln>
+            <a:solidFill>
+              <a:schemeClr val="tx1"/>
+            </a:solidFill>
+          </a:ln>
+        </p:spPr>
+        <p:style>
+          <a:lnRef idx="2">
+            <a:schemeClr val="accent1">
+              <a:shade val="50000"/>
+            </a:schemeClr>
+          </a:lnRef>
+          <a:fillRef idx="1">
+            <a:schemeClr val="accent1"/>
+          </a:fillRef>
+          <a:effectRef idx="0">
+            <a:schemeClr val="accent1"/>
+          </a:effectRef>
+          <a:fontRef idx="minor">
+            <a:schemeClr val="lt1"/>
+          </a:fontRef>
+        </p:style>
+        <p:txBody>
+          <a:bodyPr wrap="none" lIns="36000" tIns="36000" rIns="36000" bIns="36000" rtlCol="0" anchor="ctr" anchorCtr="0"/>
+          <a:lstStyle/>
+          <a:p>
+            <a:pPr algn="ctr"/>
+            <a:r>
+              <a:rPr lang="zh-CN" altLang="en-US" sz="1600" b="1">
+                <a:solidFill>
+                  <a:schemeClr val="tx1"/>
+                </a:solidFill>
+                <a:latin typeface="微软雅黑" panose="020B0503020204020204" pitchFamily="34" charset="-122"/>
+                <a:ea typeface="微软雅黑" panose="020B0503020204020204" pitchFamily="34" charset="-122"/>
+              </a:rPr>
+              <a:t>寺院法师表</a:t>
+            </a:r>
+            <a:endParaRPr lang="en-US" altLang="zh-CN" sz="1600" b="1">
+              <a:solidFill>
+                <a:schemeClr val="tx1"/>
+              </a:solidFill>
+              <a:latin typeface="微软雅黑" panose="020B0503020204020204" pitchFamily="34" charset="-122"/>
+              <a:ea typeface="微软雅黑" panose="020B0503020204020204" pitchFamily="34" charset="-122"/>
+            </a:endParaRPr>
+          </a:p>
+        </p:txBody>
+      </p:sp>
+      <p:cxnSp>
+        <p:nvCxnSpPr>
+          <p:cNvPr id="42" name="直接箭头连接符 41">
+            <a:extLst>
+              <a:ext uri="{FF2B5EF4-FFF2-40B4-BE49-F238E27FC236}">
+                <a16:creationId xmlns:a16="http://schemas.microsoft.com/office/drawing/2014/main" id="{8B772CA5-09B7-4FBE-94F9-122EACCA31F2}"/>
+              </a:ext>
+            </a:extLst>
+          </p:cNvPr>
+          <p:cNvCxnSpPr>
+            <a:cxnSpLocks/>
+            <a:stCxn id="48" idx="3"/>
+            <a:endCxn id="53" idx="1"/>
+          </p:cNvCxnSpPr>
+          <p:nvPr/>
+        </p:nvCxnSpPr>
+        <p:spPr>
+          <a:xfrm>
+            <a:off x="1788410" y="1747176"/>
+            <a:ext cx="1400414" cy="4164"/>
+          </a:xfrm>
+          <a:prstGeom prst="straightConnector1">
+            <a:avLst/>
+          </a:prstGeom>
+          <a:ln w="31750">
+            <a:solidFill>
+              <a:schemeClr val="tx1"/>
+            </a:solidFill>
+            <a:tailEnd type="triangle"/>
+          </a:ln>
+        </p:spPr>
+        <p:style>
+          <a:lnRef idx="1">
+            <a:schemeClr val="accent1"/>
+          </a:lnRef>
+          <a:fillRef idx="0">
+            <a:schemeClr val="accent1"/>
+          </a:fillRef>
+          <a:effectRef idx="0">
+            <a:schemeClr val="accent1"/>
+          </a:effectRef>
+          <a:fontRef idx="minor">
+            <a:schemeClr val="tx1"/>
+          </a:fontRef>
+        </p:style>
+      </p:cxnSp>
+      <p:cxnSp>
+        <p:nvCxnSpPr>
+          <p:cNvPr id="43" name="直接箭头连接符 42">
+            <a:extLst>
+              <a:ext uri="{FF2B5EF4-FFF2-40B4-BE49-F238E27FC236}">
+                <a16:creationId xmlns:a16="http://schemas.microsoft.com/office/drawing/2014/main" id="{AF09A195-5FB0-4214-AE8B-DFE163AD88B5}"/>
+              </a:ext>
+            </a:extLst>
+          </p:cNvPr>
+          <p:cNvCxnSpPr>
+            <a:cxnSpLocks/>
+            <a:stCxn id="61" idx="3"/>
+            <a:endCxn id="101" idx="1"/>
+          </p:cNvCxnSpPr>
+          <p:nvPr/>
+        </p:nvCxnSpPr>
+        <p:spPr>
+          <a:xfrm>
+            <a:off x="1788410" y="2879380"/>
+            <a:ext cx="1400414" cy="0"/>
+          </a:xfrm>
+          <a:prstGeom prst="straightConnector1">
+            <a:avLst/>
+          </a:prstGeom>
+          <a:ln w="31750">
+            <a:solidFill>
+              <a:schemeClr val="tx1"/>
+            </a:solidFill>
+            <a:tailEnd type="triangle"/>
+          </a:ln>
+        </p:spPr>
+        <p:style>
+          <a:lnRef idx="1">
+            <a:schemeClr val="accent1"/>
+          </a:lnRef>
+          <a:fillRef idx="0">
+            <a:schemeClr val="accent1"/>
+          </a:fillRef>
+          <a:effectRef idx="0">
+            <a:schemeClr val="accent1"/>
+          </a:effectRef>
+          <a:fontRef idx="minor">
+            <a:schemeClr val="tx1"/>
+          </a:fontRef>
+        </p:style>
+      </p:cxnSp>
+      <p:cxnSp>
+        <p:nvCxnSpPr>
+          <p:cNvPr id="44" name="直接箭头连接符 43">
+            <a:extLst>
+              <a:ext uri="{FF2B5EF4-FFF2-40B4-BE49-F238E27FC236}">
+                <a16:creationId xmlns:a16="http://schemas.microsoft.com/office/drawing/2014/main" id="{1DF33F20-7EAD-477D-BFB0-3785046D1A8C}"/>
+              </a:ext>
+            </a:extLst>
+          </p:cNvPr>
+          <p:cNvCxnSpPr>
+            <a:cxnSpLocks/>
+            <a:stCxn id="60" idx="3"/>
+            <a:endCxn id="62" idx="1"/>
+          </p:cNvCxnSpPr>
+          <p:nvPr/>
+        </p:nvCxnSpPr>
+        <p:spPr>
+          <a:xfrm>
+            <a:off x="1788410" y="4908229"/>
+            <a:ext cx="1400414" cy="0"/>
+          </a:xfrm>
+          <a:prstGeom prst="straightConnector1">
+            <a:avLst/>
+          </a:prstGeom>
+          <a:ln w="31750">
+            <a:solidFill>
+              <a:schemeClr val="tx1"/>
+            </a:solidFill>
+            <a:tailEnd type="triangle"/>
+          </a:ln>
+        </p:spPr>
+        <p:style>
+          <a:lnRef idx="1">
+            <a:schemeClr val="accent1"/>
+          </a:lnRef>
+          <a:fillRef idx="0">
+            <a:schemeClr val="accent1"/>
+          </a:fillRef>
+          <a:effectRef idx="0">
+            <a:schemeClr val="accent1"/>
+          </a:effectRef>
+          <a:fontRef idx="minor">
+            <a:schemeClr val="tx1"/>
+          </a:fontRef>
+        </p:style>
+      </p:cxnSp>
+      <p:cxnSp>
+        <p:nvCxnSpPr>
+          <p:cNvPr id="45" name="直接箭头连接符 44">
+            <a:extLst>
+              <a:ext uri="{FF2B5EF4-FFF2-40B4-BE49-F238E27FC236}">
+                <a16:creationId xmlns:a16="http://schemas.microsoft.com/office/drawing/2014/main" id="{454E1281-4C3B-40F3-B604-8058BEA3D040}"/>
+              </a:ext>
+            </a:extLst>
+          </p:cNvPr>
+          <p:cNvCxnSpPr>
+            <a:cxnSpLocks/>
+            <a:stCxn id="89" idx="3"/>
+            <a:endCxn id="106" idx="1"/>
+          </p:cNvCxnSpPr>
+          <p:nvPr/>
+        </p:nvCxnSpPr>
+        <p:spPr>
+          <a:xfrm>
+            <a:off x="1788410" y="6044062"/>
+            <a:ext cx="1400414" cy="0"/>
+          </a:xfrm>
+          <a:prstGeom prst="straightConnector1">
+            <a:avLst/>
+          </a:prstGeom>
+          <a:ln w="31750">
+            <a:solidFill>
+              <a:schemeClr val="tx1"/>
+            </a:solidFill>
+            <a:tailEnd type="triangle"/>
+          </a:ln>
+        </p:spPr>
+        <p:style>
+          <a:lnRef idx="1">
+            <a:schemeClr val="accent1"/>
+          </a:lnRef>
+          <a:fillRef idx="0">
+            <a:schemeClr val="accent1"/>
+          </a:fillRef>
+          <a:effectRef idx="0">
+            <a:schemeClr val="accent1"/>
+          </a:effectRef>
+          <a:fontRef idx="minor">
+            <a:schemeClr val="tx1"/>
+          </a:fontRef>
+        </p:style>
+      </p:cxnSp>
+      <p:cxnSp>
+        <p:nvCxnSpPr>
+          <p:cNvPr id="54" name="直接箭头连接符 53">
+            <a:extLst>
+              <a:ext uri="{FF2B5EF4-FFF2-40B4-BE49-F238E27FC236}">
+                <a16:creationId xmlns:a16="http://schemas.microsoft.com/office/drawing/2014/main" id="{3328B38A-3238-4C50-9210-1A1BC75EA739}"/>
+              </a:ext>
+            </a:extLst>
+          </p:cNvPr>
+          <p:cNvCxnSpPr>
+            <a:cxnSpLocks/>
+            <a:stCxn id="35" idx="1"/>
+            <a:endCxn id="101" idx="3"/>
+          </p:cNvCxnSpPr>
+          <p:nvPr/>
+        </p:nvCxnSpPr>
+        <p:spPr>
+          <a:xfrm flipH="1" flipV="1">
+            <a:off x="5420824" y="2879380"/>
+            <a:ext cx="1396602" cy="6563"/>
+          </a:xfrm>
+          <a:prstGeom prst="straightConnector1">
+            <a:avLst/>
+          </a:prstGeom>
+          <a:ln w="57150">
+            <a:solidFill>
+              <a:srgbClr val="FF0000"/>
+            </a:solidFill>
+            <a:tailEnd type="triangle"/>
+          </a:ln>
+        </p:spPr>
+        <p:style>
+          <a:lnRef idx="1">
+            <a:schemeClr val="accent1"/>
+          </a:lnRef>
+          <a:fillRef idx="0">
+            <a:schemeClr val="accent1"/>
+          </a:fillRef>
+          <a:effectRef idx="0">
+            <a:schemeClr val="accent1"/>
+          </a:effectRef>
+          <a:fontRef idx="minor">
+            <a:schemeClr val="tx1"/>
+          </a:fontRef>
+        </p:style>
+      </p:cxnSp>
+      <p:cxnSp>
+        <p:nvCxnSpPr>
+          <p:cNvPr id="55" name="直接箭头连接符 54">
+            <a:extLst>
+              <a:ext uri="{FF2B5EF4-FFF2-40B4-BE49-F238E27FC236}">
+                <a16:creationId xmlns:a16="http://schemas.microsoft.com/office/drawing/2014/main" id="{1DDDDBC0-A09D-4A77-9BA7-3A73F716BA85}"/>
+              </a:ext>
+            </a:extLst>
+          </p:cNvPr>
+          <p:cNvCxnSpPr>
+            <a:cxnSpLocks/>
+            <a:stCxn id="37" idx="1"/>
+            <a:endCxn id="106" idx="3"/>
+          </p:cNvCxnSpPr>
+          <p:nvPr/>
+        </p:nvCxnSpPr>
+        <p:spPr>
+          <a:xfrm flipH="1" flipV="1">
+            <a:off x="5420824" y="6044062"/>
+            <a:ext cx="1396602" cy="295"/>
+          </a:xfrm>
+          <a:prstGeom prst="straightConnector1">
+            <a:avLst/>
+          </a:prstGeom>
+          <a:ln w="57150">
+            <a:solidFill>
+              <a:srgbClr val="FF0000"/>
+            </a:solidFill>
+            <a:tailEnd type="triangle"/>
+          </a:ln>
+        </p:spPr>
+        <p:style>
+          <a:lnRef idx="1">
+            <a:schemeClr val="accent1"/>
+          </a:lnRef>
+          <a:fillRef idx="0">
+            <a:schemeClr val="accent1"/>
+          </a:fillRef>
+          <a:effectRef idx="0">
+            <a:schemeClr val="accent1"/>
+          </a:effectRef>
+          <a:fontRef idx="minor">
+            <a:schemeClr val="tx1"/>
+          </a:fontRef>
+        </p:style>
+      </p:cxnSp>
+      <p:sp>
+        <p:nvSpPr>
+          <p:cNvPr id="25" name="矩形: 圆角 24">
+            <a:extLst>
+              <a:ext uri="{FF2B5EF4-FFF2-40B4-BE49-F238E27FC236}">
+                <a16:creationId xmlns:a16="http://schemas.microsoft.com/office/drawing/2014/main" id="{95507FAF-E27A-43F5-9BF2-2035EA6A3816}"/>
+              </a:ext>
+            </a:extLst>
+          </p:cNvPr>
+          <p:cNvSpPr/>
+          <p:nvPr/>
+        </p:nvSpPr>
+        <p:spPr>
+          <a:xfrm>
+            <a:off x="708410" y="3687584"/>
+            <a:ext cx="1080000" cy="432000"/>
+          </a:xfrm>
+          <a:prstGeom prst="roundRect">
+            <a:avLst/>
+          </a:prstGeom>
+          <a:solidFill>
+            <a:srgbClr val="00B0F0"/>
+          </a:solidFill>
+          <a:ln>
+            <a:solidFill>
+              <a:schemeClr val="tx1"/>
+            </a:solidFill>
+          </a:ln>
+        </p:spPr>
+        <p:style>
+          <a:lnRef idx="2">
+            <a:schemeClr val="accent1">
+              <a:shade val="50000"/>
+            </a:schemeClr>
+          </a:lnRef>
+          <a:fillRef idx="1">
+            <a:schemeClr val="accent1"/>
+          </a:fillRef>
+          <a:effectRef idx="0">
+            <a:schemeClr val="accent1"/>
+          </a:effectRef>
+          <a:fontRef idx="minor">
+            <a:schemeClr val="lt1"/>
+          </a:fontRef>
+        </p:style>
+        <p:txBody>
+          <a:bodyPr wrap="none" lIns="36000" tIns="36000" rIns="36000" bIns="36000" rtlCol="0" anchor="ctr" anchorCtr="0"/>
+          <a:lstStyle/>
+          <a:p>
+            <a:pPr algn="ctr"/>
+            <a:r>
+              <a:rPr lang="zh-CN" altLang="en-US" sz="1600" b="1">
+                <a:solidFill>
+                  <a:schemeClr val="tx1"/>
+                </a:solidFill>
+                <a:latin typeface="微软雅黑" panose="020B0503020204020204" pitchFamily="34" charset="-122"/>
+                <a:ea typeface="微软雅黑" panose="020B0503020204020204" pitchFamily="34" charset="-122"/>
+              </a:rPr>
+              <a:t>寺院</a:t>
+            </a:r>
+          </a:p>
+        </p:txBody>
+      </p:sp>
+      <p:sp>
+        <p:nvSpPr>
+          <p:cNvPr id="26" name="矩形: 圆角 25">
+            <a:extLst>
+              <a:ext uri="{FF2B5EF4-FFF2-40B4-BE49-F238E27FC236}">
+                <a16:creationId xmlns:a16="http://schemas.microsoft.com/office/drawing/2014/main" id="{EF452985-C5C8-4217-A83F-827B7899400A}"/>
+              </a:ext>
+            </a:extLst>
+          </p:cNvPr>
+          <p:cNvSpPr/>
+          <p:nvPr/>
+        </p:nvSpPr>
+        <p:spPr>
+          <a:xfrm>
+            <a:off x="3188824" y="3579584"/>
+            <a:ext cx="2232000" cy="648000"/>
+          </a:xfrm>
+          <a:prstGeom prst="roundRect">
+            <a:avLst/>
+          </a:prstGeom>
+          <a:solidFill>
+            <a:srgbClr val="00B050"/>
+          </a:solidFill>
+          <a:ln>
+            <a:solidFill>
+              <a:schemeClr val="tx1"/>
+            </a:solidFill>
+          </a:ln>
+        </p:spPr>
+        <p:style>
+          <a:lnRef idx="2">
+            <a:schemeClr val="accent1">
+              <a:shade val="50000"/>
+            </a:schemeClr>
+          </a:lnRef>
+          <a:fillRef idx="1">
+            <a:schemeClr val="accent1"/>
+          </a:fillRef>
+          <a:effectRef idx="0">
+            <a:schemeClr val="accent1"/>
+          </a:effectRef>
+          <a:fontRef idx="minor">
+            <a:schemeClr val="lt1"/>
+          </a:fontRef>
+        </p:style>
+        <p:txBody>
+          <a:bodyPr wrap="none" lIns="36000" tIns="36000" rIns="36000" bIns="36000" rtlCol="0" anchor="ctr" anchorCtr="0"/>
+          <a:lstStyle/>
+          <a:p>
+            <a:pPr algn="ctr"/>
+            <a:r>
+              <a:rPr lang="zh-CN" altLang="en-US" sz="1600" b="1">
+                <a:solidFill>
+                  <a:schemeClr val="tx1"/>
+                </a:solidFill>
+                <a:latin typeface="微软雅黑" panose="020B0503020204020204" pitchFamily="34" charset="-122"/>
+                <a:ea typeface="微软雅黑" panose="020B0503020204020204" pitchFamily="34" charset="-122"/>
+              </a:rPr>
+              <a:t>查找申请</a:t>
+            </a:r>
+            <a:endParaRPr lang="en-US" altLang="zh-CN" sz="1600" b="1">
+              <a:solidFill>
+                <a:schemeClr val="tx1"/>
+              </a:solidFill>
+              <a:latin typeface="微软雅黑" panose="020B0503020204020204" pitchFamily="34" charset="-122"/>
+              <a:ea typeface="微软雅黑" panose="020B0503020204020204" pitchFamily="34" charset="-122"/>
+            </a:endParaRPr>
+          </a:p>
+          <a:p>
+            <a:pPr algn="ctr"/>
+            <a:r>
+              <a:rPr lang="en-US" altLang="zh-CN" sz="1600" b="1">
+                <a:solidFill>
+                  <a:schemeClr val="tx1"/>
+                </a:solidFill>
+                <a:latin typeface="微软雅黑" panose="020B0503020204020204" pitchFamily="34" charset="-122"/>
+                <a:ea typeface="微软雅黑" panose="020B0503020204020204" pitchFamily="34" charset="-122"/>
+              </a:rPr>
+              <a:t>list_my_master</a:t>
+            </a:r>
+            <a:endParaRPr lang="zh-CN" altLang="en-US" sz="1600" b="1">
+              <a:solidFill>
+                <a:schemeClr val="tx1"/>
+              </a:solidFill>
+              <a:latin typeface="微软雅黑" panose="020B0503020204020204" pitchFamily="34" charset="-122"/>
+              <a:ea typeface="微软雅黑" panose="020B0503020204020204" pitchFamily="34" charset="-122"/>
+            </a:endParaRPr>
+          </a:p>
+        </p:txBody>
+      </p:sp>
+      <p:sp>
+        <p:nvSpPr>
+          <p:cNvPr id="27" name="矩形: 圆角 26">
+            <a:extLst>
+              <a:ext uri="{FF2B5EF4-FFF2-40B4-BE49-F238E27FC236}">
+                <a16:creationId xmlns:a16="http://schemas.microsoft.com/office/drawing/2014/main" id="{9D9203BA-E1F9-4980-A581-56673D8036B1}"/>
+              </a:ext>
+            </a:extLst>
+          </p:cNvPr>
+          <p:cNvSpPr/>
+          <p:nvPr/>
+        </p:nvSpPr>
+        <p:spPr>
+          <a:xfrm>
+            <a:off x="6817426" y="3694147"/>
+            <a:ext cx="1728000" cy="432000"/>
+          </a:xfrm>
+          <a:prstGeom prst="roundRect">
+            <a:avLst/>
+          </a:prstGeom>
+          <a:solidFill>
+            <a:schemeClr val="bg1">
+              <a:lumMod val="95000"/>
+            </a:schemeClr>
+          </a:solidFill>
+          <a:ln>
+            <a:solidFill>
+              <a:schemeClr val="tx1"/>
+            </a:solidFill>
+          </a:ln>
+        </p:spPr>
+        <p:style>
+          <a:lnRef idx="2">
+            <a:schemeClr val="accent1">
+              <a:shade val="50000"/>
+            </a:schemeClr>
+          </a:lnRef>
+          <a:fillRef idx="1">
+            <a:schemeClr val="accent1"/>
+          </a:fillRef>
+          <a:effectRef idx="0">
+            <a:schemeClr val="accent1"/>
+          </a:effectRef>
+          <a:fontRef idx="minor">
+            <a:schemeClr val="lt1"/>
+          </a:fontRef>
+        </p:style>
+        <p:txBody>
+          <a:bodyPr wrap="none" lIns="36000" tIns="36000" rIns="36000" bIns="36000" rtlCol="0" anchor="ctr" anchorCtr="0"/>
+          <a:lstStyle/>
+          <a:p>
+            <a:pPr algn="ctr"/>
+            <a:r>
+              <a:rPr lang="zh-CN" altLang="en-US" sz="1600" b="1">
+                <a:solidFill>
+                  <a:schemeClr val="tx1"/>
+                </a:solidFill>
+                <a:latin typeface="微软雅黑" panose="020B0503020204020204" pitchFamily="34" charset="-122"/>
+                <a:ea typeface="微软雅黑" panose="020B0503020204020204" pitchFamily="34" charset="-122"/>
+              </a:rPr>
+              <a:t>寺院法师表</a:t>
+            </a:r>
+            <a:endParaRPr lang="en-US" altLang="zh-CN" sz="1600" b="1">
+              <a:solidFill>
+                <a:schemeClr val="tx1"/>
+              </a:solidFill>
+              <a:latin typeface="微软雅黑" panose="020B0503020204020204" pitchFamily="34" charset="-122"/>
+              <a:ea typeface="微软雅黑" panose="020B0503020204020204" pitchFamily="34" charset="-122"/>
+            </a:endParaRPr>
+          </a:p>
+        </p:txBody>
+      </p:sp>
       <p:cxnSp>
         <p:nvCxnSpPr>
           <p:cNvPr id="28" name="直接箭头连接符 27">
@@ -14509,6 +15552,1627 @@
     <p:extLst>
       <p:ext uri="{BB962C8B-B14F-4D97-AF65-F5344CB8AC3E}">
         <p14:creationId xmlns:p14="http://schemas.microsoft.com/office/powerpoint/2010/main" val="945851635"/>
+      </p:ext>
+    </p:extLst>
+  </p:cSld>
+  <p:clrMapOvr>
+    <a:masterClrMapping/>
+  </p:clrMapOvr>
+</p:sld>
+</file>
+
+<file path=ppt/slides/slide17.xml><?xml version="1.0" encoding="utf-8"?>
+<p:sld xmlns:a="http://schemas.openxmlformats.org/drawingml/2006/main" xmlns:r="http://schemas.openxmlformats.org/officeDocument/2006/relationships" xmlns:p="http://schemas.openxmlformats.org/presentationml/2006/main">
+  <p:cSld>
+    <p:spTree>
+      <p:nvGrpSpPr>
+        <p:cNvPr id="1" name=""/>
+        <p:cNvGrpSpPr/>
+        <p:nvPr/>
+      </p:nvGrpSpPr>
+      <p:grpSpPr>
+        <a:xfrm>
+          <a:off x="0" y="0"/>
+          <a:ext cx="0" cy="0"/>
+          <a:chOff x="0" y="0"/>
+          <a:chExt cx="0" cy="0"/>
+        </a:xfrm>
+      </p:grpSpPr>
+      <p:sp>
+        <p:nvSpPr>
+          <p:cNvPr id="53" name="矩形: 圆角 52">
+            <a:extLst>
+              <a:ext uri="{FF2B5EF4-FFF2-40B4-BE49-F238E27FC236}">
+                <a16:creationId xmlns:a16="http://schemas.microsoft.com/office/drawing/2014/main" id="{40CB1BC0-9F2F-42B0-8691-F1896B1D2EE4}"/>
+              </a:ext>
+            </a:extLst>
+          </p:cNvPr>
+          <p:cNvSpPr/>
+          <p:nvPr/>
+        </p:nvSpPr>
+        <p:spPr>
+          <a:xfrm>
+            <a:off x="3188824" y="1453561"/>
+            <a:ext cx="2232000" cy="648000"/>
+          </a:xfrm>
+          <a:prstGeom prst="roundRect">
+            <a:avLst/>
+          </a:prstGeom>
+          <a:solidFill>
+            <a:srgbClr val="00B050"/>
+          </a:solidFill>
+          <a:ln>
+            <a:solidFill>
+              <a:schemeClr val="tx1"/>
+            </a:solidFill>
+          </a:ln>
+        </p:spPr>
+        <p:style>
+          <a:lnRef idx="2">
+            <a:schemeClr val="accent1">
+              <a:shade val="50000"/>
+            </a:schemeClr>
+          </a:lnRef>
+          <a:fillRef idx="1">
+            <a:schemeClr val="accent1"/>
+          </a:fillRef>
+          <a:effectRef idx="0">
+            <a:schemeClr val="accent1"/>
+          </a:effectRef>
+          <a:fontRef idx="minor">
+            <a:schemeClr val="lt1"/>
+          </a:fontRef>
+        </p:style>
+        <p:txBody>
+          <a:bodyPr wrap="none" lIns="36000" tIns="36000" rIns="36000" bIns="36000" rtlCol="0" anchor="ctr" anchorCtr="0"/>
+          <a:lstStyle/>
+          <a:p>
+            <a:pPr algn="ctr"/>
+            <a:r>
+              <a:rPr lang="zh-CN" altLang="en-US" sz="1600" b="1">
+                <a:solidFill>
+                  <a:schemeClr val="tx1"/>
+                </a:solidFill>
+                <a:latin typeface="微软雅黑" panose="020B0503020204020204" pitchFamily="34" charset="-122"/>
+                <a:ea typeface="微软雅黑" panose="020B0503020204020204" pitchFamily="34" charset="-122"/>
+              </a:rPr>
+              <a:t>申请</a:t>
+            </a:r>
+            <a:endParaRPr lang="en-US" altLang="zh-CN" sz="1600" b="1">
+              <a:solidFill>
+                <a:schemeClr val="tx1"/>
+              </a:solidFill>
+              <a:latin typeface="微软雅黑" panose="020B0503020204020204" pitchFamily="34" charset="-122"/>
+              <a:ea typeface="微软雅黑" panose="020B0503020204020204" pitchFamily="34" charset="-122"/>
+            </a:endParaRPr>
+          </a:p>
+          <a:p>
+            <a:pPr algn="ctr"/>
+            <a:r>
+              <a:rPr lang="en-US" altLang="zh-CN" sz="1600" b="1">
+                <a:solidFill>
+                  <a:schemeClr val="tx1"/>
+                </a:solidFill>
+                <a:latin typeface="微软雅黑" panose="020B0503020204020204" pitchFamily="34" charset="-122"/>
+                <a:ea typeface="微软雅黑" panose="020B0503020204020204" pitchFamily="34" charset="-122"/>
+              </a:rPr>
+              <a:t>apply_otcb</a:t>
+            </a:r>
+            <a:endParaRPr lang="zh-CN" altLang="en-US" sz="1600" b="1">
+              <a:solidFill>
+                <a:schemeClr val="tx1"/>
+              </a:solidFill>
+              <a:latin typeface="微软雅黑" panose="020B0503020204020204" pitchFamily="34" charset="-122"/>
+              <a:ea typeface="微软雅黑" panose="020B0503020204020204" pitchFamily="34" charset="-122"/>
+            </a:endParaRPr>
+          </a:p>
+        </p:txBody>
+      </p:sp>
+      <p:cxnSp>
+        <p:nvCxnSpPr>
+          <p:cNvPr id="112" name="直接箭头连接符 111">
+            <a:extLst>
+              <a:ext uri="{FF2B5EF4-FFF2-40B4-BE49-F238E27FC236}">
+                <a16:creationId xmlns:a16="http://schemas.microsoft.com/office/drawing/2014/main" id="{769CDA3F-50AD-4BDB-9B81-EAEAFEAC2A92}"/>
+              </a:ext>
+            </a:extLst>
+          </p:cNvPr>
+          <p:cNvCxnSpPr>
+            <a:cxnSpLocks/>
+            <a:stCxn id="53" idx="3"/>
+            <a:endCxn id="34" idx="1"/>
+          </p:cNvCxnSpPr>
+          <p:nvPr/>
+        </p:nvCxnSpPr>
+        <p:spPr>
+          <a:xfrm>
+            <a:off x="5420824" y="1777561"/>
+            <a:ext cx="1396602" cy="0"/>
+          </a:xfrm>
+          <a:prstGeom prst="straightConnector1">
+            <a:avLst/>
+          </a:prstGeom>
+          <a:ln w="57150">
+            <a:solidFill>
+              <a:srgbClr val="FFC000"/>
+            </a:solidFill>
+            <a:tailEnd type="triangle"/>
+          </a:ln>
+        </p:spPr>
+        <p:style>
+          <a:lnRef idx="1">
+            <a:schemeClr val="accent1"/>
+          </a:lnRef>
+          <a:fillRef idx="0">
+            <a:schemeClr val="accent1"/>
+          </a:fillRef>
+          <a:effectRef idx="0">
+            <a:schemeClr val="accent1"/>
+          </a:effectRef>
+          <a:fontRef idx="minor">
+            <a:schemeClr val="tx1"/>
+          </a:fontRef>
+        </p:style>
+      </p:cxnSp>
+      <p:cxnSp>
+        <p:nvCxnSpPr>
+          <p:cNvPr id="239" name="直接连接符 238">
+            <a:extLst>
+              <a:ext uri="{FF2B5EF4-FFF2-40B4-BE49-F238E27FC236}">
+                <a16:creationId xmlns:a16="http://schemas.microsoft.com/office/drawing/2014/main" id="{05CC9636-A076-48A7-9A94-4E0212BA0C59}"/>
+              </a:ext>
+            </a:extLst>
+          </p:cNvPr>
+          <p:cNvCxnSpPr>
+            <a:cxnSpLocks/>
+          </p:cNvCxnSpPr>
+          <p:nvPr/>
+        </p:nvCxnSpPr>
+        <p:spPr>
+          <a:xfrm flipH="1">
+            <a:off x="433388" y="866051"/>
+            <a:ext cx="11325225" cy="1"/>
+          </a:xfrm>
+          <a:prstGeom prst="line">
+            <a:avLst/>
+          </a:prstGeom>
+          <a:ln w="19050">
+            <a:solidFill>
+              <a:srgbClr val="00576E"/>
+            </a:solidFill>
+          </a:ln>
+          <a:effectLst>
+            <a:outerShdw blurRad="50800" dist="12700" dir="5400000" algn="t" rotWithShape="0">
+              <a:prstClr val="black">
+                <a:alpha val="40000"/>
+              </a:prstClr>
+            </a:outerShdw>
+          </a:effectLst>
+        </p:spPr>
+        <p:style>
+          <a:lnRef idx="2">
+            <a:schemeClr val="accent1"/>
+          </a:lnRef>
+          <a:fillRef idx="0">
+            <a:schemeClr val="accent1"/>
+          </a:fillRef>
+          <a:effectRef idx="1">
+            <a:schemeClr val="accent1"/>
+          </a:effectRef>
+          <a:fontRef idx="minor">
+            <a:schemeClr val="tx1"/>
+          </a:fontRef>
+        </p:style>
+      </p:cxnSp>
+      <p:sp>
+        <p:nvSpPr>
+          <p:cNvPr id="240" name="矩形 239">
+            <a:extLst>
+              <a:ext uri="{FF2B5EF4-FFF2-40B4-BE49-F238E27FC236}">
+                <a16:creationId xmlns:a16="http://schemas.microsoft.com/office/drawing/2014/main" id="{CE6D800A-2E58-40A9-AF4D-2C92406102BA}"/>
+              </a:ext>
+            </a:extLst>
+          </p:cNvPr>
+          <p:cNvSpPr/>
+          <p:nvPr/>
+        </p:nvSpPr>
+        <p:spPr>
+          <a:xfrm>
+            <a:off x="471489" y="209549"/>
+            <a:ext cx="119062" cy="513626"/>
+          </a:xfrm>
+          <a:prstGeom prst="rect">
+            <a:avLst/>
+          </a:prstGeom>
+          <a:solidFill>
+            <a:srgbClr val="00576E"/>
+          </a:solidFill>
+        </p:spPr>
+        <p:style>
+          <a:lnRef idx="2">
+            <a:schemeClr val="accent1">
+              <a:shade val="50000"/>
+            </a:schemeClr>
+          </a:lnRef>
+          <a:fillRef idx="1">
+            <a:schemeClr val="accent1"/>
+          </a:fillRef>
+          <a:effectRef idx="0">
+            <a:schemeClr val="accent1"/>
+          </a:effectRef>
+          <a:fontRef idx="minor">
+            <a:schemeClr val="lt1"/>
+          </a:fontRef>
+        </p:style>
+        <p:txBody>
+          <a:bodyPr rtlCol="0" anchor="ctr"/>
+          <a:lstStyle/>
+          <a:p>
+            <a:pPr algn="ctr"/>
+            <a:endParaRPr lang="zh-CN" altLang="en-US">
+              <a:latin typeface="Consolas" panose="020B0609020204030204" pitchFamily="49" charset="0"/>
+            </a:endParaRPr>
+          </a:p>
+        </p:txBody>
+      </p:sp>
+      <p:sp>
+        <p:nvSpPr>
+          <p:cNvPr id="241" name="文本框 240">
+            <a:extLst>
+              <a:ext uri="{FF2B5EF4-FFF2-40B4-BE49-F238E27FC236}">
+                <a16:creationId xmlns:a16="http://schemas.microsoft.com/office/drawing/2014/main" id="{90ABBAE7-6707-4A6F-819E-32C1CFD4250B}"/>
+              </a:ext>
+            </a:extLst>
+          </p:cNvPr>
+          <p:cNvSpPr txBox="1"/>
+          <p:nvPr/>
+        </p:nvSpPr>
+        <p:spPr>
+          <a:xfrm>
+            <a:off x="712379" y="173975"/>
+            <a:ext cx="3324949" cy="584775"/>
+          </a:xfrm>
+          <a:prstGeom prst="rect">
+            <a:avLst/>
+          </a:prstGeom>
+          <a:noFill/>
+        </p:spPr>
+        <p:txBody>
+          <a:bodyPr wrap="none" rtlCol="0">
+            <a:spAutoFit/>
+          </a:bodyPr>
+          <a:lstStyle/>
+          <a:p>
+            <a:r>
+              <a:rPr lang="zh-CN" altLang="en-US" sz="3200" b="1">
+                <a:latin typeface="Consolas" panose="020B0609020204030204" pitchFamily="49" charset="0"/>
+                <a:ea typeface="微软雅黑" panose="020B0503020204020204" pitchFamily="34" charset="-122"/>
+              </a:rPr>
+              <a:t>申请成为</a:t>
+            </a:r>
+            <a:r>
+              <a:rPr lang="en-US" altLang="zh-CN" sz="3200" b="1">
+                <a:latin typeface="Consolas" panose="020B0609020204030204" pitchFamily="49" charset="0"/>
+                <a:ea typeface="微软雅黑" panose="020B0503020204020204" pitchFamily="34" charset="-122"/>
+              </a:rPr>
+              <a:t>OTC</a:t>
+            </a:r>
+            <a:r>
+              <a:rPr lang="zh-CN" altLang="en-US" sz="3200" b="1">
+                <a:latin typeface="Consolas" panose="020B0609020204030204" pitchFamily="49" charset="0"/>
+                <a:ea typeface="微软雅黑" panose="020B0503020204020204" pitchFamily="34" charset="-122"/>
+              </a:rPr>
+              <a:t>商家</a:t>
+            </a:r>
+          </a:p>
+        </p:txBody>
+      </p:sp>
+      <p:sp>
+        <p:nvSpPr>
+          <p:cNvPr id="34" name="矩形: 圆角 33">
+            <a:extLst>
+              <a:ext uri="{FF2B5EF4-FFF2-40B4-BE49-F238E27FC236}">
+                <a16:creationId xmlns:a16="http://schemas.microsoft.com/office/drawing/2014/main" id="{61414349-4A2C-4DF5-B7E6-B02890C28DD8}"/>
+              </a:ext>
+            </a:extLst>
+          </p:cNvPr>
+          <p:cNvSpPr/>
+          <p:nvPr/>
+        </p:nvSpPr>
+        <p:spPr>
+          <a:xfrm>
+            <a:off x="6817426" y="1561561"/>
+            <a:ext cx="1728000" cy="432000"/>
+          </a:xfrm>
+          <a:prstGeom prst="roundRect">
+            <a:avLst/>
+          </a:prstGeom>
+          <a:solidFill>
+            <a:schemeClr val="bg1">
+              <a:lumMod val="95000"/>
+            </a:schemeClr>
+          </a:solidFill>
+          <a:ln>
+            <a:solidFill>
+              <a:schemeClr val="tx1"/>
+            </a:solidFill>
+          </a:ln>
+        </p:spPr>
+        <p:style>
+          <a:lnRef idx="2">
+            <a:schemeClr val="accent1">
+              <a:shade val="50000"/>
+            </a:schemeClr>
+          </a:lnRef>
+          <a:fillRef idx="1">
+            <a:schemeClr val="accent1"/>
+          </a:fillRef>
+          <a:effectRef idx="0">
+            <a:schemeClr val="accent1"/>
+          </a:effectRef>
+          <a:fontRef idx="minor">
+            <a:schemeClr val="lt1"/>
+          </a:fontRef>
+        </p:style>
+        <p:txBody>
+          <a:bodyPr wrap="none" lIns="36000" tIns="36000" rIns="36000" bIns="36000" rtlCol="0" anchor="ctr" anchorCtr="0"/>
+          <a:lstStyle/>
+          <a:p>
+            <a:pPr algn="ctr"/>
+            <a:r>
+              <a:rPr lang="en-US" altLang="zh-CN" sz="1600" b="1">
+                <a:solidFill>
+                  <a:schemeClr val="tx1"/>
+                </a:solidFill>
+                <a:latin typeface="微软雅黑" panose="020B0503020204020204" pitchFamily="34" charset="-122"/>
+                <a:ea typeface="微软雅黑" panose="020B0503020204020204" pitchFamily="34" charset="-122"/>
+              </a:rPr>
+              <a:t>OTC</a:t>
+            </a:r>
+            <a:r>
+              <a:rPr lang="zh-CN" altLang="en-US" sz="1600" b="1">
+                <a:solidFill>
+                  <a:schemeClr val="tx1"/>
+                </a:solidFill>
+                <a:latin typeface="微软雅黑" panose="020B0503020204020204" pitchFamily="34" charset="-122"/>
+                <a:ea typeface="微软雅黑" panose="020B0503020204020204" pitchFamily="34" charset="-122"/>
+              </a:rPr>
+              <a:t>商家表</a:t>
+            </a:r>
+            <a:endParaRPr lang="en-US" altLang="zh-CN" sz="1600" b="1">
+              <a:solidFill>
+                <a:schemeClr val="tx1"/>
+              </a:solidFill>
+              <a:latin typeface="微软雅黑" panose="020B0503020204020204" pitchFamily="34" charset="-122"/>
+              <a:ea typeface="微软雅黑" panose="020B0503020204020204" pitchFamily="34" charset="-122"/>
+            </a:endParaRPr>
+          </a:p>
+        </p:txBody>
+      </p:sp>
+      <p:cxnSp>
+        <p:nvCxnSpPr>
+          <p:cNvPr id="42" name="直接箭头连接符 41">
+            <a:extLst>
+              <a:ext uri="{FF2B5EF4-FFF2-40B4-BE49-F238E27FC236}">
+                <a16:creationId xmlns:a16="http://schemas.microsoft.com/office/drawing/2014/main" id="{8B772CA5-09B7-4FBE-94F9-122EACCA31F2}"/>
+              </a:ext>
+            </a:extLst>
+          </p:cNvPr>
+          <p:cNvCxnSpPr>
+            <a:cxnSpLocks/>
+            <a:stCxn id="48" idx="3"/>
+            <a:endCxn id="53" idx="1"/>
+          </p:cNvCxnSpPr>
+          <p:nvPr/>
+        </p:nvCxnSpPr>
+        <p:spPr>
+          <a:xfrm>
+            <a:off x="1788410" y="1535459"/>
+            <a:ext cx="1400414" cy="242102"/>
+          </a:xfrm>
+          <a:prstGeom prst="straightConnector1">
+            <a:avLst/>
+          </a:prstGeom>
+          <a:ln w="31750">
+            <a:solidFill>
+              <a:schemeClr val="tx1"/>
+            </a:solidFill>
+            <a:tailEnd type="triangle"/>
+          </a:ln>
+        </p:spPr>
+        <p:style>
+          <a:lnRef idx="1">
+            <a:schemeClr val="accent1"/>
+          </a:lnRef>
+          <a:fillRef idx="0">
+            <a:schemeClr val="accent1"/>
+          </a:fillRef>
+          <a:effectRef idx="0">
+            <a:schemeClr val="accent1"/>
+          </a:effectRef>
+          <a:fontRef idx="minor">
+            <a:schemeClr val="tx1"/>
+          </a:fontRef>
+        </p:style>
+      </p:cxnSp>
+      <p:grpSp>
+        <p:nvGrpSpPr>
+          <p:cNvPr id="5" name="组合 4">
+            <a:extLst>
+              <a:ext uri="{FF2B5EF4-FFF2-40B4-BE49-F238E27FC236}">
+                <a16:creationId xmlns:a16="http://schemas.microsoft.com/office/drawing/2014/main" id="{7B7C4CCC-9C5D-4C8D-A5EE-26E65EBCB7D1}"/>
+              </a:ext>
+            </a:extLst>
+          </p:cNvPr>
+          <p:cNvGrpSpPr/>
+          <p:nvPr/>
+        </p:nvGrpSpPr>
+        <p:grpSpPr>
+          <a:xfrm>
+            <a:off x="708410" y="1319459"/>
+            <a:ext cx="1080000" cy="916205"/>
+            <a:chOff x="708410" y="1531176"/>
+            <a:chExt cx="1080000" cy="916205"/>
+          </a:xfrm>
+        </p:grpSpPr>
+        <p:sp>
+          <p:nvSpPr>
+            <p:cNvPr id="48" name="矩形: 圆角 47">
+              <a:extLst>
+                <a:ext uri="{FF2B5EF4-FFF2-40B4-BE49-F238E27FC236}">
+                  <a16:creationId xmlns:a16="http://schemas.microsoft.com/office/drawing/2014/main" id="{EBD4EA97-5025-4DE6-B38D-69D50269EB33}"/>
+                </a:ext>
+              </a:extLst>
+            </p:cNvPr>
+            <p:cNvSpPr/>
+            <p:nvPr/>
+          </p:nvSpPr>
+          <p:spPr>
+            <a:xfrm>
+              <a:off x="708410" y="1531176"/>
+              <a:ext cx="1080000" cy="432000"/>
+            </a:xfrm>
+            <a:prstGeom prst="roundRect">
+              <a:avLst/>
+            </a:prstGeom>
+            <a:solidFill>
+              <a:srgbClr val="00B0F0"/>
+            </a:solidFill>
+            <a:ln>
+              <a:solidFill>
+                <a:schemeClr val="tx1"/>
+              </a:solidFill>
+            </a:ln>
+          </p:spPr>
+          <p:style>
+            <a:lnRef idx="2">
+              <a:schemeClr val="accent1">
+                <a:shade val="50000"/>
+              </a:schemeClr>
+            </a:lnRef>
+            <a:fillRef idx="1">
+              <a:schemeClr val="accent1"/>
+            </a:fillRef>
+            <a:effectRef idx="0">
+              <a:schemeClr val="accent1"/>
+            </a:effectRef>
+            <a:fontRef idx="minor">
+              <a:schemeClr val="lt1"/>
+            </a:fontRef>
+          </p:style>
+          <p:txBody>
+            <a:bodyPr wrap="none" lIns="36000" tIns="36000" rIns="36000" bIns="36000" rtlCol="0" anchor="ctr" anchorCtr="0"/>
+            <a:lstStyle/>
+            <a:p>
+              <a:pPr algn="ctr"/>
+              <a:r>
+                <a:rPr lang="zh-CN" altLang="en-US" sz="1600" b="1">
+                  <a:solidFill>
+                    <a:schemeClr val="tx1"/>
+                  </a:solidFill>
+                  <a:latin typeface="微软雅黑" panose="020B0503020204020204" pitchFamily="34" charset="-122"/>
+                  <a:ea typeface="微软雅黑" panose="020B0503020204020204" pitchFamily="34" charset="-122"/>
+                </a:rPr>
+                <a:t>用户</a:t>
+              </a:r>
+            </a:p>
+          </p:txBody>
+        </p:sp>
+        <p:sp>
+          <p:nvSpPr>
+            <p:cNvPr id="30" name="矩形: 圆角 29">
+              <a:extLst>
+                <a:ext uri="{FF2B5EF4-FFF2-40B4-BE49-F238E27FC236}">
+                  <a16:creationId xmlns:a16="http://schemas.microsoft.com/office/drawing/2014/main" id="{B0D81C33-2A7C-4BED-86BA-1450C8B4AFC9}"/>
+                </a:ext>
+              </a:extLst>
+            </p:cNvPr>
+            <p:cNvSpPr/>
+            <p:nvPr/>
+          </p:nvSpPr>
+          <p:spPr>
+            <a:xfrm>
+              <a:off x="708410" y="2015381"/>
+              <a:ext cx="1080000" cy="432000"/>
+            </a:xfrm>
+            <a:prstGeom prst="roundRect">
+              <a:avLst/>
+            </a:prstGeom>
+            <a:solidFill>
+              <a:srgbClr val="00B0F0"/>
+            </a:solidFill>
+            <a:ln>
+              <a:solidFill>
+                <a:schemeClr val="tx1"/>
+              </a:solidFill>
+            </a:ln>
+          </p:spPr>
+          <p:style>
+            <a:lnRef idx="2">
+              <a:schemeClr val="accent1">
+                <a:shade val="50000"/>
+              </a:schemeClr>
+            </a:lnRef>
+            <a:fillRef idx="1">
+              <a:schemeClr val="accent1"/>
+            </a:fillRef>
+            <a:effectRef idx="0">
+              <a:schemeClr val="accent1"/>
+            </a:effectRef>
+            <a:fontRef idx="minor">
+              <a:schemeClr val="lt1"/>
+            </a:fontRef>
+          </p:style>
+          <p:txBody>
+            <a:bodyPr wrap="none" lIns="36000" tIns="36000" rIns="36000" bIns="36000" rtlCol="0" anchor="ctr" anchorCtr="0"/>
+            <a:lstStyle/>
+            <a:p>
+              <a:pPr algn="ctr"/>
+              <a:r>
+                <a:rPr lang="zh-CN" altLang="en-US" sz="1600" b="1">
+                  <a:solidFill>
+                    <a:schemeClr val="tx1"/>
+                  </a:solidFill>
+                  <a:latin typeface="微软雅黑" panose="020B0503020204020204" pitchFamily="34" charset="-122"/>
+                  <a:ea typeface="微软雅黑" panose="020B0503020204020204" pitchFamily="34" charset="-122"/>
+                </a:rPr>
+                <a:t>认证用户</a:t>
+              </a:r>
+            </a:p>
+          </p:txBody>
+        </p:sp>
+      </p:grpSp>
+      <p:cxnSp>
+        <p:nvCxnSpPr>
+          <p:cNvPr id="31" name="直接箭头连接符 30">
+            <a:extLst>
+              <a:ext uri="{FF2B5EF4-FFF2-40B4-BE49-F238E27FC236}">
+                <a16:creationId xmlns:a16="http://schemas.microsoft.com/office/drawing/2014/main" id="{95D7B3BA-D7B3-4D78-9842-E1470771806B}"/>
+              </a:ext>
+            </a:extLst>
+          </p:cNvPr>
+          <p:cNvCxnSpPr>
+            <a:cxnSpLocks/>
+            <a:stCxn id="30" idx="3"/>
+            <a:endCxn id="53" idx="1"/>
+          </p:cNvCxnSpPr>
+          <p:nvPr/>
+        </p:nvCxnSpPr>
+        <p:spPr>
+          <a:xfrm flipV="1">
+            <a:off x="1788410" y="1777561"/>
+            <a:ext cx="1400414" cy="242103"/>
+          </a:xfrm>
+          <a:prstGeom prst="straightConnector1">
+            <a:avLst/>
+          </a:prstGeom>
+          <a:ln w="31750">
+            <a:solidFill>
+              <a:schemeClr val="tx1"/>
+            </a:solidFill>
+            <a:tailEnd type="triangle"/>
+          </a:ln>
+        </p:spPr>
+        <p:style>
+          <a:lnRef idx="1">
+            <a:schemeClr val="accent1"/>
+          </a:lnRef>
+          <a:fillRef idx="0">
+            <a:schemeClr val="accent1"/>
+          </a:fillRef>
+          <a:effectRef idx="0">
+            <a:schemeClr val="accent1"/>
+          </a:effectRef>
+          <a:fontRef idx="minor">
+            <a:schemeClr val="tx1"/>
+          </a:fontRef>
+        </p:style>
+      </p:cxnSp>
+      <p:sp>
+        <p:nvSpPr>
+          <p:cNvPr id="38" name="矩形: 圆角 37">
+            <a:extLst>
+              <a:ext uri="{FF2B5EF4-FFF2-40B4-BE49-F238E27FC236}">
+                <a16:creationId xmlns:a16="http://schemas.microsoft.com/office/drawing/2014/main" id="{2F09E319-9AE9-4BEA-9CC9-F85155411CB8}"/>
+              </a:ext>
+            </a:extLst>
+          </p:cNvPr>
+          <p:cNvSpPr/>
+          <p:nvPr/>
+        </p:nvSpPr>
+        <p:spPr>
+          <a:xfrm>
+            <a:off x="712379" y="2758460"/>
+            <a:ext cx="1080000" cy="432000"/>
+          </a:xfrm>
+          <a:prstGeom prst="roundRect">
+            <a:avLst/>
+          </a:prstGeom>
+          <a:solidFill>
+            <a:srgbClr val="00B0F0"/>
+          </a:solidFill>
+          <a:ln>
+            <a:solidFill>
+              <a:schemeClr val="tx1"/>
+            </a:solidFill>
+          </a:ln>
+        </p:spPr>
+        <p:style>
+          <a:lnRef idx="2">
+            <a:schemeClr val="accent1">
+              <a:shade val="50000"/>
+            </a:schemeClr>
+          </a:lnRef>
+          <a:fillRef idx="1">
+            <a:schemeClr val="accent1"/>
+          </a:fillRef>
+          <a:effectRef idx="0">
+            <a:schemeClr val="accent1"/>
+          </a:effectRef>
+          <a:fontRef idx="minor">
+            <a:schemeClr val="lt1"/>
+          </a:fontRef>
+        </p:style>
+        <p:txBody>
+          <a:bodyPr wrap="none" lIns="36000" tIns="36000" rIns="36000" bIns="36000" rtlCol="0" anchor="ctr" anchorCtr="0"/>
+          <a:lstStyle/>
+          <a:p>
+            <a:pPr algn="ctr"/>
+            <a:r>
+              <a:rPr lang="zh-CN" altLang="en-US" sz="1600" b="1">
+                <a:solidFill>
+                  <a:schemeClr val="tx1"/>
+                </a:solidFill>
+                <a:latin typeface="微软雅黑" panose="020B0503020204020204" pitchFamily="34" charset="-122"/>
+                <a:ea typeface="微软雅黑" panose="020B0503020204020204" pitchFamily="34" charset="-122"/>
+              </a:rPr>
+              <a:t>基金会会员</a:t>
+            </a:r>
+          </a:p>
+        </p:txBody>
+      </p:sp>
+      <p:sp>
+        <p:nvSpPr>
+          <p:cNvPr id="39" name="矩形: 圆角 38">
+            <a:extLst>
+              <a:ext uri="{FF2B5EF4-FFF2-40B4-BE49-F238E27FC236}">
+                <a16:creationId xmlns:a16="http://schemas.microsoft.com/office/drawing/2014/main" id="{68072ECA-B3C7-4CD2-9FBE-89F321E6ABCD}"/>
+              </a:ext>
+            </a:extLst>
+          </p:cNvPr>
+          <p:cNvSpPr/>
+          <p:nvPr/>
+        </p:nvSpPr>
+        <p:spPr>
+          <a:xfrm>
+            <a:off x="3227943" y="2650460"/>
+            <a:ext cx="2016000" cy="648000"/>
+          </a:xfrm>
+          <a:prstGeom prst="roundRect">
+            <a:avLst/>
+          </a:prstGeom>
+          <a:solidFill>
+            <a:srgbClr val="00B050"/>
+          </a:solidFill>
+          <a:ln>
+            <a:solidFill>
+              <a:schemeClr val="tx1"/>
+            </a:solidFill>
+          </a:ln>
+        </p:spPr>
+        <p:style>
+          <a:lnRef idx="2">
+            <a:schemeClr val="accent1">
+              <a:shade val="50000"/>
+            </a:schemeClr>
+          </a:lnRef>
+          <a:fillRef idx="1">
+            <a:schemeClr val="accent1"/>
+          </a:fillRef>
+          <a:effectRef idx="0">
+            <a:schemeClr val="accent1"/>
+          </a:effectRef>
+          <a:fontRef idx="minor">
+            <a:schemeClr val="lt1"/>
+          </a:fontRef>
+        </p:style>
+        <p:txBody>
+          <a:bodyPr wrap="none" lIns="36000" tIns="36000" rIns="36000" bIns="36000" rtlCol="0" anchor="ctr" anchorCtr="0"/>
+          <a:lstStyle/>
+          <a:p>
+            <a:pPr algn="ctr"/>
+            <a:r>
+              <a:rPr lang="zh-CN" altLang="en-US" sz="1600" b="1">
+                <a:solidFill>
+                  <a:schemeClr val="tx1"/>
+                </a:solidFill>
+                <a:latin typeface="微软雅黑" panose="020B0503020204020204" pitchFamily="34" charset="-122"/>
+                <a:ea typeface="微软雅黑" panose="020B0503020204020204" pitchFamily="34" charset="-122"/>
+              </a:rPr>
+              <a:t>查找申请者</a:t>
+            </a:r>
+            <a:endParaRPr lang="en-US" altLang="zh-CN" sz="1600" b="1">
+              <a:solidFill>
+                <a:schemeClr val="tx1"/>
+              </a:solidFill>
+              <a:latin typeface="微软雅黑" panose="020B0503020204020204" pitchFamily="34" charset="-122"/>
+              <a:ea typeface="微软雅黑" panose="020B0503020204020204" pitchFamily="34" charset="-122"/>
+            </a:endParaRPr>
+          </a:p>
+          <a:p>
+            <a:pPr algn="ctr"/>
+            <a:r>
+              <a:rPr lang="en-US" altLang="zh-CN" sz="1600" b="1">
+                <a:solidFill>
+                  <a:schemeClr val="tx1"/>
+                </a:solidFill>
+                <a:latin typeface="微软雅黑" panose="020B0503020204020204" pitchFamily="34" charset="-122"/>
+                <a:ea typeface="微软雅黑" panose="020B0503020204020204" pitchFamily="34" charset="-122"/>
+              </a:rPr>
+              <a:t>list_otcb</a:t>
+            </a:r>
+            <a:endParaRPr lang="zh-CN" altLang="en-US" sz="1600" b="1">
+              <a:solidFill>
+                <a:schemeClr val="tx1"/>
+              </a:solidFill>
+              <a:latin typeface="微软雅黑" panose="020B0503020204020204" pitchFamily="34" charset="-122"/>
+              <a:ea typeface="微软雅黑" panose="020B0503020204020204" pitchFamily="34" charset="-122"/>
+            </a:endParaRPr>
+          </a:p>
+        </p:txBody>
+      </p:sp>
+      <p:cxnSp>
+        <p:nvCxnSpPr>
+          <p:cNvPr id="40" name="直接箭头连接符 39">
+            <a:extLst>
+              <a:ext uri="{FF2B5EF4-FFF2-40B4-BE49-F238E27FC236}">
+                <a16:creationId xmlns:a16="http://schemas.microsoft.com/office/drawing/2014/main" id="{E9765708-7DA2-43EE-B2C0-842BA4025BDA}"/>
+              </a:ext>
+            </a:extLst>
+          </p:cNvPr>
+          <p:cNvCxnSpPr>
+            <a:cxnSpLocks/>
+            <a:stCxn id="46" idx="3"/>
+            <a:endCxn id="51" idx="1"/>
+          </p:cNvCxnSpPr>
+          <p:nvPr/>
+        </p:nvCxnSpPr>
+        <p:spPr>
+          <a:xfrm>
+            <a:off x="5243943" y="4144534"/>
+            <a:ext cx="1573483" cy="515"/>
+          </a:xfrm>
+          <a:prstGeom prst="straightConnector1">
+            <a:avLst/>
+          </a:prstGeom>
+          <a:ln w="57150">
+            <a:solidFill>
+              <a:srgbClr val="FFC000"/>
+            </a:solidFill>
+            <a:tailEnd type="triangle"/>
+          </a:ln>
+        </p:spPr>
+        <p:style>
+          <a:lnRef idx="1">
+            <a:schemeClr val="accent1"/>
+          </a:lnRef>
+          <a:fillRef idx="0">
+            <a:schemeClr val="accent1"/>
+          </a:fillRef>
+          <a:effectRef idx="0">
+            <a:schemeClr val="accent1"/>
+          </a:effectRef>
+          <a:fontRef idx="minor">
+            <a:schemeClr val="tx1"/>
+          </a:fontRef>
+        </p:style>
+      </p:cxnSp>
+      <p:sp>
+        <p:nvSpPr>
+          <p:cNvPr id="41" name="矩形: 圆角 40">
+            <a:extLst>
+              <a:ext uri="{FF2B5EF4-FFF2-40B4-BE49-F238E27FC236}">
+                <a16:creationId xmlns:a16="http://schemas.microsoft.com/office/drawing/2014/main" id="{1E5DDE0A-C808-47B6-BD6E-2F9224D7737F}"/>
+              </a:ext>
+            </a:extLst>
+          </p:cNvPr>
+          <p:cNvSpPr/>
+          <p:nvPr/>
+        </p:nvSpPr>
+        <p:spPr>
+          <a:xfrm>
+            <a:off x="712379" y="3928459"/>
+            <a:ext cx="1080000" cy="432000"/>
+          </a:xfrm>
+          <a:prstGeom prst="roundRect">
+            <a:avLst/>
+          </a:prstGeom>
+          <a:solidFill>
+            <a:srgbClr val="00B0F0"/>
+          </a:solidFill>
+          <a:ln>
+            <a:solidFill>
+              <a:schemeClr val="tx1"/>
+            </a:solidFill>
+          </a:ln>
+        </p:spPr>
+        <p:style>
+          <a:lnRef idx="2">
+            <a:schemeClr val="accent1">
+              <a:shade val="50000"/>
+            </a:schemeClr>
+          </a:lnRef>
+          <a:fillRef idx="1">
+            <a:schemeClr val="accent1"/>
+          </a:fillRef>
+          <a:effectRef idx="0">
+            <a:schemeClr val="accent1"/>
+          </a:effectRef>
+          <a:fontRef idx="minor">
+            <a:schemeClr val="lt1"/>
+          </a:fontRef>
+        </p:style>
+        <p:txBody>
+          <a:bodyPr wrap="none" lIns="36000" tIns="36000" rIns="36000" bIns="36000" rtlCol="0" anchor="ctr" anchorCtr="0"/>
+          <a:lstStyle/>
+          <a:p>
+            <a:pPr algn="ctr"/>
+            <a:r>
+              <a:rPr lang="zh-CN" altLang="en-US" sz="1600" b="1">
+                <a:solidFill>
+                  <a:schemeClr val="tx1"/>
+                </a:solidFill>
+                <a:latin typeface="微软雅黑" panose="020B0503020204020204" pitchFamily="34" charset="-122"/>
+                <a:ea typeface="微软雅黑" panose="020B0503020204020204" pitchFamily="34" charset="-122"/>
+              </a:rPr>
+              <a:t>基金会会员</a:t>
+            </a:r>
+          </a:p>
+        </p:txBody>
+      </p:sp>
+      <p:sp>
+        <p:nvSpPr>
+          <p:cNvPr id="46" name="矩形: 圆角 45">
+            <a:extLst>
+              <a:ext uri="{FF2B5EF4-FFF2-40B4-BE49-F238E27FC236}">
+                <a16:creationId xmlns:a16="http://schemas.microsoft.com/office/drawing/2014/main" id="{A365A08A-368E-4C03-BC06-9D5590328340}"/>
+              </a:ext>
+            </a:extLst>
+          </p:cNvPr>
+          <p:cNvSpPr/>
+          <p:nvPr/>
+        </p:nvSpPr>
+        <p:spPr>
+          <a:xfrm>
+            <a:off x="3227943" y="3820534"/>
+            <a:ext cx="2016000" cy="648000"/>
+          </a:xfrm>
+          <a:prstGeom prst="roundRect">
+            <a:avLst/>
+          </a:prstGeom>
+          <a:solidFill>
+            <a:srgbClr val="00B050"/>
+          </a:solidFill>
+          <a:ln>
+            <a:solidFill>
+              <a:schemeClr val="tx1"/>
+            </a:solidFill>
+          </a:ln>
+        </p:spPr>
+        <p:style>
+          <a:lnRef idx="2">
+            <a:schemeClr val="accent1">
+              <a:shade val="50000"/>
+            </a:schemeClr>
+          </a:lnRef>
+          <a:fillRef idx="1">
+            <a:schemeClr val="accent1"/>
+          </a:fillRef>
+          <a:effectRef idx="0">
+            <a:schemeClr val="accent1"/>
+          </a:effectRef>
+          <a:fontRef idx="minor">
+            <a:schemeClr val="lt1"/>
+          </a:fontRef>
+        </p:style>
+        <p:txBody>
+          <a:bodyPr wrap="none" lIns="36000" tIns="36000" rIns="36000" bIns="36000" rtlCol="0" anchor="ctr" anchorCtr="0"/>
+          <a:lstStyle/>
+          <a:p>
+            <a:pPr algn="ctr"/>
+            <a:r>
+              <a:rPr lang="zh-CN" altLang="en-US" sz="1600" b="1">
+                <a:solidFill>
+                  <a:schemeClr val="tx1"/>
+                </a:solidFill>
+                <a:latin typeface="微软雅黑" panose="020B0503020204020204" pitchFamily="34" charset="-122"/>
+                <a:ea typeface="微软雅黑" panose="020B0503020204020204" pitchFamily="34" charset="-122"/>
+              </a:rPr>
+              <a:t>批准</a:t>
+            </a:r>
+            <a:endParaRPr lang="en-US" altLang="zh-CN" sz="1600" b="1">
+              <a:solidFill>
+                <a:schemeClr val="tx1"/>
+              </a:solidFill>
+              <a:latin typeface="微软雅黑" panose="020B0503020204020204" pitchFamily="34" charset="-122"/>
+              <a:ea typeface="微软雅黑" panose="020B0503020204020204" pitchFamily="34" charset="-122"/>
+            </a:endParaRPr>
+          </a:p>
+          <a:p>
+            <a:pPr algn="ctr"/>
+            <a:r>
+              <a:rPr lang="en-US" altLang="zh-CN" sz="1600" b="1">
+                <a:solidFill>
+                  <a:schemeClr val="tx1"/>
+                </a:solidFill>
+                <a:latin typeface="微软雅黑" panose="020B0503020204020204" pitchFamily="34" charset="-122"/>
+                <a:ea typeface="微软雅黑" panose="020B0503020204020204" pitchFamily="34" charset="-122"/>
+              </a:rPr>
+              <a:t>approve_otcb</a:t>
+            </a:r>
+            <a:endParaRPr lang="zh-CN" altLang="en-US" sz="1600" b="1">
+              <a:solidFill>
+                <a:schemeClr val="tx1"/>
+              </a:solidFill>
+              <a:latin typeface="微软雅黑" panose="020B0503020204020204" pitchFamily="34" charset="-122"/>
+              <a:ea typeface="微软雅黑" panose="020B0503020204020204" pitchFamily="34" charset="-122"/>
+            </a:endParaRPr>
+          </a:p>
+        </p:txBody>
+      </p:sp>
+      <p:sp>
+        <p:nvSpPr>
+          <p:cNvPr id="47" name="矩形: 圆角 46">
+            <a:extLst>
+              <a:ext uri="{FF2B5EF4-FFF2-40B4-BE49-F238E27FC236}">
+                <a16:creationId xmlns:a16="http://schemas.microsoft.com/office/drawing/2014/main" id="{EEFF0623-257B-432F-992C-6FC6F604DDE8}"/>
+              </a:ext>
+            </a:extLst>
+          </p:cNvPr>
+          <p:cNvSpPr/>
+          <p:nvPr/>
+        </p:nvSpPr>
+        <p:spPr>
+          <a:xfrm>
+            <a:off x="714124" y="5098458"/>
+            <a:ext cx="1080000" cy="432000"/>
+          </a:xfrm>
+          <a:prstGeom prst="roundRect">
+            <a:avLst/>
+          </a:prstGeom>
+          <a:solidFill>
+            <a:srgbClr val="00B0F0"/>
+          </a:solidFill>
+          <a:ln>
+            <a:solidFill>
+              <a:schemeClr val="tx1"/>
+            </a:solidFill>
+          </a:ln>
+        </p:spPr>
+        <p:style>
+          <a:lnRef idx="2">
+            <a:schemeClr val="accent1">
+              <a:shade val="50000"/>
+            </a:schemeClr>
+          </a:lnRef>
+          <a:fillRef idx="1">
+            <a:schemeClr val="accent1"/>
+          </a:fillRef>
+          <a:effectRef idx="0">
+            <a:schemeClr val="accent1"/>
+          </a:effectRef>
+          <a:fontRef idx="minor">
+            <a:schemeClr val="lt1"/>
+          </a:fontRef>
+        </p:style>
+        <p:txBody>
+          <a:bodyPr wrap="none" lIns="36000" tIns="36000" rIns="36000" bIns="36000" rtlCol="0" anchor="ctr" anchorCtr="0"/>
+          <a:lstStyle/>
+          <a:p>
+            <a:pPr algn="ctr"/>
+            <a:r>
+              <a:rPr lang="zh-CN" altLang="en-US" sz="1600" b="1">
+                <a:solidFill>
+                  <a:schemeClr val="tx1"/>
+                </a:solidFill>
+                <a:latin typeface="微软雅黑" panose="020B0503020204020204" pitchFamily="34" charset="-122"/>
+                <a:ea typeface="微软雅黑" panose="020B0503020204020204" pitchFamily="34" charset="-122"/>
+              </a:rPr>
+              <a:t>申请者</a:t>
+            </a:r>
+          </a:p>
+        </p:txBody>
+      </p:sp>
+      <p:sp>
+        <p:nvSpPr>
+          <p:cNvPr id="49" name="矩形: 圆角 48">
+            <a:extLst>
+              <a:ext uri="{FF2B5EF4-FFF2-40B4-BE49-F238E27FC236}">
+                <a16:creationId xmlns:a16="http://schemas.microsoft.com/office/drawing/2014/main" id="{07650940-F759-4C73-80E0-0B3B2C41EFEF}"/>
+              </a:ext>
+            </a:extLst>
+          </p:cNvPr>
+          <p:cNvSpPr/>
+          <p:nvPr/>
+        </p:nvSpPr>
+        <p:spPr>
+          <a:xfrm>
+            <a:off x="3227943" y="4990608"/>
+            <a:ext cx="2016000" cy="648000"/>
+          </a:xfrm>
+          <a:prstGeom prst="roundRect">
+            <a:avLst/>
+          </a:prstGeom>
+          <a:solidFill>
+            <a:srgbClr val="00B050"/>
+          </a:solidFill>
+          <a:ln>
+            <a:solidFill>
+              <a:schemeClr val="tx1"/>
+            </a:solidFill>
+          </a:ln>
+        </p:spPr>
+        <p:style>
+          <a:lnRef idx="2">
+            <a:schemeClr val="accent1">
+              <a:shade val="50000"/>
+            </a:schemeClr>
+          </a:lnRef>
+          <a:fillRef idx="1">
+            <a:schemeClr val="accent1"/>
+          </a:fillRef>
+          <a:effectRef idx="0">
+            <a:schemeClr val="accent1"/>
+          </a:effectRef>
+          <a:fontRef idx="minor">
+            <a:schemeClr val="lt1"/>
+          </a:fontRef>
+        </p:style>
+        <p:txBody>
+          <a:bodyPr wrap="none" lIns="36000" tIns="36000" rIns="36000" bIns="36000" rtlCol="0" anchor="ctr" anchorCtr="0"/>
+          <a:lstStyle/>
+          <a:p>
+            <a:pPr algn="ctr"/>
+            <a:r>
+              <a:rPr lang="zh-CN" altLang="en-US" sz="1600" b="1">
+                <a:solidFill>
+                  <a:schemeClr val="tx1"/>
+                </a:solidFill>
+                <a:latin typeface="微软雅黑" panose="020B0503020204020204" pitchFamily="34" charset="-122"/>
+                <a:ea typeface="微软雅黑" panose="020B0503020204020204" pitchFamily="34" charset="-122"/>
+              </a:rPr>
+              <a:t>判断身份</a:t>
+            </a:r>
+            <a:endParaRPr lang="en-US" altLang="zh-CN" sz="1600" b="1">
+              <a:solidFill>
+                <a:schemeClr val="tx1"/>
+              </a:solidFill>
+              <a:latin typeface="微软雅黑" panose="020B0503020204020204" pitchFamily="34" charset="-122"/>
+              <a:ea typeface="微软雅黑" panose="020B0503020204020204" pitchFamily="34" charset="-122"/>
+            </a:endParaRPr>
+          </a:p>
+          <a:p>
+            <a:pPr algn="ctr"/>
+            <a:r>
+              <a:rPr lang="en-US" altLang="zh-CN" sz="1600" b="1">
+                <a:solidFill>
+                  <a:schemeClr val="tx1"/>
+                </a:solidFill>
+                <a:latin typeface="微软雅黑" panose="020B0503020204020204" pitchFamily="34" charset="-122"/>
+                <a:ea typeface="微软雅黑" panose="020B0503020204020204" pitchFamily="34" charset="-122"/>
+              </a:rPr>
+              <a:t>is_otcb</a:t>
+            </a:r>
+            <a:endParaRPr lang="zh-CN" altLang="en-US" sz="1600" b="1">
+              <a:solidFill>
+                <a:schemeClr val="tx1"/>
+              </a:solidFill>
+              <a:latin typeface="微软雅黑" panose="020B0503020204020204" pitchFamily="34" charset="-122"/>
+              <a:ea typeface="微软雅黑" panose="020B0503020204020204" pitchFamily="34" charset="-122"/>
+            </a:endParaRPr>
+          </a:p>
+        </p:txBody>
+      </p:sp>
+      <p:sp>
+        <p:nvSpPr>
+          <p:cNvPr id="50" name="矩形: 圆角 49">
+            <a:extLst>
+              <a:ext uri="{FF2B5EF4-FFF2-40B4-BE49-F238E27FC236}">
+                <a16:creationId xmlns:a16="http://schemas.microsoft.com/office/drawing/2014/main" id="{0CBA4C13-35C2-4014-8B1C-1B11F1F30037}"/>
+              </a:ext>
+            </a:extLst>
+          </p:cNvPr>
+          <p:cNvSpPr/>
+          <p:nvPr/>
+        </p:nvSpPr>
+        <p:spPr>
+          <a:xfrm>
+            <a:off x="6817426" y="2758755"/>
+            <a:ext cx="1728000" cy="432000"/>
+          </a:xfrm>
+          <a:prstGeom prst="roundRect">
+            <a:avLst/>
+          </a:prstGeom>
+          <a:solidFill>
+            <a:schemeClr val="bg1">
+              <a:lumMod val="95000"/>
+            </a:schemeClr>
+          </a:solidFill>
+          <a:ln>
+            <a:solidFill>
+              <a:schemeClr val="tx1"/>
+            </a:solidFill>
+          </a:ln>
+        </p:spPr>
+        <p:style>
+          <a:lnRef idx="2">
+            <a:schemeClr val="accent1">
+              <a:shade val="50000"/>
+            </a:schemeClr>
+          </a:lnRef>
+          <a:fillRef idx="1">
+            <a:schemeClr val="accent1"/>
+          </a:fillRef>
+          <a:effectRef idx="0">
+            <a:schemeClr val="accent1"/>
+          </a:effectRef>
+          <a:fontRef idx="minor">
+            <a:schemeClr val="lt1"/>
+          </a:fontRef>
+        </p:style>
+        <p:txBody>
+          <a:bodyPr wrap="none" lIns="36000" tIns="36000" rIns="36000" bIns="36000" rtlCol="0" anchor="ctr" anchorCtr="0"/>
+          <a:lstStyle/>
+          <a:p>
+            <a:pPr algn="ctr"/>
+            <a:r>
+              <a:rPr lang="en-US" altLang="zh-CN" sz="1600" b="1">
+                <a:solidFill>
+                  <a:schemeClr val="tx1"/>
+                </a:solidFill>
+                <a:latin typeface="微软雅黑" panose="020B0503020204020204" pitchFamily="34" charset="-122"/>
+                <a:ea typeface="微软雅黑" panose="020B0503020204020204" pitchFamily="34" charset="-122"/>
+              </a:rPr>
+              <a:t>OTC</a:t>
+            </a:r>
+            <a:r>
+              <a:rPr lang="zh-CN" altLang="en-US" sz="1600" b="1">
+                <a:solidFill>
+                  <a:schemeClr val="tx1"/>
+                </a:solidFill>
+                <a:latin typeface="微软雅黑" panose="020B0503020204020204" pitchFamily="34" charset="-122"/>
+                <a:ea typeface="微软雅黑" panose="020B0503020204020204" pitchFamily="34" charset="-122"/>
+              </a:rPr>
+              <a:t>商家表</a:t>
+            </a:r>
+            <a:endParaRPr lang="en-US" altLang="zh-CN" sz="1600" b="1">
+              <a:solidFill>
+                <a:schemeClr val="tx1"/>
+              </a:solidFill>
+              <a:latin typeface="微软雅黑" panose="020B0503020204020204" pitchFamily="34" charset="-122"/>
+              <a:ea typeface="微软雅黑" panose="020B0503020204020204" pitchFamily="34" charset="-122"/>
+            </a:endParaRPr>
+          </a:p>
+        </p:txBody>
+      </p:sp>
+      <p:sp>
+        <p:nvSpPr>
+          <p:cNvPr id="51" name="矩形: 圆角 50">
+            <a:extLst>
+              <a:ext uri="{FF2B5EF4-FFF2-40B4-BE49-F238E27FC236}">
+                <a16:creationId xmlns:a16="http://schemas.microsoft.com/office/drawing/2014/main" id="{C58F329B-E57A-4351-B928-86CE33CB8D63}"/>
+              </a:ext>
+            </a:extLst>
+          </p:cNvPr>
+          <p:cNvSpPr/>
+          <p:nvPr/>
+        </p:nvSpPr>
+        <p:spPr>
+          <a:xfrm>
+            <a:off x="6817426" y="3929049"/>
+            <a:ext cx="1728000" cy="432000"/>
+          </a:xfrm>
+          <a:prstGeom prst="roundRect">
+            <a:avLst/>
+          </a:prstGeom>
+          <a:solidFill>
+            <a:schemeClr val="bg1">
+              <a:lumMod val="95000"/>
+            </a:schemeClr>
+          </a:solidFill>
+          <a:ln>
+            <a:solidFill>
+              <a:schemeClr val="tx1"/>
+            </a:solidFill>
+          </a:ln>
+        </p:spPr>
+        <p:style>
+          <a:lnRef idx="2">
+            <a:schemeClr val="accent1">
+              <a:shade val="50000"/>
+            </a:schemeClr>
+          </a:lnRef>
+          <a:fillRef idx="1">
+            <a:schemeClr val="accent1"/>
+          </a:fillRef>
+          <a:effectRef idx="0">
+            <a:schemeClr val="accent1"/>
+          </a:effectRef>
+          <a:fontRef idx="minor">
+            <a:schemeClr val="lt1"/>
+          </a:fontRef>
+        </p:style>
+        <p:txBody>
+          <a:bodyPr wrap="none" lIns="36000" tIns="36000" rIns="36000" bIns="36000" rtlCol="0" anchor="ctr" anchorCtr="0"/>
+          <a:lstStyle/>
+          <a:p>
+            <a:pPr algn="ctr"/>
+            <a:r>
+              <a:rPr lang="en-US" altLang="zh-CN" sz="1600" b="1">
+                <a:solidFill>
+                  <a:schemeClr val="tx1"/>
+                </a:solidFill>
+                <a:latin typeface="微软雅黑" panose="020B0503020204020204" pitchFamily="34" charset="-122"/>
+                <a:ea typeface="微软雅黑" panose="020B0503020204020204" pitchFamily="34" charset="-122"/>
+              </a:rPr>
+              <a:t>OTC</a:t>
+            </a:r>
+            <a:r>
+              <a:rPr lang="zh-CN" altLang="en-US" sz="1600" b="1">
+                <a:solidFill>
+                  <a:schemeClr val="tx1"/>
+                </a:solidFill>
+                <a:latin typeface="微软雅黑" panose="020B0503020204020204" pitchFamily="34" charset="-122"/>
+                <a:ea typeface="微软雅黑" panose="020B0503020204020204" pitchFamily="34" charset="-122"/>
+              </a:rPr>
+              <a:t>商家表</a:t>
+            </a:r>
+            <a:endParaRPr lang="en-US" altLang="zh-CN" sz="1600" b="1">
+              <a:solidFill>
+                <a:schemeClr val="tx1"/>
+              </a:solidFill>
+              <a:latin typeface="微软雅黑" panose="020B0503020204020204" pitchFamily="34" charset="-122"/>
+              <a:ea typeface="微软雅黑" panose="020B0503020204020204" pitchFamily="34" charset="-122"/>
+            </a:endParaRPr>
+          </a:p>
+        </p:txBody>
+      </p:sp>
+      <p:sp>
+        <p:nvSpPr>
+          <p:cNvPr id="52" name="矩形: 圆角 51">
+            <a:extLst>
+              <a:ext uri="{FF2B5EF4-FFF2-40B4-BE49-F238E27FC236}">
+                <a16:creationId xmlns:a16="http://schemas.microsoft.com/office/drawing/2014/main" id="{87F5C364-9149-4669-8A3D-EF7D8B766C16}"/>
+              </a:ext>
+            </a:extLst>
+          </p:cNvPr>
+          <p:cNvSpPr/>
+          <p:nvPr/>
+        </p:nvSpPr>
+        <p:spPr>
+          <a:xfrm>
+            <a:off x="6817426" y="5099048"/>
+            <a:ext cx="1728000" cy="432000"/>
+          </a:xfrm>
+          <a:prstGeom prst="roundRect">
+            <a:avLst/>
+          </a:prstGeom>
+          <a:solidFill>
+            <a:schemeClr val="bg1">
+              <a:lumMod val="95000"/>
+            </a:schemeClr>
+          </a:solidFill>
+          <a:ln>
+            <a:solidFill>
+              <a:schemeClr val="tx1"/>
+            </a:solidFill>
+          </a:ln>
+        </p:spPr>
+        <p:style>
+          <a:lnRef idx="2">
+            <a:schemeClr val="accent1">
+              <a:shade val="50000"/>
+            </a:schemeClr>
+          </a:lnRef>
+          <a:fillRef idx="1">
+            <a:schemeClr val="accent1"/>
+          </a:fillRef>
+          <a:effectRef idx="0">
+            <a:schemeClr val="accent1"/>
+          </a:effectRef>
+          <a:fontRef idx="minor">
+            <a:schemeClr val="lt1"/>
+          </a:fontRef>
+        </p:style>
+        <p:txBody>
+          <a:bodyPr wrap="none" lIns="36000" tIns="36000" rIns="36000" bIns="36000" rtlCol="0" anchor="ctr" anchorCtr="0"/>
+          <a:lstStyle/>
+          <a:p>
+            <a:pPr algn="ctr"/>
+            <a:r>
+              <a:rPr lang="en-US" altLang="zh-CN" sz="1600" b="1">
+                <a:solidFill>
+                  <a:schemeClr val="tx1"/>
+                </a:solidFill>
+                <a:latin typeface="微软雅黑" panose="020B0503020204020204" pitchFamily="34" charset="-122"/>
+                <a:ea typeface="微软雅黑" panose="020B0503020204020204" pitchFamily="34" charset="-122"/>
+              </a:rPr>
+              <a:t>OTC</a:t>
+            </a:r>
+            <a:r>
+              <a:rPr lang="zh-CN" altLang="en-US" sz="1600" b="1">
+                <a:solidFill>
+                  <a:schemeClr val="tx1"/>
+                </a:solidFill>
+                <a:latin typeface="微软雅黑" panose="020B0503020204020204" pitchFamily="34" charset="-122"/>
+                <a:ea typeface="微软雅黑" panose="020B0503020204020204" pitchFamily="34" charset="-122"/>
+              </a:rPr>
+              <a:t>商家表</a:t>
+            </a:r>
+            <a:endParaRPr lang="en-US" altLang="zh-CN" sz="1600" b="1">
+              <a:solidFill>
+                <a:schemeClr val="tx1"/>
+              </a:solidFill>
+              <a:latin typeface="微软雅黑" panose="020B0503020204020204" pitchFamily="34" charset="-122"/>
+              <a:ea typeface="微软雅黑" panose="020B0503020204020204" pitchFamily="34" charset="-122"/>
+            </a:endParaRPr>
+          </a:p>
+        </p:txBody>
+      </p:sp>
+      <p:cxnSp>
+        <p:nvCxnSpPr>
+          <p:cNvPr id="56" name="直接箭头连接符 55">
+            <a:extLst>
+              <a:ext uri="{FF2B5EF4-FFF2-40B4-BE49-F238E27FC236}">
+                <a16:creationId xmlns:a16="http://schemas.microsoft.com/office/drawing/2014/main" id="{28A1BBBA-76EB-45A9-A560-45D1130E340F}"/>
+              </a:ext>
+            </a:extLst>
+          </p:cNvPr>
+          <p:cNvCxnSpPr>
+            <a:cxnSpLocks/>
+            <a:stCxn id="38" idx="3"/>
+            <a:endCxn id="39" idx="1"/>
+          </p:cNvCxnSpPr>
+          <p:nvPr/>
+        </p:nvCxnSpPr>
+        <p:spPr>
+          <a:xfrm>
+            <a:off x="1792379" y="2974460"/>
+            <a:ext cx="1435564" cy="0"/>
+          </a:xfrm>
+          <a:prstGeom prst="straightConnector1">
+            <a:avLst/>
+          </a:prstGeom>
+          <a:ln w="31750">
+            <a:solidFill>
+              <a:schemeClr val="tx1"/>
+            </a:solidFill>
+            <a:tailEnd type="triangle"/>
+          </a:ln>
+        </p:spPr>
+        <p:style>
+          <a:lnRef idx="1">
+            <a:schemeClr val="accent1"/>
+          </a:lnRef>
+          <a:fillRef idx="0">
+            <a:schemeClr val="accent1"/>
+          </a:fillRef>
+          <a:effectRef idx="0">
+            <a:schemeClr val="accent1"/>
+          </a:effectRef>
+          <a:fontRef idx="minor">
+            <a:schemeClr val="tx1"/>
+          </a:fontRef>
+        </p:style>
+      </p:cxnSp>
+      <p:cxnSp>
+        <p:nvCxnSpPr>
+          <p:cNvPr id="57" name="直接箭头连接符 56">
+            <a:extLst>
+              <a:ext uri="{FF2B5EF4-FFF2-40B4-BE49-F238E27FC236}">
+                <a16:creationId xmlns:a16="http://schemas.microsoft.com/office/drawing/2014/main" id="{325645AB-DECF-40FF-9412-31E0D3BB7C8D}"/>
+              </a:ext>
+            </a:extLst>
+          </p:cNvPr>
+          <p:cNvCxnSpPr>
+            <a:cxnSpLocks/>
+            <a:stCxn id="41" idx="3"/>
+            <a:endCxn id="46" idx="1"/>
+          </p:cNvCxnSpPr>
+          <p:nvPr/>
+        </p:nvCxnSpPr>
+        <p:spPr>
+          <a:xfrm>
+            <a:off x="1792379" y="4144459"/>
+            <a:ext cx="1435564" cy="75"/>
+          </a:xfrm>
+          <a:prstGeom prst="straightConnector1">
+            <a:avLst/>
+          </a:prstGeom>
+          <a:ln w="31750">
+            <a:solidFill>
+              <a:schemeClr val="tx1"/>
+            </a:solidFill>
+            <a:tailEnd type="triangle"/>
+          </a:ln>
+        </p:spPr>
+        <p:style>
+          <a:lnRef idx="1">
+            <a:schemeClr val="accent1"/>
+          </a:lnRef>
+          <a:fillRef idx="0">
+            <a:schemeClr val="accent1"/>
+          </a:fillRef>
+          <a:effectRef idx="0">
+            <a:schemeClr val="accent1"/>
+          </a:effectRef>
+          <a:fontRef idx="minor">
+            <a:schemeClr val="tx1"/>
+          </a:fontRef>
+        </p:style>
+      </p:cxnSp>
+      <p:cxnSp>
+        <p:nvCxnSpPr>
+          <p:cNvPr id="58" name="直接箭头连接符 57">
+            <a:extLst>
+              <a:ext uri="{FF2B5EF4-FFF2-40B4-BE49-F238E27FC236}">
+                <a16:creationId xmlns:a16="http://schemas.microsoft.com/office/drawing/2014/main" id="{C2E0CD27-2903-413E-9041-00B3AD68045E}"/>
+              </a:ext>
+            </a:extLst>
+          </p:cNvPr>
+          <p:cNvCxnSpPr>
+            <a:cxnSpLocks/>
+            <a:stCxn id="47" idx="3"/>
+            <a:endCxn id="49" idx="1"/>
+          </p:cNvCxnSpPr>
+          <p:nvPr/>
+        </p:nvCxnSpPr>
+        <p:spPr>
+          <a:xfrm>
+            <a:off x="1794124" y="5314458"/>
+            <a:ext cx="1433819" cy="150"/>
+          </a:xfrm>
+          <a:prstGeom prst="straightConnector1">
+            <a:avLst/>
+          </a:prstGeom>
+          <a:ln w="31750">
+            <a:solidFill>
+              <a:schemeClr val="tx1"/>
+            </a:solidFill>
+            <a:tailEnd type="triangle"/>
+          </a:ln>
+        </p:spPr>
+        <p:style>
+          <a:lnRef idx="1">
+            <a:schemeClr val="accent1"/>
+          </a:lnRef>
+          <a:fillRef idx="0">
+            <a:schemeClr val="accent1"/>
+          </a:fillRef>
+          <a:effectRef idx="0">
+            <a:schemeClr val="accent1"/>
+          </a:effectRef>
+          <a:fontRef idx="minor">
+            <a:schemeClr val="tx1"/>
+          </a:fontRef>
+        </p:style>
+      </p:cxnSp>
+      <p:cxnSp>
+        <p:nvCxnSpPr>
+          <p:cNvPr id="59" name="直接箭头连接符 58">
+            <a:extLst>
+              <a:ext uri="{FF2B5EF4-FFF2-40B4-BE49-F238E27FC236}">
+                <a16:creationId xmlns:a16="http://schemas.microsoft.com/office/drawing/2014/main" id="{3438403E-242E-46EA-B1AF-08555AFDE6A9}"/>
+              </a:ext>
+            </a:extLst>
+          </p:cNvPr>
+          <p:cNvCxnSpPr>
+            <a:cxnSpLocks/>
+            <a:stCxn id="50" idx="1"/>
+            <a:endCxn id="39" idx="3"/>
+          </p:cNvCxnSpPr>
+          <p:nvPr/>
+        </p:nvCxnSpPr>
+        <p:spPr>
+          <a:xfrm flipH="1" flipV="1">
+            <a:off x="5243943" y="2974460"/>
+            <a:ext cx="1573483" cy="295"/>
+          </a:xfrm>
+          <a:prstGeom prst="straightConnector1">
+            <a:avLst/>
+          </a:prstGeom>
+          <a:ln w="57150">
+            <a:solidFill>
+              <a:srgbClr val="FF0000"/>
+            </a:solidFill>
+            <a:tailEnd type="triangle"/>
+          </a:ln>
+        </p:spPr>
+        <p:style>
+          <a:lnRef idx="1">
+            <a:schemeClr val="accent1"/>
+          </a:lnRef>
+          <a:fillRef idx="0">
+            <a:schemeClr val="accent1"/>
+          </a:fillRef>
+          <a:effectRef idx="0">
+            <a:schemeClr val="accent1"/>
+          </a:effectRef>
+          <a:fontRef idx="minor">
+            <a:schemeClr val="tx1"/>
+          </a:fontRef>
+        </p:style>
+      </p:cxnSp>
+      <p:cxnSp>
+        <p:nvCxnSpPr>
+          <p:cNvPr id="63" name="直接箭头连接符 62">
+            <a:extLst>
+              <a:ext uri="{FF2B5EF4-FFF2-40B4-BE49-F238E27FC236}">
+                <a16:creationId xmlns:a16="http://schemas.microsoft.com/office/drawing/2014/main" id="{47C01BFF-B4D7-4FB6-A5AB-80057A89502E}"/>
+              </a:ext>
+            </a:extLst>
+          </p:cNvPr>
+          <p:cNvCxnSpPr>
+            <a:cxnSpLocks/>
+            <a:stCxn id="52" idx="1"/>
+            <a:endCxn id="49" idx="3"/>
+          </p:cNvCxnSpPr>
+          <p:nvPr/>
+        </p:nvCxnSpPr>
+        <p:spPr>
+          <a:xfrm flipH="1" flipV="1">
+            <a:off x="5243943" y="5314608"/>
+            <a:ext cx="1573483" cy="440"/>
+          </a:xfrm>
+          <a:prstGeom prst="straightConnector1">
+            <a:avLst/>
+          </a:prstGeom>
+          <a:ln w="57150">
+            <a:solidFill>
+              <a:srgbClr val="FF0000"/>
+            </a:solidFill>
+            <a:tailEnd type="triangle"/>
+          </a:ln>
+        </p:spPr>
+        <p:style>
+          <a:lnRef idx="1">
+            <a:schemeClr val="accent1"/>
+          </a:lnRef>
+          <a:fillRef idx="0">
+            <a:schemeClr val="accent1"/>
+          </a:fillRef>
+          <a:effectRef idx="0">
+            <a:schemeClr val="accent1"/>
+          </a:effectRef>
+          <a:fontRef idx="minor">
+            <a:schemeClr val="tx1"/>
+          </a:fontRef>
+        </p:style>
+      </p:cxnSp>
+    </p:spTree>
+    <p:extLst>
+      <p:ext uri="{BB962C8B-B14F-4D97-AF65-F5344CB8AC3E}">
+        <p14:creationId xmlns:p14="http://schemas.microsoft.com/office/powerpoint/2010/main" val="4242216545"/>
       </p:ext>
     </p:extLst>
   </p:cSld>
@@ -17197,6 +19861,18 @@
           </a:p>
           <a:p>
             <a:r>
+              <a:rPr lang="en-US" altLang="zh-CN" sz="1400" b="1">
+                <a:solidFill>
+                  <a:schemeClr val="tx1"/>
+                </a:solidFill>
+                <a:latin typeface="微软雅黑" panose="020B0503020204020204" pitchFamily="34" charset="-122"/>
+                <a:ea typeface="微软雅黑" panose="020B0503020204020204" pitchFamily="34" charset="-122"/>
+              </a:rPr>
+              <a:t>hash</a:t>
+            </a:r>
+          </a:p>
+          <a:p>
+            <a:r>
               <a:rPr lang="zh-CN" altLang="en-US" sz="1400" b="1">
                 <a:solidFill>
                   <a:schemeClr val="tx1"/>
@@ -17204,7 +19880,7 @@
                 <a:latin typeface="微软雅黑" panose="020B0503020204020204" pitchFamily="34" charset="-122"/>
                 <a:ea typeface="微软雅黑" panose="020B0503020204020204" pitchFamily="34" charset="-122"/>
               </a:rPr>
-              <a:t>头像哈希</a:t>
+              <a:t>批准标头像哈希</a:t>
             </a:r>
             <a:endParaRPr lang="en-US" altLang="zh-CN" sz="1400" b="1">
               <a:solidFill>
@@ -17280,29 +19956,7 @@
                 <a:latin typeface="微软雅黑" panose="020B0503020204020204" pitchFamily="34" charset="-122"/>
                 <a:ea typeface="微软雅黑" panose="020B0503020204020204" pitchFamily="34" charset="-122"/>
               </a:rPr>
-              <a:t>登记证</a:t>
-            </a:r>
-            <a:r>
-              <a:rPr lang="en-US" altLang="zh-CN" sz="1400" b="1">
-                <a:solidFill>
-                  <a:schemeClr val="tx1"/>
-                </a:solidFill>
-                <a:latin typeface="微软雅黑" panose="020B0503020204020204" pitchFamily="34" charset="-122"/>
-                <a:ea typeface="微软雅黑" panose="020B0503020204020204" pitchFamily="34" charset="-122"/>
-              </a:rPr>
-              <a:t>hash</a:t>
-            </a:r>
-          </a:p>
-          <a:p>
-            <a:r>
-              <a:rPr lang="zh-CN" altLang="en-US" sz="1400" b="1">
-                <a:solidFill>
-                  <a:schemeClr val="tx1"/>
-                </a:solidFill>
-                <a:latin typeface="微软雅黑" panose="020B0503020204020204" pitchFamily="34" charset="-122"/>
-                <a:ea typeface="微软雅黑" panose="020B0503020204020204" pitchFamily="34" charset="-122"/>
-              </a:rPr>
-              <a:t>批准标记</a:t>
+              <a:t>登记证记</a:t>
             </a:r>
             <a:endParaRPr lang="en-US" altLang="zh-CN" sz="1400" b="1">
               <a:solidFill>
@@ -18525,312 +21179,6 @@
           <a:chExt cx="0" cy="0"/>
         </a:xfrm>
       </p:grpSpPr>
-      <p:sp>
-        <p:nvSpPr>
-          <p:cNvPr id="53" name="矩形: 圆角 52">
-            <a:extLst>
-              <a:ext uri="{FF2B5EF4-FFF2-40B4-BE49-F238E27FC236}">
-                <a16:creationId xmlns:a16="http://schemas.microsoft.com/office/drawing/2014/main" id="{40CB1BC0-9F2F-42B0-8691-F1896B1D2EE4}"/>
-              </a:ext>
-            </a:extLst>
-          </p:cNvPr>
-          <p:cNvSpPr/>
-          <p:nvPr/>
-        </p:nvSpPr>
-        <p:spPr>
-          <a:xfrm>
-            <a:off x="3074754" y="1247529"/>
-            <a:ext cx="2520000" cy="648000"/>
-          </a:xfrm>
-          <a:prstGeom prst="roundRect">
-            <a:avLst/>
-          </a:prstGeom>
-          <a:solidFill>
-            <a:srgbClr val="00B050"/>
-          </a:solidFill>
-          <a:ln>
-            <a:solidFill>
-              <a:schemeClr val="tx1"/>
-            </a:solidFill>
-          </a:ln>
-        </p:spPr>
-        <p:style>
-          <a:lnRef idx="2">
-            <a:schemeClr val="accent1">
-              <a:shade val="50000"/>
-            </a:schemeClr>
-          </a:lnRef>
-          <a:fillRef idx="1">
-            <a:schemeClr val="accent1"/>
-          </a:fillRef>
-          <a:effectRef idx="0">
-            <a:schemeClr val="accent1"/>
-          </a:effectRef>
-          <a:fontRef idx="minor">
-            <a:schemeClr val="lt1"/>
-          </a:fontRef>
-        </p:style>
-        <p:txBody>
-          <a:bodyPr wrap="none" lIns="36000" tIns="36000" rIns="36000" bIns="36000" rtlCol="0" anchor="ctr" anchorCtr="0"/>
-          <a:lstStyle/>
-          <a:p>
-            <a:pPr algn="ctr"/>
-            <a:r>
-              <a:rPr lang="zh-CN" altLang="en-US" sz="1600" b="1">
-                <a:solidFill>
-                  <a:schemeClr val="tx1"/>
-                </a:solidFill>
-                <a:latin typeface="微软雅黑" panose="020B0503020204020204" pitchFamily="34" charset="-122"/>
-                <a:ea typeface="微软雅黑" panose="020B0503020204020204" pitchFamily="34" charset="-122"/>
-              </a:rPr>
-              <a:t>申请</a:t>
-            </a:r>
-            <a:endParaRPr lang="en-US" altLang="zh-CN" sz="1600" b="1">
-              <a:solidFill>
-                <a:schemeClr val="tx1"/>
-              </a:solidFill>
-              <a:latin typeface="微软雅黑" panose="020B0503020204020204" pitchFamily="34" charset="-122"/>
-              <a:ea typeface="微软雅黑" panose="020B0503020204020204" pitchFamily="34" charset="-122"/>
-            </a:endParaRPr>
-          </a:p>
-          <a:p>
-            <a:pPr algn="ctr"/>
-            <a:r>
-              <a:rPr lang="en-US" altLang="zh-CN" sz="1600" b="1">
-                <a:solidFill>
-                  <a:schemeClr val="tx1"/>
-                </a:solidFill>
-                <a:latin typeface="微软雅黑" panose="020B0503020204020204" pitchFamily="34" charset="-122"/>
-                <a:ea typeface="微软雅黑" panose="020B0503020204020204" pitchFamily="34" charset="-122"/>
-              </a:rPr>
-              <a:t>find_identity</a:t>
-            </a:r>
-            <a:endParaRPr lang="zh-CN" altLang="en-US" sz="1600" b="1">
-              <a:solidFill>
-                <a:schemeClr val="tx1"/>
-              </a:solidFill>
-              <a:latin typeface="微软雅黑" panose="020B0503020204020204" pitchFamily="34" charset="-122"/>
-              <a:ea typeface="微软雅黑" panose="020B0503020204020204" pitchFamily="34" charset="-122"/>
-            </a:endParaRPr>
-          </a:p>
-        </p:txBody>
-      </p:sp>
-      <p:sp>
-        <p:nvSpPr>
-          <p:cNvPr id="48" name="矩形: 圆角 47">
-            <a:extLst>
-              <a:ext uri="{FF2B5EF4-FFF2-40B4-BE49-F238E27FC236}">
-                <a16:creationId xmlns:a16="http://schemas.microsoft.com/office/drawing/2014/main" id="{EBD4EA97-5025-4DE6-B38D-69D50269EB33}"/>
-              </a:ext>
-            </a:extLst>
-          </p:cNvPr>
-          <p:cNvSpPr/>
-          <p:nvPr/>
-        </p:nvSpPr>
-        <p:spPr>
-          <a:xfrm>
-            <a:off x="712379" y="1355529"/>
-            <a:ext cx="1080000" cy="432000"/>
-          </a:xfrm>
-          <a:prstGeom prst="roundRect">
-            <a:avLst/>
-          </a:prstGeom>
-          <a:solidFill>
-            <a:srgbClr val="00B0F0"/>
-          </a:solidFill>
-          <a:ln>
-            <a:solidFill>
-              <a:schemeClr val="tx1"/>
-            </a:solidFill>
-          </a:ln>
-        </p:spPr>
-        <p:style>
-          <a:lnRef idx="2">
-            <a:schemeClr val="accent1">
-              <a:shade val="50000"/>
-            </a:schemeClr>
-          </a:lnRef>
-          <a:fillRef idx="1">
-            <a:schemeClr val="accent1"/>
-          </a:fillRef>
-          <a:effectRef idx="0">
-            <a:schemeClr val="accent1"/>
-          </a:effectRef>
-          <a:fontRef idx="minor">
-            <a:schemeClr val="lt1"/>
-          </a:fontRef>
-        </p:style>
-        <p:txBody>
-          <a:bodyPr wrap="none" lIns="36000" tIns="36000" rIns="36000" bIns="36000" rtlCol="0" anchor="ctr" anchorCtr="0"/>
-          <a:lstStyle/>
-          <a:p>
-            <a:pPr algn="ctr"/>
-            <a:r>
-              <a:rPr lang="zh-CN" altLang="en-US" sz="1600" b="1">
-                <a:solidFill>
-                  <a:schemeClr val="tx1"/>
-                </a:solidFill>
-                <a:latin typeface="微软雅黑" panose="020B0503020204020204" pitchFamily="34" charset="-122"/>
-                <a:ea typeface="微软雅黑" panose="020B0503020204020204" pitchFamily="34" charset="-122"/>
-              </a:rPr>
-              <a:t>任何身份</a:t>
-            </a:r>
-          </a:p>
-        </p:txBody>
-      </p:sp>
-      <p:sp>
-        <p:nvSpPr>
-          <p:cNvPr id="61" name="矩形: 圆角 60">
-            <a:extLst>
-              <a:ext uri="{FF2B5EF4-FFF2-40B4-BE49-F238E27FC236}">
-                <a16:creationId xmlns:a16="http://schemas.microsoft.com/office/drawing/2014/main" id="{E3777F73-EAAB-43DE-8A90-6B6D895B1B1F}"/>
-              </a:ext>
-            </a:extLst>
-          </p:cNvPr>
-          <p:cNvSpPr/>
-          <p:nvPr/>
-        </p:nvSpPr>
-        <p:spPr>
-          <a:xfrm>
-            <a:off x="712379" y="2527638"/>
-            <a:ext cx="1080000" cy="432000"/>
-          </a:xfrm>
-          <a:prstGeom prst="roundRect">
-            <a:avLst/>
-          </a:prstGeom>
-          <a:solidFill>
-            <a:srgbClr val="00B0F0"/>
-          </a:solidFill>
-          <a:ln>
-            <a:solidFill>
-              <a:schemeClr val="tx1"/>
-            </a:solidFill>
-          </a:ln>
-        </p:spPr>
-        <p:style>
-          <a:lnRef idx="2">
-            <a:schemeClr val="accent1">
-              <a:shade val="50000"/>
-            </a:schemeClr>
-          </a:lnRef>
-          <a:fillRef idx="1">
-            <a:schemeClr val="accent1"/>
-          </a:fillRef>
-          <a:effectRef idx="0">
-            <a:schemeClr val="accent1"/>
-          </a:effectRef>
-          <a:fontRef idx="minor">
-            <a:schemeClr val="lt1"/>
-          </a:fontRef>
-        </p:style>
-        <p:txBody>
-          <a:bodyPr wrap="none" lIns="36000" tIns="36000" rIns="36000" bIns="36000" rtlCol="0" anchor="ctr" anchorCtr="0"/>
-          <a:lstStyle/>
-          <a:p>
-            <a:pPr algn="ctr"/>
-            <a:r>
-              <a:rPr lang="zh-CN" altLang="en-US" sz="1600" b="1">
-                <a:solidFill>
-                  <a:schemeClr val="tx1"/>
-                </a:solidFill>
-                <a:latin typeface="微软雅黑" panose="020B0503020204020204" pitchFamily="34" charset="-122"/>
-                <a:ea typeface="微软雅黑" panose="020B0503020204020204" pitchFamily="34" charset="-122"/>
-              </a:rPr>
-              <a:t>基金会会员</a:t>
-            </a:r>
-          </a:p>
-        </p:txBody>
-      </p:sp>
-      <p:sp>
-        <p:nvSpPr>
-          <p:cNvPr id="101" name="矩形: 圆角 100">
-            <a:extLst>
-              <a:ext uri="{FF2B5EF4-FFF2-40B4-BE49-F238E27FC236}">
-                <a16:creationId xmlns:a16="http://schemas.microsoft.com/office/drawing/2014/main" id="{2FD8AFDB-B92D-4C27-ABEC-799C66831DBB}"/>
-              </a:ext>
-            </a:extLst>
-          </p:cNvPr>
-          <p:cNvSpPr/>
-          <p:nvPr/>
-        </p:nvSpPr>
-        <p:spPr>
-          <a:xfrm>
-            <a:off x="3074754" y="2419638"/>
-            <a:ext cx="2520000" cy="648000"/>
-          </a:xfrm>
-          <a:prstGeom prst="roundRect">
-            <a:avLst/>
-          </a:prstGeom>
-          <a:solidFill>
-            <a:srgbClr val="00B050"/>
-          </a:solidFill>
-          <a:ln>
-            <a:solidFill>
-              <a:schemeClr val="tx1"/>
-            </a:solidFill>
-          </a:ln>
-        </p:spPr>
-        <p:style>
-          <a:lnRef idx="2">
-            <a:schemeClr val="accent1">
-              <a:shade val="50000"/>
-            </a:schemeClr>
-          </a:lnRef>
-          <a:fillRef idx="1">
-            <a:schemeClr val="accent1"/>
-          </a:fillRef>
-          <a:effectRef idx="0">
-            <a:schemeClr val="accent1"/>
-          </a:effectRef>
-          <a:fontRef idx="minor">
-            <a:schemeClr val="lt1"/>
-          </a:fontRef>
-        </p:style>
-        <p:txBody>
-          <a:bodyPr wrap="none" lIns="36000" tIns="36000" rIns="36000" bIns="36000" rtlCol="0" anchor="ctr" anchorCtr="0"/>
-          <a:lstStyle/>
-          <a:p>
-            <a:pPr algn="ctr"/>
-            <a:r>
-              <a:rPr lang="zh-CN" altLang="en-US" sz="1600" b="1">
-                <a:solidFill>
-                  <a:schemeClr val="tx1"/>
-                </a:solidFill>
-                <a:latin typeface="微软雅黑" panose="020B0503020204020204" pitchFamily="34" charset="-122"/>
-                <a:ea typeface="微软雅黑" panose="020B0503020204020204" pitchFamily="34" charset="-122"/>
-              </a:rPr>
-              <a:t>查看列表</a:t>
-            </a:r>
-            <a:endParaRPr lang="en-US" altLang="zh-CN" sz="1600" b="1">
-              <a:solidFill>
-                <a:schemeClr val="tx1"/>
-              </a:solidFill>
-              <a:latin typeface="微软雅黑" panose="020B0503020204020204" pitchFamily="34" charset="-122"/>
-              <a:ea typeface="微软雅黑" panose="020B0503020204020204" pitchFamily="34" charset="-122"/>
-            </a:endParaRPr>
-          </a:p>
-          <a:p>
-            <a:pPr algn="ctr"/>
-            <a:r>
-              <a:rPr lang="en-US" altLang="zh-CN" sz="1600" b="1">
-                <a:solidFill>
-                  <a:schemeClr val="tx1"/>
-                </a:solidFill>
-                <a:latin typeface="微软雅黑" panose="020B0503020204020204" pitchFamily="34" charset="-122"/>
-                <a:ea typeface="微软雅黑" panose="020B0503020204020204" pitchFamily="34" charset="-122"/>
-              </a:rPr>
-              <a:t>list_identify</a:t>
-            </a:r>
-            <a:endParaRPr lang="zh-CN" altLang="en-US" sz="1600" b="1">
-              <a:solidFill>
-                <a:schemeClr val="tx1"/>
-              </a:solidFill>
-              <a:latin typeface="微软雅黑" panose="020B0503020204020204" pitchFamily="34" charset="-122"/>
-              <a:ea typeface="微软雅黑" panose="020B0503020204020204" pitchFamily="34" charset="-122"/>
-            </a:endParaRPr>
-          </a:p>
-        </p:txBody>
-      </p:sp>
       <p:cxnSp>
         <p:nvCxnSpPr>
           <p:cNvPr id="239" name="直接连接符 238">
@@ -18847,7 +21195,7 @@
         </p:nvCxnSpPr>
         <p:spPr>
           <a:xfrm flipH="1">
-            <a:off x="433388" y="866051"/>
+            <a:off x="433388" y="1006728"/>
             <a:ext cx="11325225" cy="1"/>
           </a:xfrm>
           <a:prstGeom prst="line">
@@ -18947,7 +21295,7 @@
         <p:spPr>
           <a:xfrm>
             <a:off x="712379" y="173975"/>
-            <a:ext cx="1826141" cy="584775"/>
+            <a:ext cx="1683474" cy="584775"/>
           </a:xfrm>
           <a:prstGeom prst="rect">
             <a:avLst/>
@@ -18961,21 +21309,28 @@
           <a:lstStyle/>
           <a:p>
             <a:r>
+              <a:rPr lang="en-US" altLang="zh-CN" sz="3200" b="1">
+                <a:latin typeface="Consolas" panose="020B0609020204030204" pitchFamily="49" charset="0"/>
+                <a:ea typeface="微软雅黑" panose="020B0503020204020204" pitchFamily="34" charset="-122"/>
+              </a:rPr>
+              <a:t>Otc</a:t>
+            </a:r>
+            <a:r>
               <a:rPr lang="zh-CN" altLang="en-US" sz="3200" b="1">
                 <a:latin typeface="Consolas" panose="020B0609020204030204" pitchFamily="49" charset="0"/>
                 <a:ea typeface="微软雅黑" panose="020B0503020204020204" pitchFamily="34" charset="-122"/>
               </a:rPr>
-              <a:t>查找身份</a:t>
+              <a:t>商家</a:t>
             </a:r>
           </a:p>
         </p:txBody>
       </p:sp>
       <p:sp>
         <p:nvSpPr>
-          <p:cNvPr id="29" name="矩形: 圆角 28">
-            <a:extLst>
-              <a:ext uri="{FF2B5EF4-FFF2-40B4-BE49-F238E27FC236}">
-                <a16:creationId xmlns:a16="http://schemas.microsoft.com/office/drawing/2014/main" id="{A4F902C6-6B93-41CF-919B-8FA5B2861830}"/>
+          <p:cNvPr id="24" name="矩形: 圆角 23">
+            <a:extLst>
+              <a:ext uri="{FF2B5EF4-FFF2-40B4-BE49-F238E27FC236}">
+                <a16:creationId xmlns:a16="http://schemas.microsoft.com/office/drawing/2014/main" id="{054B5812-949B-49BF-AC5E-79F7289B8E25}"/>
               </a:ext>
             </a:extLst>
           </p:cNvPr>
@@ -18984,8 +21339,8 @@
         </p:nvSpPr>
         <p:spPr>
           <a:xfrm>
-            <a:off x="6498672" y="2527933"/>
-            <a:ext cx="1728000" cy="432000"/>
+            <a:off x="712379" y="1450650"/>
+            <a:ext cx="1728000" cy="648000"/>
           </a:xfrm>
           <a:prstGeom prst="roundRect">
             <a:avLst/>
@@ -19023,16 +21378,26 @@
           <a:p>
             <a:pPr algn="ctr"/>
             <a:r>
-              <a:rPr lang="zh-CN" altLang="en-US" sz="1600" b="1">
-                <a:solidFill>
-                  <a:schemeClr val="tx1"/>
-                </a:solidFill>
-                <a:latin typeface="微软雅黑" panose="020B0503020204020204" pitchFamily="34" charset="-122"/>
-                <a:ea typeface="微软雅黑" panose="020B0503020204020204" pitchFamily="34" charset="-122"/>
-              </a:rPr>
-              <a:t>身份表</a:t>
-            </a:r>
-            <a:endParaRPr lang="en-US" altLang="zh-CN" sz="1600" b="1">
+              <a:rPr lang="en-US" altLang="zh-CN" b="1">
+                <a:solidFill>
+                  <a:schemeClr val="tx1"/>
+                </a:solidFill>
+                <a:latin typeface="微软雅黑" panose="020B0503020204020204" pitchFamily="34" charset="-122"/>
+                <a:ea typeface="微软雅黑" panose="020B0503020204020204" pitchFamily="34" charset="-122"/>
+              </a:rPr>
+              <a:t>OTC</a:t>
+            </a:r>
+            <a:r>
+              <a:rPr lang="zh-CN" altLang="en-US" b="1">
+                <a:solidFill>
+                  <a:schemeClr val="tx1"/>
+                </a:solidFill>
+                <a:latin typeface="微软雅黑" panose="020B0503020204020204" pitchFamily="34" charset="-122"/>
+                <a:ea typeface="微软雅黑" panose="020B0503020204020204" pitchFamily="34" charset="-122"/>
+              </a:rPr>
+              <a:t>商家表</a:t>
+            </a:r>
+            <a:endParaRPr lang="en-US" altLang="zh-CN" b="1">
               <a:solidFill>
                 <a:schemeClr val="tx1"/>
               </a:solidFill>
@@ -19040,152 +21405,34 @@
               <a:ea typeface="微软雅黑" panose="020B0503020204020204" pitchFamily="34" charset="-122"/>
             </a:endParaRPr>
           </a:p>
+          <a:p>
+            <a:pPr algn="ctr"/>
+            <a:r>
+              <a:rPr lang="en-US" altLang="zh-CN" b="1">
+                <a:solidFill>
+                  <a:schemeClr val="tx1"/>
+                </a:solidFill>
+                <a:latin typeface="微软雅黑" panose="020B0503020204020204" pitchFamily="34" charset="-122"/>
+                <a:ea typeface="微软雅黑" panose="020B0503020204020204" pitchFamily="34" charset="-122"/>
+              </a:rPr>
+              <a:t>otcB</a:t>
+            </a:r>
+            <a:endParaRPr lang="zh-CN" altLang="en-US" b="1">
+              <a:solidFill>
+                <a:schemeClr val="tx1"/>
+              </a:solidFill>
+              <a:latin typeface="微软雅黑" panose="020B0503020204020204" pitchFamily="34" charset="-122"/>
+              <a:ea typeface="微软雅黑" panose="020B0503020204020204" pitchFamily="34" charset="-122"/>
+            </a:endParaRPr>
+          </a:p>
         </p:txBody>
       </p:sp>
-      <p:cxnSp>
-        <p:nvCxnSpPr>
-          <p:cNvPr id="36" name="直接箭头连接符 35">
-            <a:extLst>
-              <a:ext uri="{FF2B5EF4-FFF2-40B4-BE49-F238E27FC236}">
-                <a16:creationId xmlns:a16="http://schemas.microsoft.com/office/drawing/2014/main" id="{7FC5FF20-90B8-4813-8B3D-EA4D4A445065}"/>
-              </a:ext>
-            </a:extLst>
-          </p:cNvPr>
-          <p:cNvCxnSpPr>
-            <a:cxnSpLocks/>
-            <a:stCxn id="48" idx="3"/>
-            <a:endCxn id="53" idx="1"/>
-          </p:cNvCxnSpPr>
-          <p:nvPr/>
-        </p:nvCxnSpPr>
-        <p:spPr>
-          <a:xfrm>
-            <a:off x="1792379" y="1571529"/>
-            <a:ext cx="1282375" cy="0"/>
-          </a:xfrm>
-          <a:prstGeom prst="straightConnector1">
-            <a:avLst/>
-          </a:prstGeom>
-          <a:ln w="31750">
-            <a:solidFill>
-              <a:schemeClr val="tx1"/>
-            </a:solidFill>
-            <a:tailEnd type="triangle"/>
-          </a:ln>
-        </p:spPr>
-        <p:style>
-          <a:lnRef idx="1">
-            <a:schemeClr val="accent1"/>
-          </a:lnRef>
-          <a:fillRef idx="0">
-            <a:schemeClr val="accent1"/>
-          </a:fillRef>
-          <a:effectRef idx="0">
-            <a:schemeClr val="accent1"/>
-          </a:effectRef>
-          <a:fontRef idx="minor">
-            <a:schemeClr val="tx1"/>
-          </a:fontRef>
-        </p:style>
-      </p:cxnSp>
-      <p:cxnSp>
-        <p:nvCxnSpPr>
-          <p:cNvPr id="37" name="直接箭头连接符 36">
-            <a:extLst>
-              <a:ext uri="{FF2B5EF4-FFF2-40B4-BE49-F238E27FC236}">
-                <a16:creationId xmlns:a16="http://schemas.microsoft.com/office/drawing/2014/main" id="{FFC79E0D-D038-4874-A3C2-A37A7DB0BC4B}"/>
-              </a:ext>
-            </a:extLst>
-          </p:cNvPr>
-          <p:cNvCxnSpPr>
-            <a:cxnSpLocks/>
-            <a:stCxn id="61" idx="3"/>
-            <a:endCxn id="101" idx="1"/>
-          </p:cNvCxnSpPr>
-          <p:nvPr/>
-        </p:nvCxnSpPr>
-        <p:spPr>
-          <a:xfrm>
-            <a:off x="1792379" y="2743638"/>
-            <a:ext cx="1282375" cy="0"/>
-          </a:xfrm>
-          <a:prstGeom prst="straightConnector1">
-            <a:avLst/>
-          </a:prstGeom>
-          <a:ln w="31750">
-            <a:solidFill>
-              <a:schemeClr val="tx1"/>
-            </a:solidFill>
-            <a:tailEnd type="triangle"/>
-          </a:ln>
-        </p:spPr>
-        <p:style>
-          <a:lnRef idx="1">
-            <a:schemeClr val="accent1"/>
-          </a:lnRef>
-          <a:fillRef idx="0">
-            <a:schemeClr val="accent1"/>
-          </a:fillRef>
-          <a:effectRef idx="0">
-            <a:schemeClr val="accent1"/>
-          </a:effectRef>
-          <a:fontRef idx="minor">
-            <a:schemeClr val="tx1"/>
-          </a:fontRef>
-        </p:style>
-      </p:cxnSp>
-      <p:cxnSp>
-        <p:nvCxnSpPr>
-          <p:cNvPr id="50" name="直接箭头连接符 49">
-            <a:extLst>
-              <a:ext uri="{FF2B5EF4-FFF2-40B4-BE49-F238E27FC236}">
-                <a16:creationId xmlns:a16="http://schemas.microsoft.com/office/drawing/2014/main" id="{EDA11599-43E1-46C0-9B21-A13B65DE2D70}"/>
-              </a:ext>
-            </a:extLst>
-          </p:cNvPr>
-          <p:cNvCxnSpPr>
-            <a:cxnSpLocks/>
-            <a:stCxn id="29" idx="1"/>
-            <a:endCxn id="101" idx="3"/>
-          </p:cNvCxnSpPr>
-          <p:nvPr/>
-        </p:nvCxnSpPr>
-        <p:spPr>
-          <a:xfrm flipH="1" flipV="1">
-            <a:off x="5594754" y="2743638"/>
-            <a:ext cx="903918" cy="295"/>
-          </a:xfrm>
-          <a:prstGeom prst="straightConnector1">
-            <a:avLst/>
-          </a:prstGeom>
-          <a:ln w="57150">
-            <a:solidFill>
-              <a:srgbClr val="FF0000"/>
-            </a:solidFill>
-            <a:tailEnd type="triangle"/>
-          </a:ln>
-        </p:spPr>
-        <p:style>
-          <a:lnRef idx="1">
-            <a:schemeClr val="accent1"/>
-          </a:lnRef>
-          <a:fillRef idx="0">
-            <a:schemeClr val="accent1"/>
-          </a:fillRef>
-          <a:effectRef idx="0">
-            <a:schemeClr val="accent1"/>
-          </a:effectRef>
-          <a:fontRef idx="minor">
-            <a:schemeClr val="tx1"/>
-          </a:fontRef>
-        </p:style>
-      </p:cxnSp>
       <p:sp>
         <p:nvSpPr>
-          <p:cNvPr id="33" name="矩形: 圆角 32">
-            <a:extLst>
-              <a:ext uri="{FF2B5EF4-FFF2-40B4-BE49-F238E27FC236}">
-                <a16:creationId xmlns:a16="http://schemas.microsoft.com/office/drawing/2014/main" id="{1E2BC38F-5E9F-4DC3-AA55-DBC7D47BC333}"/>
+          <p:cNvPr id="25" name="矩形: 圆角 24">
+            <a:extLst>
+              <a:ext uri="{FF2B5EF4-FFF2-40B4-BE49-F238E27FC236}">
+                <a16:creationId xmlns:a16="http://schemas.microsoft.com/office/drawing/2014/main" id="{94761DED-5DDC-43C9-8ED4-686426672624}"/>
               </a:ext>
             </a:extLst>
           </p:cNvPr>
@@ -19194,21 +21441,20 @@
         </p:nvSpPr>
         <p:spPr>
           <a:xfrm>
-            <a:off x="6498672" y="1356900"/>
-            <a:ext cx="1728000" cy="432000"/>
+            <a:off x="712379" y="2098650"/>
+            <a:ext cx="1728000" cy="648000"/>
           </a:xfrm>
           <a:prstGeom prst="roundRect">
-            <a:avLst/>
+            <a:avLst>
+              <a:gd name="adj" fmla="val 5494"/>
+            </a:avLst>
           </a:prstGeom>
-          <a:solidFill>
-            <a:schemeClr val="bg1">
-              <a:lumMod val="95000"/>
-            </a:schemeClr>
-          </a:solidFill>
+          <a:noFill/>
           <a:ln>
             <a:solidFill>
-              <a:schemeClr val="tx1"/>
+              <a:schemeClr val="tx2"/>
             </a:solidFill>
+            <a:prstDash val="dash"/>
           </a:ln>
         </p:spPr>
         <p:style>
@@ -19228,21 +21474,42 @@
           </a:fontRef>
         </p:style>
         <p:txBody>
-          <a:bodyPr wrap="none" lIns="36000" tIns="36000" rIns="36000" bIns="36000" rtlCol="0" anchor="ctr" anchorCtr="0"/>
+          <a:bodyPr rtlCol="0" anchor="b" anchorCtr="0"/>
           <a:lstStyle/>
           <a:p>
-            <a:pPr algn="ctr"/>
-            <a:r>
-              <a:rPr lang="zh-CN" altLang="en-US" sz="1600" b="1">
-                <a:solidFill>
-                  <a:schemeClr val="tx1"/>
-                </a:solidFill>
-                <a:latin typeface="微软雅黑" panose="020B0503020204020204" pitchFamily="34" charset="-122"/>
-                <a:ea typeface="微软雅黑" panose="020B0503020204020204" pitchFamily="34" charset="-122"/>
-              </a:rPr>
-              <a:t>身份表</a:t>
-            </a:r>
-            <a:endParaRPr lang="en-US" altLang="zh-CN" sz="1600" b="1">
+            <a:r>
+              <a:rPr lang="zh-CN" altLang="en-US" sz="1400" b="1">
+                <a:solidFill>
+                  <a:schemeClr val="tx1"/>
+                </a:solidFill>
+                <a:latin typeface="微软雅黑" panose="020B0503020204020204" pitchFamily="34" charset="-122"/>
+                <a:ea typeface="微软雅黑" panose="020B0503020204020204" pitchFamily="34" charset="-122"/>
+              </a:rPr>
+              <a:t>用户</a:t>
+            </a:r>
+            <a:r>
+              <a:rPr lang="en-US" altLang="zh-CN" sz="1400" b="1">
+                <a:solidFill>
+                  <a:schemeClr val="tx1"/>
+                </a:solidFill>
+                <a:latin typeface="微软雅黑" panose="020B0503020204020204" pitchFamily="34" charset="-122"/>
+                <a:ea typeface="微软雅黑" panose="020B0503020204020204" pitchFamily="34" charset="-122"/>
+              </a:rPr>
+              <a:t>id</a:t>
+            </a:r>
+          </a:p>
+          <a:p>
+            <a:r>
+              <a:rPr lang="zh-CN" altLang="en-US" sz="1400" b="1">
+                <a:solidFill>
+                  <a:schemeClr val="tx1"/>
+                </a:solidFill>
+                <a:latin typeface="微软雅黑" panose="020B0503020204020204" pitchFamily="34" charset="-122"/>
+                <a:ea typeface="微软雅黑" panose="020B0503020204020204" pitchFamily="34" charset="-122"/>
+              </a:rPr>
+              <a:t>批准标记</a:t>
+            </a:r>
+            <a:endParaRPr lang="en-US" altLang="zh-CN" sz="1400" b="1">
               <a:solidFill>
                 <a:schemeClr val="tx1"/>
               </a:solidFill>
@@ -19252,56 +21519,10 @@
           </a:p>
         </p:txBody>
       </p:sp>
-      <p:cxnSp>
-        <p:nvCxnSpPr>
-          <p:cNvPr id="34" name="直接箭头连接符 33">
-            <a:extLst>
-              <a:ext uri="{FF2B5EF4-FFF2-40B4-BE49-F238E27FC236}">
-                <a16:creationId xmlns:a16="http://schemas.microsoft.com/office/drawing/2014/main" id="{37C81BC6-3240-4048-8F03-FD9516EC7BA9}"/>
-              </a:ext>
-            </a:extLst>
-          </p:cNvPr>
-          <p:cNvCxnSpPr>
-            <a:cxnSpLocks/>
-            <a:stCxn id="33" idx="1"/>
-            <a:endCxn id="53" idx="3"/>
-          </p:cNvCxnSpPr>
-          <p:nvPr/>
-        </p:nvCxnSpPr>
-        <p:spPr>
-          <a:xfrm flipH="1" flipV="1">
-            <a:off x="5594754" y="1571529"/>
-            <a:ext cx="903918" cy="1371"/>
-          </a:xfrm>
-          <a:prstGeom prst="straightConnector1">
-            <a:avLst/>
-          </a:prstGeom>
-          <a:ln w="57150">
-            <a:solidFill>
-              <a:srgbClr val="FF0000"/>
-            </a:solidFill>
-            <a:tailEnd type="triangle"/>
-          </a:ln>
-        </p:spPr>
-        <p:style>
-          <a:lnRef idx="1">
-            <a:schemeClr val="accent1"/>
-          </a:lnRef>
-          <a:fillRef idx="0">
-            <a:schemeClr val="accent1"/>
-          </a:fillRef>
-          <a:effectRef idx="0">
-            <a:schemeClr val="accent1"/>
-          </a:effectRef>
-          <a:fontRef idx="minor">
-            <a:schemeClr val="tx1"/>
-          </a:fontRef>
-        </p:style>
-      </p:cxnSp>
     </p:spTree>
     <p:extLst>
       <p:ext uri="{BB962C8B-B14F-4D97-AF65-F5344CB8AC3E}">
-        <p14:creationId xmlns:p14="http://schemas.microsoft.com/office/powerpoint/2010/main" val="2609802873"/>
+        <p14:creationId xmlns:p14="http://schemas.microsoft.com/office/powerpoint/2010/main" val="3634390463"/>
       </p:ext>
     </p:extLst>
   </p:cSld>

--- a/doc/02.身份.pptx
+++ b/doc/02.身份.pptx
@@ -5364,7 +5364,7 @@
         </p:nvGrpSpPr>
         <p:grpSpPr>
           <a:xfrm>
-            <a:off x="6535587" y="4487320"/>
+            <a:off x="6535587" y="4522832"/>
             <a:ext cx="3158333" cy="369332"/>
             <a:chOff x="1628272" y="4095130"/>
             <a:chExt cx="3346433" cy="369332"/>
@@ -5402,6 +5402,7 @@
                 <a:rPr lang="zh-CN" altLang="en-US" b="1">
                   <a:latin typeface="Consolas" panose="020B0609020204030204" pitchFamily="49" charset="0"/>
                   <a:ea typeface="微软雅黑" panose="020B0503020204020204" pitchFamily="34" charset="-122"/>
+                  <a:hlinkClick r:id="rId16" action="ppaction://hlinksldjump"/>
                 </a:rPr>
                 <a:t>申请成为</a:t>
               </a:r>
@@ -5409,6 +5410,7 @@
                 <a:rPr lang="en-US" altLang="zh-CN" b="1">
                   <a:latin typeface="Consolas" panose="020B0609020204030204" pitchFamily="49" charset="0"/>
                   <a:ea typeface="微软雅黑" panose="020B0503020204020204" pitchFamily="34" charset="-122"/>
+                  <a:hlinkClick r:id="rId16" action="ppaction://hlinksldjump"/>
                 </a:rPr>
                 <a:t>OTC</a:t>
               </a:r>
@@ -5416,6 +5418,7 @@
                 <a:rPr lang="zh-CN" altLang="en-US" b="1">
                   <a:latin typeface="Consolas" panose="020B0609020204030204" pitchFamily="49" charset="0"/>
                   <a:ea typeface="微软雅黑" panose="020B0503020204020204" pitchFamily="34" charset="-122"/>
+                  <a:hlinkClick r:id="rId16" action="ppaction://hlinksldjump"/>
                 </a:rPr>
                 <a:t>商家</a:t>
               </a:r>
